--- a/report.pptx
+++ b/report.pptx
@@ -253,7 +253,7 @@
   </p:defaultTextStyle>
   <p:extLst>
     <p:ext uri="GoogleSlidesCustomDataVersion2">
-      <go:slidesCustomData xmlns:go="http://customooxmlschemas.google.com/" r:id="rId11" roundtripDataSignature="AMtx7mhHsmQogMIKXcEWXoqaB5uBcxxtrA=="/>
+      <go:slidesCustomData xmlns:go="http://customooxmlschemas.google.com/" r:id="rId11" roundtripDataSignature="AMtx7mgWd26foDy+rMajrmy+SEBvt78DXQ=="/>
     </p:ext>
   </p:extLst>
 </p:presentation>
@@ -347,104 +347,239 @@
             <a:noAutofit/>
           </a:bodyPr>
           <a:lstStyle>
-            <a:lvl1pPr indent="-298450" lvl="0" marL="457200">
-              <a:spcBef>
-                <a:spcPts val="0"/>
-              </a:spcBef>
-              <a:spcAft>
-                <a:spcPts val="0"/>
-              </a:spcAft>
+            <a:lvl1pPr indent="-298450" lvl="0" marL="457200" marR="0" rtl="0" algn="l">
+              <a:lnSpc>
+                <a:spcPct val="100000"/>
+              </a:lnSpc>
+              <a:spcBef>
+                <a:spcPts val="0"/>
+              </a:spcBef>
+              <a:spcAft>
+                <a:spcPts val="0"/>
+              </a:spcAft>
+              <a:buClr>
+                <a:srgbClr val="000000"/>
+              </a:buClr>
               <a:buSzPts val="1100"/>
+              <a:buFont typeface="Arial"/>
               <a:buChar char="●"/>
-              <a:defRPr sz="1100"/>
+              <a:defRPr b="0" i="0" sz="1100" u="none" cap="none" strike="noStrike">
+                <a:solidFill>
+                  <a:srgbClr val="000000"/>
+                </a:solidFill>
+                <a:latin typeface="Arial"/>
+                <a:ea typeface="Arial"/>
+                <a:cs typeface="Arial"/>
+                <a:sym typeface="Arial"/>
+              </a:defRPr>
             </a:lvl1pPr>
-            <a:lvl2pPr indent="-298450" lvl="1" marL="914400">
-              <a:spcBef>
-                <a:spcPts val="0"/>
-              </a:spcBef>
-              <a:spcAft>
-                <a:spcPts val="0"/>
-              </a:spcAft>
+            <a:lvl2pPr indent="-298450" lvl="1" marL="914400" marR="0" rtl="0" algn="l">
+              <a:lnSpc>
+                <a:spcPct val="100000"/>
+              </a:lnSpc>
+              <a:spcBef>
+                <a:spcPts val="0"/>
+              </a:spcBef>
+              <a:spcAft>
+                <a:spcPts val="0"/>
+              </a:spcAft>
+              <a:buClr>
+                <a:srgbClr val="000000"/>
+              </a:buClr>
               <a:buSzPts val="1100"/>
+              <a:buFont typeface="Arial"/>
               <a:buChar char="○"/>
-              <a:defRPr sz="1100"/>
+              <a:defRPr b="0" i="0" sz="1100" u="none" cap="none" strike="noStrike">
+                <a:solidFill>
+                  <a:srgbClr val="000000"/>
+                </a:solidFill>
+                <a:latin typeface="Arial"/>
+                <a:ea typeface="Arial"/>
+                <a:cs typeface="Arial"/>
+                <a:sym typeface="Arial"/>
+              </a:defRPr>
             </a:lvl2pPr>
-            <a:lvl3pPr indent="-298450" lvl="2" marL="1371600">
-              <a:spcBef>
-                <a:spcPts val="0"/>
-              </a:spcBef>
-              <a:spcAft>
-                <a:spcPts val="0"/>
-              </a:spcAft>
+            <a:lvl3pPr indent="-298450" lvl="2" marL="1371600" marR="0" rtl="0" algn="l">
+              <a:lnSpc>
+                <a:spcPct val="100000"/>
+              </a:lnSpc>
+              <a:spcBef>
+                <a:spcPts val="0"/>
+              </a:spcBef>
+              <a:spcAft>
+                <a:spcPts val="0"/>
+              </a:spcAft>
+              <a:buClr>
+                <a:srgbClr val="000000"/>
+              </a:buClr>
               <a:buSzPts val="1100"/>
+              <a:buFont typeface="Arial"/>
               <a:buChar char="■"/>
-              <a:defRPr sz="1100"/>
+              <a:defRPr b="0" i="0" sz="1100" u="none" cap="none" strike="noStrike">
+                <a:solidFill>
+                  <a:srgbClr val="000000"/>
+                </a:solidFill>
+                <a:latin typeface="Arial"/>
+                <a:ea typeface="Arial"/>
+                <a:cs typeface="Arial"/>
+                <a:sym typeface="Arial"/>
+              </a:defRPr>
             </a:lvl3pPr>
-            <a:lvl4pPr indent="-298450" lvl="3" marL="1828800">
-              <a:spcBef>
-                <a:spcPts val="0"/>
-              </a:spcBef>
-              <a:spcAft>
-                <a:spcPts val="0"/>
-              </a:spcAft>
+            <a:lvl4pPr indent="-298450" lvl="3" marL="1828800" marR="0" rtl="0" algn="l">
+              <a:lnSpc>
+                <a:spcPct val="100000"/>
+              </a:lnSpc>
+              <a:spcBef>
+                <a:spcPts val="0"/>
+              </a:spcBef>
+              <a:spcAft>
+                <a:spcPts val="0"/>
+              </a:spcAft>
+              <a:buClr>
+                <a:srgbClr val="000000"/>
+              </a:buClr>
               <a:buSzPts val="1100"/>
+              <a:buFont typeface="Arial"/>
               <a:buChar char="●"/>
-              <a:defRPr sz="1100"/>
+              <a:defRPr b="0" i="0" sz="1100" u="none" cap="none" strike="noStrike">
+                <a:solidFill>
+                  <a:srgbClr val="000000"/>
+                </a:solidFill>
+                <a:latin typeface="Arial"/>
+                <a:ea typeface="Arial"/>
+                <a:cs typeface="Arial"/>
+                <a:sym typeface="Arial"/>
+              </a:defRPr>
             </a:lvl4pPr>
-            <a:lvl5pPr indent="-298450" lvl="4" marL="2286000">
-              <a:spcBef>
-                <a:spcPts val="0"/>
-              </a:spcBef>
-              <a:spcAft>
-                <a:spcPts val="0"/>
-              </a:spcAft>
+            <a:lvl5pPr indent="-298450" lvl="4" marL="2286000" marR="0" rtl="0" algn="l">
+              <a:lnSpc>
+                <a:spcPct val="100000"/>
+              </a:lnSpc>
+              <a:spcBef>
+                <a:spcPts val="0"/>
+              </a:spcBef>
+              <a:spcAft>
+                <a:spcPts val="0"/>
+              </a:spcAft>
+              <a:buClr>
+                <a:srgbClr val="000000"/>
+              </a:buClr>
               <a:buSzPts val="1100"/>
+              <a:buFont typeface="Arial"/>
               <a:buChar char="○"/>
-              <a:defRPr sz="1100"/>
+              <a:defRPr b="0" i="0" sz="1100" u="none" cap="none" strike="noStrike">
+                <a:solidFill>
+                  <a:srgbClr val="000000"/>
+                </a:solidFill>
+                <a:latin typeface="Arial"/>
+                <a:ea typeface="Arial"/>
+                <a:cs typeface="Arial"/>
+                <a:sym typeface="Arial"/>
+              </a:defRPr>
             </a:lvl5pPr>
-            <a:lvl6pPr indent="-298450" lvl="5" marL="2743200">
-              <a:spcBef>
-                <a:spcPts val="0"/>
-              </a:spcBef>
-              <a:spcAft>
-                <a:spcPts val="0"/>
-              </a:spcAft>
+            <a:lvl6pPr indent="-298450" lvl="5" marL="2743200" marR="0" rtl="0" algn="l">
+              <a:lnSpc>
+                <a:spcPct val="100000"/>
+              </a:lnSpc>
+              <a:spcBef>
+                <a:spcPts val="0"/>
+              </a:spcBef>
+              <a:spcAft>
+                <a:spcPts val="0"/>
+              </a:spcAft>
+              <a:buClr>
+                <a:srgbClr val="000000"/>
+              </a:buClr>
               <a:buSzPts val="1100"/>
+              <a:buFont typeface="Arial"/>
               <a:buChar char="■"/>
-              <a:defRPr sz="1100"/>
+              <a:defRPr b="0" i="0" sz="1100" u="none" cap="none" strike="noStrike">
+                <a:solidFill>
+                  <a:srgbClr val="000000"/>
+                </a:solidFill>
+                <a:latin typeface="Arial"/>
+                <a:ea typeface="Arial"/>
+                <a:cs typeface="Arial"/>
+                <a:sym typeface="Arial"/>
+              </a:defRPr>
             </a:lvl6pPr>
-            <a:lvl7pPr indent="-298450" lvl="6" marL="3200400">
-              <a:spcBef>
-                <a:spcPts val="0"/>
-              </a:spcBef>
-              <a:spcAft>
-                <a:spcPts val="0"/>
-              </a:spcAft>
+            <a:lvl7pPr indent="-298450" lvl="6" marL="3200400" marR="0" rtl="0" algn="l">
+              <a:lnSpc>
+                <a:spcPct val="100000"/>
+              </a:lnSpc>
+              <a:spcBef>
+                <a:spcPts val="0"/>
+              </a:spcBef>
+              <a:spcAft>
+                <a:spcPts val="0"/>
+              </a:spcAft>
+              <a:buClr>
+                <a:srgbClr val="000000"/>
+              </a:buClr>
               <a:buSzPts val="1100"/>
+              <a:buFont typeface="Arial"/>
               <a:buChar char="●"/>
-              <a:defRPr sz="1100"/>
+              <a:defRPr b="0" i="0" sz="1100" u="none" cap="none" strike="noStrike">
+                <a:solidFill>
+                  <a:srgbClr val="000000"/>
+                </a:solidFill>
+                <a:latin typeface="Arial"/>
+                <a:ea typeface="Arial"/>
+                <a:cs typeface="Arial"/>
+                <a:sym typeface="Arial"/>
+              </a:defRPr>
             </a:lvl7pPr>
-            <a:lvl8pPr indent="-298450" lvl="7" marL="3657600">
-              <a:spcBef>
-                <a:spcPts val="0"/>
-              </a:spcBef>
-              <a:spcAft>
-                <a:spcPts val="0"/>
-              </a:spcAft>
+            <a:lvl8pPr indent="-298450" lvl="7" marL="3657600" marR="0" rtl="0" algn="l">
+              <a:lnSpc>
+                <a:spcPct val="100000"/>
+              </a:lnSpc>
+              <a:spcBef>
+                <a:spcPts val="0"/>
+              </a:spcBef>
+              <a:spcAft>
+                <a:spcPts val="0"/>
+              </a:spcAft>
+              <a:buClr>
+                <a:srgbClr val="000000"/>
+              </a:buClr>
               <a:buSzPts val="1100"/>
+              <a:buFont typeface="Arial"/>
               <a:buChar char="○"/>
-              <a:defRPr sz="1100"/>
+              <a:defRPr b="0" i="0" sz="1100" u="none" cap="none" strike="noStrike">
+                <a:solidFill>
+                  <a:srgbClr val="000000"/>
+                </a:solidFill>
+                <a:latin typeface="Arial"/>
+                <a:ea typeface="Arial"/>
+                <a:cs typeface="Arial"/>
+                <a:sym typeface="Arial"/>
+              </a:defRPr>
             </a:lvl8pPr>
-            <a:lvl9pPr indent="-298450" lvl="8" marL="4114800">
-              <a:spcBef>
-                <a:spcPts val="0"/>
-              </a:spcBef>
-              <a:spcAft>
-                <a:spcPts val="0"/>
-              </a:spcAft>
+            <a:lvl9pPr indent="-298450" lvl="8" marL="4114800" marR="0" rtl="0" algn="l">
+              <a:lnSpc>
+                <a:spcPct val="100000"/>
+              </a:lnSpc>
+              <a:spcBef>
+                <a:spcPts val="0"/>
+              </a:spcBef>
+              <a:spcAft>
+                <a:spcPts val="0"/>
+              </a:spcAft>
+              <a:buClr>
+                <a:srgbClr val="000000"/>
+              </a:buClr>
               <a:buSzPts val="1100"/>
+              <a:buFont typeface="Arial"/>
               <a:buChar char="■"/>
-              <a:defRPr sz="1100"/>
+              <a:defRPr b="0" i="0" sz="1100" u="none" cap="none" strike="noStrike">
+                <a:solidFill>
+                  <a:srgbClr val="000000"/>
+                </a:solidFill>
+                <a:latin typeface="Arial"/>
+                <a:ea typeface="Arial"/>
+                <a:cs typeface="Arial"/>
+                <a:sym typeface="Arial"/>
+              </a:defRPr>
             </a:lvl9pPr>
           </a:lstStyle>
           <a:p/>
@@ -718,6 +853,10 @@
           <a:prstGeom prst="rect">
             <a:avLst/>
           </a:prstGeom>
+          <a:noFill/>
+          <a:ln>
+            <a:noFill/>
+          </a:ln>
         </p:spPr>
         <p:txBody>
           <a:bodyPr anchorCtr="0" anchor="t" bIns="91425" lIns="91425" spcFirstLastPara="1" rIns="91425" wrap="square" tIns="91425">
@@ -726,12 +865,16 @@
           <a:lstStyle/>
           <a:p>
             <a:pPr indent="0" lvl="0" marL="0" rtl="0" algn="l">
-              <a:spcBef>
-                <a:spcPts val="0"/>
-              </a:spcBef>
-              <a:spcAft>
-                <a:spcPts val="0"/>
-              </a:spcAft>
+              <a:lnSpc>
+                <a:spcPct val="100000"/>
+              </a:lnSpc>
+              <a:spcBef>
+                <a:spcPts val="0"/>
+              </a:spcBef>
+              <a:spcAft>
+                <a:spcPts val="0"/>
+              </a:spcAft>
+              <a:buSzPts val="1100"/>
               <a:buNone/>
             </a:pPr>
             <a:r>
@@ -774,6 +917,16 @@
               </a:path>
             </a:pathLst>
           </a:custGeom>
+          <a:noFill/>
+          <a:ln cap="flat" cmpd="sng" w="9525">
+            <a:solidFill>
+              <a:srgbClr val="000000"/>
+            </a:solidFill>
+            <a:prstDash val="solid"/>
+            <a:round/>
+            <a:headEnd len="sm" w="sm" type="none"/>
+            <a:tailEnd len="sm" w="sm" type="none"/>
+          </a:ln>
         </p:spPr>
       </p:sp>
     </p:spTree>
@@ -817,6 +970,10 @@
           <a:prstGeom prst="rect">
             <a:avLst/>
           </a:prstGeom>
+          <a:noFill/>
+          <a:ln>
+            <a:noFill/>
+          </a:ln>
         </p:spPr>
         <p:txBody>
           <a:bodyPr anchorCtr="0" anchor="t" bIns="91425" lIns="91425" spcFirstLastPara="1" rIns="91425" wrap="square" tIns="91425">
@@ -825,12 +982,16 @@
           <a:lstStyle/>
           <a:p>
             <a:pPr indent="0" lvl="0" marL="0" rtl="0" algn="l">
-              <a:spcBef>
-                <a:spcPts val="0"/>
-              </a:spcBef>
-              <a:spcAft>
-                <a:spcPts val="0"/>
-              </a:spcAft>
+              <a:lnSpc>
+                <a:spcPct val="100000"/>
+              </a:lnSpc>
+              <a:spcBef>
+                <a:spcPts val="0"/>
+              </a:spcBef>
+              <a:spcAft>
+                <a:spcPts val="0"/>
+              </a:spcAft>
+              <a:buSzPts val="1100"/>
               <a:buNone/>
             </a:pPr>
             <a:r>
@@ -873,6 +1034,16 @@
               </a:path>
             </a:pathLst>
           </a:custGeom>
+          <a:noFill/>
+          <a:ln cap="flat" cmpd="sng" w="9525">
+            <a:solidFill>
+              <a:srgbClr val="000000"/>
+            </a:solidFill>
+            <a:prstDash val="solid"/>
+            <a:round/>
+            <a:headEnd len="sm" w="sm" type="none"/>
+            <a:tailEnd len="sm" w="sm" type="none"/>
+          </a:ln>
         </p:spPr>
       </p:sp>
     </p:spTree>
@@ -916,6 +1087,10 @@
           <a:prstGeom prst="rect">
             <a:avLst/>
           </a:prstGeom>
+          <a:noFill/>
+          <a:ln>
+            <a:noFill/>
+          </a:ln>
         </p:spPr>
         <p:txBody>
           <a:bodyPr anchorCtr="0" anchor="t" bIns="91425" lIns="91425" spcFirstLastPara="1" rIns="91425" wrap="square" tIns="91425">
@@ -924,12 +1099,16 @@
           <a:lstStyle/>
           <a:p>
             <a:pPr indent="0" lvl="0" marL="0" rtl="0" algn="l">
-              <a:spcBef>
-                <a:spcPts val="0"/>
-              </a:spcBef>
-              <a:spcAft>
-                <a:spcPts val="0"/>
-              </a:spcAft>
+              <a:lnSpc>
+                <a:spcPct val="100000"/>
+              </a:lnSpc>
+              <a:spcBef>
+                <a:spcPts val="0"/>
+              </a:spcBef>
+              <a:spcAft>
+                <a:spcPts val="0"/>
+              </a:spcAft>
+              <a:buSzPts val="1100"/>
               <a:buNone/>
             </a:pPr>
             <a:r>
@@ -972,6 +1151,16 @@
               </a:path>
             </a:pathLst>
           </a:custGeom>
+          <a:noFill/>
+          <a:ln cap="flat" cmpd="sng" w="9525">
+            <a:solidFill>
+              <a:srgbClr val="000000"/>
+            </a:solidFill>
+            <a:prstDash val="solid"/>
+            <a:round/>
+            <a:headEnd len="sm" w="sm" type="none"/>
+            <a:tailEnd len="sm" w="sm" type="none"/>
+          </a:ln>
         </p:spPr>
       </p:sp>
     </p:spTree>
@@ -1015,6 +1204,10 @@
           <a:prstGeom prst="rect">
             <a:avLst/>
           </a:prstGeom>
+          <a:noFill/>
+          <a:ln>
+            <a:noFill/>
+          </a:ln>
         </p:spPr>
         <p:txBody>
           <a:bodyPr anchorCtr="0" anchor="t" bIns="91425" lIns="91425" spcFirstLastPara="1" rIns="91425" wrap="square" tIns="91425">
@@ -1023,12 +1216,16 @@
           <a:lstStyle/>
           <a:p>
             <a:pPr indent="0" lvl="0" marL="0" rtl="0" algn="l">
-              <a:spcBef>
-                <a:spcPts val="0"/>
-              </a:spcBef>
-              <a:spcAft>
-                <a:spcPts val="0"/>
-              </a:spcAft>
+              <a:lnSpc>
+                <a:spcPct val="100000"/>
+              </a:lnSpc>
+              <a:spcBef>
+                <a:spcPts val="0"/>
+              </a:spcBef>
+              <a:spcAft>
+                <a:spcPts val="0"/>
+              </a:spcAft>
+              <a:buSzPts val="1100"/>
               <a:buNone/>
             </a:pPr>
             <a:r>
@@ -1071,6 +1268,16 @@
               </a:path>
             </a:pathLst>
           </a:custGeom>
+          <a:noFill/>
+          <a:ln cap="flat" cmpd="sng" w="9525">
+            <a:solidFill>
+              <a:srgbClr val="000000"/>
+            </a:solidFill>
+            <a:prstDash val="solid"/>
+            <a:round/>
+            <a:headEnd len="sm" w="sm" type="none"/>
+            <a:tailEnd len="sm" w="sm" type="none"/>
+          </a:ln>
         </p:spPr>
       </p:sp>
     </p:spTree>
@@ -1142,7 +1349,10 @@
               <a:buNone/>
               <a:defRPr sz="6000"/>
             </a:lvl1pPr>
-            <a:lvl2pPr lvl="1">
+            <a:lvl2pPr lvl="1" algn="l">
+              <a:lnSpc>
+                <a:spcPct val="100000"/>
+              </a:lnSpc>
               <a:spcBef>
                 <a:spcPts val="0"/>
               </a:spcBef>
@@ -1153,7 +1363,10 @@
               <a:buNone/>
               <a:defRPr/>
             </a:lvl2pPr>
-            <a:lvl3pPr lvl="2">
+            <a:lvl3pPr lvl="2" algn="l">
+              <a:lnSpc>
+                <a:spcPct val="100000"/>
+              </a:lnSpc>
               <a:spcBef>
                 <a:spcPts val="0"/>
               </a:spcBef>
@@ -1164,7 +1377,10 @@
               <a:buNone/>
               <a:defRPr/>
             </a:lvl3pPr>
-            <a:lvl4pPr lvl="3">
+            <a:lvl4pPr lvl="3" algn="l">
+              <a:lnSpc>
+                <a:spcPct val="100000"/>
+              </a:lnSpc>
               <a:spcBef>
                 <a:spcPts val="0"/>
               </a:spcBef>
@@ -1175,7 +1391,10 @@
               <a:buNone/>
               <a:defRPr/>
             </a:lvl4pPr>
-            <a:lvl5pPr lvl="4">
+            <a:lvl5pPr lvl="4" algn="l">
+              <a:lnSpc>
+                <a:spcPct val="100000"/>
+              </a:lnSpc>
               <a:spcBef>
                 <a:spcPts val="0"/>
               </a:spcBef>
@@ -1186,7 +1405,10 @@
               <a:buNone/>
               <a:defRPr/>
             </a:lvl5pPr>
-            <a:lvl6pPr lvl="5">
+            <a:lvl6pPr lvl="5" algn="l">
+              <a:lnSpc>
+                <a:spcPct val="100000"/>
+              </a:lnSpc>
               <a:spcBef>
                 <a:spcPts val="0"/>
               </a:spcBef>
@@ -1197,7 +1419,10 @@
               <a:buNone/>
               <a:defRPr/>
             </a:lvl6pPr>
-            <a:lvl7pPr lvl="6">
+            <a:lvl7pPr lvl="6" algn="l">
+              <a:lnSpc>
+                <a:spcPct val="100000"/>
+              </a:lnSpc>
               <a:spcBef>
                 <a:spcPts val="0"/>
               </a:spcBef>
@@ -1208,7 +1433,10 @@
               <a:buNone/>
               <a:defRPr/>
             </a:lvl7pPr>
-            <a:lvl8pPr lvl="7">
+            <a:lvl8pPr lvl="7" algn="l">
+              <a:lnSpc>
+                <a:spcPct val="100000"/>
+              </a:lnSpc>
               <a:spcBef>
                 <a:spcPts val="0"/>
               </a:spcBef>
@@ -1219,7 +1447,10 @@
               <a:buNone/>
               <a:defRPr/>
             </a:lvl8pPr>
-            <a:lvl9pPr lvl="8">
+            <a:lvl9pPr lvl="8" algn="l">
+              <a:lnSpc>
+                <a:spcPct val="100000"/>
+              </a:lnSpc>
               <a:spcBef>
                 <a:spcPts val="0"/>
               </a:spcBef>
@@ -1444,6 +1675,9 @@
           </a:bodyPr>
           <a:lstStyle>
             <a:lvl1pPr lvl="0" algn="l">
+              <a:lnSpc>
+                <a:spcPct val="100000"/>
+              </a:lnSpc>
               <a:spcBef>
                 <a:spcPts val="0"/>
               </a:spcBef>
@@ -1455,6 +1689,9 @@
               <a:defRPr/>
             </a:lvl1pPr>
             <a:lvl2pPr lvl="1" algn="l">
+              <a:lnSpc>
+                <a:spcPct val="100000"/>
+              </a:lnSpc>
               <a:spcBef>
                 <a:spcPts val="0"/>
               </a:spcBef>
@@ -1466,6 +1703,9 @@
               <a:defRPr/>
             </a:lvl2pPr>
             <a:lvl3pPr lvl="2" algn="l">
+              <a:lnSpc>
+                <a:spcPct val="100000"/>
+              </a:lnSpc>
               <a:spcBef>
                 <a:spcPts val="0"/>
               </a:spcBef>
@@ -1477,6 +1717,9 @@
               <a:defRPr/>
             </a:lvl3pPr>
             <a:lvl4pPr lvl="3" algn="l">
+              <a:lnSpc>
+                <a:spcPct val="100000"/>
+              </a:lnSpc>
               <a:spcBef>
                 <a:spcPts val="0"/>
               </a:spcBef>
@@ -1488,6 +1731,9 @@
               <a:defRPr/>
             </a:lvl4pPr>
             <a:lvl5pPr lvl="4" algn="l">
+              <a:lnSpc>
+                <a:spcPct val="100000"/>
+              </a:lnSpc>
               <a:spcBef>
                 <a:spcPts val="0"/>
               </a:spcBef>
@@ -1499,6 +1745,9 @@
               <a:defRPr/>
             </a:lvl5pPr>
             <a:lvl6pPr lvl="5" algn="l">
+              <a:lnSpc>
+                <a:spcPct val="100000"/>
+              </a:lnSpc>
               <a:spcBef>
                 <a:spcPts val="0"/>
               </a:spcBef>
@@ -1510,6 +1759,9 @@
               <a:defRPr/>
             </a:lvl6pPr>
             <a:lvl7pPr lvl="6" algn="l">
+              <a:lnSpc>
+                <a:spcPct val="100000"/>
+              </a:lnSpc>
               <a:spcBef>
                 <a:spcPts val="0"/>
               </a:spcBef>
@@ -1521,6 +1773,9 @@
               <a:defRPr/>
             </a:lvl7pPr>
             <a:lvl8pPr lvl="7" algn="l">
+              <a:lnSpc>
+                <a:spcPct val="100000"/>
+              </a:lnSpc>
               <a:spcBef>
                 <a:spcPts val="0"/>
               </a:spcBef>
@@ -1532,6 +1787,9 @@
               <a:defRPr/>
             </a:lvl8pPr>
             <a:lvl9pPr lvl="8" algn="l">
+              <a:lnSpc>
+                <a:spcPct val="100000"/>
+              </a:lnSpc>
               <a:spcBef>
                 <a:spcPts val="0"/>
               </a:spcBef>
@@ -1573,6 +1831,9 @@
           </a:bodyPr>
           <a:lstStyle>
             <a:lvl1pPr lvl="0" algn="ctr">
+              <a:lnSpc>
+                <a:spcPct val="100000"/>
+              </a:lnSpc>
               <a:spcBef>
                 <a:spcPts val="0"/>
               </a:spcBef>
@@ -1584,6 +1845,9 @@
               <a:defRPr/>
             </a:lvl1pPr>
             <a:lvl2pPr lvl="1" algn="l">
+              <a:lnSpc>
+                <a:spcPct val="100000"/>
+              </a:lnSpc>
               <a:spcBef>
                 <a:spcPts val="0"/>
               </a:spcBef>
@@ -1595,6 +1859,9 @@
               <a:defRPr/>
             </a:lvl2pPr>
             <a:lvl3pPr lvl="2" algn="l">
+              <a:lnSpc>
+                <a:spcPct val="100000"/>
+              </a:lnSpc>
               <a:spcBef>
                 <a:spcPts val="0"/>
               </a:spcBef>
@@ -1606,6 +1873,9 @@
               <a:defRPr/>
             </a:lvl3pPr>
             <a:lvl4pPr lvl="3" algn="l">
+              <a:lnSpc>
+                <a:spcPct val="100000"/>
+              </a:lnSpc>
               <a:spcBef>
                 <a:spcPts val="0"/>
               </a:spcBef>
@@ -1617,6 +1887,9 @@
               <a:defRPr/>
             </a:lvl4pPr>
             <a:lvl5pPr lvl="4" algn="l">
+              <a:lnSpc>
+                <a:spcPct val="100000"/>
+              </a:lnSpc>
               <a:spcBef>
                 <a:spcPts val="0"/>
               </a:spcBef>
@@ -1628,6 +1901,9 @@
               <a:defRPr/>
             </a:lvl5pPr>
             <a:lvl6pPr lvl="5" algn="l">
+              <a:lnSpc>
+                <a:spcPct val="100000"/>
+              </a:lnSpc>
               <a:spcBef>
                 <a:spcPts val="0"/>
               </a:spcBef>
@@ -1639,6 +1915,9 @@
               <a:defRPr/>
             </a:lvl6pPr>
             <a:lvl7pPr lvl="6" algn="l">
+              <a:lnSpc>
+                <a:spcPct val="100000"/>
+              </a:lnSpc>
               <a:spcBef>
                 <a:spcPts val="0"/>
               </a:spcBef>
@@ -1650,6 +1929,9 @@
               <a:defRPr/>
             </a:lvl7pPr>
             <a:lvl8pPr lvl="7" algn="l">
+              <a:lnSpc>
+                <a:spcPct val="100000"/>
+              </a:lnSpc>
               <a:spcBef>
                 <a:spcPts val="0"/>
               </a:spcBef>
@@ -1661,6 +1943,9 @@
               <a:defRPr/>
             </a:lvl8pPr>
             <a:lvl9pPr lvl="8" algn="l">
+              <a:lnSpc>
+                <a:spcPct val="100000"/>
+              </a:lnSpc>
               <a:spcBef>
                 <a:spcPts val="0"/>
               </a:spcBef>
@@ -1701,68 +1986,239 @@
             <a:noAutofit/>
           </a:bodyPr>
           <a:lstStyle>
-            <a:lvl1pPr indent="0" lvl="0" marL="0" algn="r">
-              <a:spcBef>
-                <a:spcPts val="0"/>
-              </a:spcBef>
-              <a:buNone/>
-              <a:defRPr/>
+            <a:lvl1pPr indent="0" lvl="0" marL="0" marR="0" algn="r">
+              <a:lnSpc>
+                <a:spcPct val="100000"/>
+              </a:lnSpc>
+              <a:spcBef>
+                <a:spcPts val="0"/>
+              </a:spcBef>
+              <a:spcAft>
+                <a:spcPts val="0"/>
+              </a:spcAft>
+              <a:buClr>
+                <a:srgbClr val="000000"/>
+              </a:buClr>
+              <a:buSzPts val="1200"/>
+              <a:buFont typeface="Arial"/>
+              <a:buNone/>
+              <a:defRPr b="0" i="0" sz="1200" u="none" cap="none" strike="noStrike">
+                <a:solidFill>
+                  <a:srgbClr val="757575"/>
+                </a:solidFill>
+                <a:latin typeface="Arial"/>
+                <a:ea typeface="Arial"/>
+                <a:cs typeface="Arial"/>
+                <a:sym typeface="Arial"/>
+              </a:defRPr>
             </a:lvl1pPr>
-            <a:lvl2pPr indent="0" lvl="1" marL="0" algn="r">
-              <a:spcBef>
-                <a:spcPts val="0"/>
-              </a:spcBef>
-              <a:buNone/>
-              <a:defRPr/>
+            <a:lvl2pPr indent="0" lvl="1" marL="0" marR="0" algn="r">
+              <a:lnSpc>
+                <a:spcPct val="100000"/>
+              </a:lnSpc>
+              <a:spcBef>
+                <a:spcPts val="0"/>
+              </a:spcBef>
+              <a:spcAft>
+                <a:spcPts val="0"/>
+              </a:spcAft>
+              <a:buClr>
+                <a:srgbClr val="000000"/>
+              </a:buClr>
+              <a:buSzPts val="1200"/>
+              <a:buFont typeface="Arial"/>
+              <a:buNone/>
+              <a:defRPr b="0" i="0" sz="1200" u="none" cap="none" strike="noStrike">
+                <a:solidFill>
+                  <a:srgbClr val="757575"/>
+                </a:solidFill>
+                <a:latin typeface="Arial"/>
+                <a:ea typeface="Arial"/>
+                <a:cs typeface="Arial"/>
+                <a:sym typeface="Arial"/>
+              </a:defRPr>
             </a:lvl2pPr>
-            <a:lvl3pPr indent="0" lvl="2" marL="0" algn="r">
-              <a:spcBef>
-                <a:spcPts val="0"/>
-              </a:spcBef>
-              <a:buNone/>
-              <a:defRPr/>
+            <a:lvl3pPr indent="0" lvl="2" marL="0" marR="0" algn="r">
+              <a:lnSpc>
+                <a:spcPct val="100000"/>
+              </a:lnSpc>
+              <a:spcBef>
+                <a:spcPts val="0"/>
+              </a:spcBef>
+              <a:spcAft>
+                <a:spcPts val="0"/>
+              </a:spcAft>
+              <a:buClr>
+                <a:srgbClr val="000000"/>
+              </a:buClr>
+              <a:buSzPts val="1200"/>
+              <a:buFont typeface="Arial"/>
+              <a:buNone/>
+              <a:defRPr b="0" i="0" sz="1200" u="none" cap="none" strike="noStrike">
+                <a:solidFill>
+                  <a:srgbClr val="757575"/>
+                </a:solidFill>
+                <a:latin typeface="Arial"/>
+                <a:ea typeface="Arial"/>
+                <a:cs typeface="Arial"/>
+                <a:sym typeface="Arial"/>
+              </a:defRPr>
             </a:lvl3pPr>
-            <a:lvl4pPr indent="0" lvl="3" marL="0" algn="r">
-              <a:spcBef>
-                <a:spcPts val="0"/>
-              </a:spcBef>
-              <a:buNone/>
-              <a:defRPr/>
+            <a:lvl4pPr indent="0" lvl="3" marL="0" marR="0" algn="r">
+              <a:lnSpc>
+                <a:spcPct val="100000"/>
+              </a:lnSpc>
+              <a:spcBef>
+                <a:spcPts val="0"/>
+              </a:spcBef>
+              <a:spcAft>
+                <a:spcPts val="0"/>
+              </a:spcAft>
+              <a:buClr>
+                <a:srgbClr val="000000"/>
+              </a:buClr>
+              <a:buSzPts val="1200"/>
+              <a:buFont typeface="Arial"/>
+              <a:buNone/>
+              <a:defRPr b="0" i="0" sz="1200" u="none" cap="none" strike="noStrike">
+                <a:solidFill>
+                  <a:srgbClr val="757575"/>
+                </a:solidFill>
+                <a:latin typeface="Arial"/>
+                <a:ea typeface="Arial"/>
+                <a:cs typeface="Arial"/>
+                <a:sym typeface="Arial"/>
+              </a:defRPr>
             </a:lvl4pPr>
-            <a:lvl5pPr indent="0" lvl="4" marL="0" algn="r">
-              <a:spcBef>
-                <a:spcPts val="0"/>
-              </a:spcBef>
-              <a:buNone/>
-              <a:defRPr/>
+            <a:lvl5pPr indent="0" lvl="4" marL="0" marR="0" algn="r">
+              <a:lnSpc>
+                <a:spcPct val="100000"/>
+              </a:lnSpc>
+              <a:spcBef>
+                <a:spcPts val="0"/>
+              </a:spcBef>
+              <a:spcAft>
+                <a:spcPts val="0"/>
+              </a:spcAft>
+              <a:buClr>
+                <a:srgbClr val="000000"/>
+              </a:buClr>
+              <a:buSzPts val="1200"/>
+              <a:buFont typeface="Arial"/>
+              <a:buNone/>
+              <a:defRPr b="0" i="0" sz="1200" u="none" cap="none" strike="noStrike">
+                <a:solidFill>
+                  <a:srgbClr val="757575"/>
+                </a:solidFill>
+                <a:latin typeface="Arial"/>
+                <a:ea typeface="Arial"/>
+                <a:cs typeface="Arial"/>
+                <a:sym typeface="Arial"/>
+              </a:defRPr>
             </a:lvl5pPr>
-            <a:lvl6pPr indent="0" lvl="5" marL="0" algn="r">
-              <a:spcBef>
-                <a:spcPts val="0"/>
-              </a:spcBef>
-              <a:buNone/>
-              <a:defRPr/>
+            <a:lvl6pPr indent="0" lvl="5" marL="0" marR="0" algn="r">
+              <a:lnSpc>
+                <a:spcPct val="100000"/>
+              </a:lnSpc>
+              <a:spcBef>
+                <a:spcPts val="0"/>
+              </a:spcBef>
+              <a:spcAft>
+                <a:spcPts val="0"/>
+              </a:spcAft>
+              <a:buClr>
+                <a:srgbClr val="000000"/>
+              </a:buClr>
+              <a:buSzPts val="1200"/>
+              <a:buFont typeface="Arial"/>
+              <a:buNone/>
+              <a:defRPr b="0" i="0" sz="1200" u="none" cap="none" strike="noStrike">
+                <a:solidFill>
+                  <a:srgbClr val="757575"/>
+                </a:solidFill>
+                <a:latin typeface="Arial"/>
+                <a:ea typeface="Arial"/>
+                <a:cs typeface="Arial"/>
+                <a:sym typeface="Arial"/>
+              </a:defRPr>
             </a:lvl6pPr>
-            <a:lvl7pPr indent="0" lvl="6" marL="0" algn="r">
-              <a:spcBef>
-                <a:spcPts val="0"/>
-              </a:spcBef>
-              <a:buNone/>
-              <a:defRPr/>
+            <a:lvl7pPr indent="0" lvl="6" marL="0" marR="0" algn="r">
+              <a:lnSpc>
+                <a:spcPct val="100000"/>
+              </a:lnSpc>
+              <a:spcBef>
+                <a:spcPts val="0"/>
+              </a:spcBef>
+              <a:spcAft>
+                <a:spcPts val="0"/>
+              </a:spcAft>
+              <a:buClr>
+                <a:srgbClr val="000000"/>
+              </a:buClr>
+              <a:buSzPts val="1200"/>
+              <a:buFont typeface="Arial"/>
+              <a:buNone/>
+              <a:defRPr b="0" i="0" sz="1200" u="none" cap="none" strike="noStrike">
+                <a:solidFill>
+                  <a:srgbClr val="757575"/>
+                </a:solidFill>
+                <a:latin typeface="Arial"/>
+                <a:ea typeface="Arial"/>
+                <a:cs typeface="Arial"/>
+                <a:sym typeface="Arial"/>
+              </a:defRPr>
             </a:lvl7pPr>
-            <a:lvl8pPr indent="0" lvl="7" marL="0" algn="r">
-              <a:spcBef>
-                <a:spcPts val="0"/>
-              </a:spcBef>
-              <a:buNone/>
-              <a:defRPr/>
+            <a:lvl8pPr indent="0" lvl="7" marL="0" marR="0" algn="r">
+              <a:lnSpc>
+                <a:spcPct val="100000"/>
+              </a:lnSpc>
+              <a:spcBef>
+                <a:spcPts val="0"/>
+              </a:spcBef>
+              <a:spcAft>
+                <a:spcPts val="0"/>
+              </a:spcAft>
+              <a:buClr>
+                <a:srgbClr val="000000"/>
+              </a:buClr>
+              <a:buSzPts val="1200"/>
+              <a:buFont typeface="Arial"/>
+              <a:buNone/>
+              <a:defRPr b="0" i="0" sz="1200" u="none" cap="none" strike="noStrike">
+                <a:solidFill>
+                  <a:srgbClr val="757575"/>
+                </a:solidFill>
+                <a:latin typeface="Arial"/>
+                <a:ea typeface="Arial"/>
+                <a:cs typeface="Arial"/>
+                <a:sym typeface="Arial"/>
+              </a:defRPr>
             </a:lvl8pPr>
-            <a:lvl9pPr indent="0" lvl="8" marL="0" algn="r">
-              <a:spcBef>
-                <a:spcPts val="0"/>
-              </a:spcBef>
-              <a:buNone/>
-              <a:defRPr/>
+            <a:lvl9pPr indent="0" lvl="8" marL="0" marR="0" algn="r">
+              <a:lnSpc>
+                <a:spcPct val="100000"/>
+              </a:lnSpc>
+              <a:spcBef>
+                <a:spcPts val="0"/>
+              </a:spcBef>
+              <a:spcAft>
+                <a:spcPts val="0"/>
+              </a:spcAft>
+              <a:buClr>
+                <a:srgbClr val="000000"/>
+              </a:buClr>
+              <a:buSzPts val="1200"/>
+              <a:buFont typeface="Arial"/>
+              <a:buNone/>
+              <a:defRPr b="0" i="0" sz="1200" u="none" cap="none" strike="noStrike">
+                <a:solidFill>
+                  <a:srgbClr val="757575"/>
+                </a:solidFill>
+                <a:latin typeface="Arial"/>
+                <a:ea typeface="Arial"/>
+                <a:cs typeface="Arial"/>
+                <a:sym typeface="Arial"/>
+              </a:defRPr>
             </a:lvl9pPr>
           </a:lstStyle>
           <a:p>
@@ -1851,7 +2307,10 @@
               <a:buNone/>
               <a:defRPr/>
             </a:lvl1pPr>
-            <a:lvl2pPr lvl="1">
+            <a:lvl2pPr lvl="1" algn="l">
+              <a:lnSpc>
+                <a:spcPct val="100000"/>
+              </a:lnSpc>
               <a:spcBef>
                 <a:spcPts val="0"/>
               </a:spcBef>
@@ -1862,7 +2321,10 @@
               <a:buNone/>
               <a:defRPr/>
             </a:lvl2pPr>
-            <a:lvl3pPr lvl="2">
+            <a:lvl3pPr lvl="2" algn="l">
+              <a:lnSpc>
+                <a:spcPct val="100000"/>
+              </a:lnSpc>
               <a:spcBef>
                 <a:spcPts val="0"/>
               </a:spcBef>
@@ -1873,7 +2335,10 @@
               <a:buNone/>
               <a:defRPr/>
             </a:lvl3pPr>
-            <a:lvl4pPr lvl="3">
+            <a:lvl4pPr lvl="3" algn="l">
+              <a:lnSpc>
+                <a:spcPct val="100000"/>
+              </a:lnSpc>
               <a:spcBef>
                 <a:spcPts val="0"/>
               </a:spcBef>
@@ -1884,7 +2349,10 @@
               <a:buNone/>
               <a:defRPr/>
             </a:lvl4pPr>
-            <a:lvl5pPr lvl="4">
+            <a:lvl5pPr lvl="4" algn="l">
+              <a:lnSpc>
+                <a:spcPct val="100000"/>
+              </a:lnSpc>
               <a:spcBef>
                 <a:spcPts val="0"/>
               </a:spcBef>
@@ -1895,7 +2363,10 @@
               <a:buNone/>
               <a:defRPr/>
             </a:lvl5pPr>
-            <a:lvl6pPr lvl="5">
+            <a:lvl6pPr lvl="5" algn="l">
+              <a:lnSpc>
+                <a:spcPct val="100000"/>
+              </a:lnSpc>
               <a:spcBef>
                 <a:spcPts val="0"/>
               </a:spcBef>
@@ -1906,7 +2377,10 @@
               <a:buNone/>
               <a:defRPr/>
             </a:lvl6pPr>
-            <a:lvl7pPr lvl="6">
+            <a:lvl7pPr lvl="6" algn="l">
+              <a:lnSpc>
+                <a:spcPct val="100000"/>
+              </a:lnSpc>
               <a:spcBef>
                 <a:spcPts val="0"/>
               </a:spcBef>
@@ -1917,7 +2391,10 @@
               <a:buNone/>
               <a:defRPr/>
             </a:lvl7pPr>
-            <a:lvl8pPr lvl="7">
+            <a:lvl8pPr lvl="7" algn="l">
+              <a:lnSpc>
+                <a:spcPct val="100000"/>
+              </a:lnSpc>
               <a:spcBef>
                 <a:spcPts val="0"/>
               </a:spcBef>
@@ -1928,7 +2405,10 @@
               <a:buNone/>
               <a:defRPr/>
             </a:lvl8pPr>
-            <a:lvl9pPr lvl="8">
+            <a:lvl9pPr lvl="8" algn="l">
+              <a:lnSpc>
+                <a:spcPct val="100000"/>
+              </a:lnSpc>
               <a:spcBef>
                 <a:spcPts val="0"/>
               </a:spcBef>
@@ -2153,6 +2633,9 @@
           </a:bodyPr>
           <a:lstStyle>
             <a:lvl1pPr lvl="0" algn="l">
+              <a:lnSpc>
+                <a:spcPct val="100000"/>
+              </a:lnSpc>
               <a:spcBef>
                 <a:spcPts val="0"/>
               </a:spcBef>
@@ -2164,6 +2647,9 @@
               <a:defRPr/>
             </a:lvl1pPr>
             <a:lvl2pPr lvl="1" algn="l">
+              <a:lnSpc>
+                <a:spcPct val="100000"/>
+              </a:lnSpc>
               <a:spcBef>
                 <a:spcPts val="0"/>
               </a:spcBef>
@@ -2175,6 +2661,9 @@
               <a:defRPr/>
             </a:lvl2pPr>
             <a:lvl3pPr lvl="2" algn="l">
+              <a:lnSpc>
+                <a:spcPct val="100000"/>
+              </a:lnSpc>
               <a:spcBef>
                 <a:spcPts val="0"/>
               </a:spcBef>
@@ -2186,6 +2675,9 @@
               <a:defRPr/>
             </a:lvl3pPr>
             <a:lvl4pPr lvl="3" algn="l">
+              <a:lnSpc>
+                <a:spcPct val="100000"/>
+              </a:lnSpc>
               <a:spcBef>
                 <a:spcPts val="0"/>
               </a:spcBef>
@@ -2197,6 +2689,9 @@
               <a:defRPr/>
             </a:lvl4pPr>
             <a:lvl5pPr lvl="4" algn="l">
+              <a:lnSpc>
+                <a:spcPct val="100000"/>
+              </a:lnSpc>
               <a:spcBef>
                 <a:spcPts val="0"/>
               </a:spcBef>
@@ -2208,6 +2703,9 @@
               <a:defRPr/>
             </a:lvl5pPr>
             <a:lvl6pPr lvl="5" algn="l">
+              <a:lnSpc>
+                <a:spcPct val="100000"/>
+              </a:lnSpc>
               <a:spcBef>
                 <a:spcPts val="0"/>
               </a:spcBef>
@@ -2219,6 +2717,9 @@
               <a:defRPr/>
             </a:lvl6pPr>
             <a:lvl7pPr lvl="6" algn="l">
+              <a:lnSpc>
+                <a:spcPct val="100000"/>
+              </a:lnSpc>
               <a:spcBef>
                 <a:spcPts val="0"/>
               </a:spcBef>
@@ -2230,6 +2731,9 @@
               <a:defRPr/>
             </a:lvl7pPr>
             <a:lvl8pPr lvl="7" algn="l">
+              <a:lnSpc>
+                <a:spcPct val="100000"/>
+              </a:lnSpc>
               <a:spcBef>
                 <a:spcPts val="0"/>
               </a:spcBef>
@@ -2241,6 +2745,9 @@
               <a:defRPr/>
             </a:lvl8pPr>
             <a:lvl9pPr lvl="8" algn="l">
+              <a:lnSpc>
+                <a:spcPct val="100000"/>
+              </a:lnSpc>
               <a:spcBef>
                 <a:spcPts val="0"/>
               </a:spcBef>
@@ -2282,6 +2789,9 @@
           </a:bodyPr>
           <a:lstStyle>
             <a:lvl1pPr lvl="0" algn="ctr">
+              <a:lnSpc>
+                <a:spcPct val="100000"/>
+              </a:lnSpc>
               <a:spcBef>
                 <a:spcPts val="0"/>
               </a:spcBef>
@@ -2293,6 +2803,9 @@
               <a:defRPr/>
             </a:lvl1pPr>
             <a:lvl2pPr lvl="1" algn="l">
+              <a:lnSpc>
+                <a:spcPct val="100000"/>
+              </a:lnSpc>
               <a:spcBef>
                 <a:spcPts val="0"/>
               </a:spcBef>
@@ -2304,6 +2817,9 @@
               <a:defRPr/>
             </a:lvl2pPr>
             <a:lvl3pPr lvl="2" algn="l">
+              <a:lnSpc>
+                <a:spcPct val="100000"/>
+              </a:lnSpc>
               <a:spcBef>
                 <a:spcPts val="0"/>
               </a:spcBef>
@@ -2315,6 +2831,9 @@
               <a:defRPr/>
             </a:lvl3pPr>
             <a:lvl4pPr lvl="3" algn="l">
+              <a:lnSpc>
+                <a:spcPct val="100000"/>
+              </a:lnSpc>
               <a:spcBef>
                 <a:spcPts val="0"/>
               </a:spcBef>
@@ -2326,6 +2845,9 @@
               <a:defRPr/>
             </a:lvl4pPr>
             <a:lvl5pPr lvl="4" algn="l">
+              <a:lnSpc>
+                <a:spcPct val="100000"/>
+              </a:lnSpc>
               <a:spcBef>
                 <a:spcPts val="0"/>
               </a:spcBef>
@@ -2337,6 +2859,9 @@
               <a:defRPr/>
             </a:lvl5pPr>
             <a:lvl6pPr lvl="5" algn="l">
+              <a:lnSpc>
+                <a:spcPct val="100000"/>
+              </a:lnSpc>
               <a:spcBef>
                 <a:spcPts val="0"/>
               </a:spcBef>
@@ -2348,6 +2873,9 @@
               <a:defRPr/>
             </a:lvl6pPr>
             <a:lvl7pPr lvl="6" algn="l">
+              <a:lnSpc>
+                <a:spcPct val="100000"/>
+              </a:lnSpc>
               <a:spcBef>
                 <a:spcPts val="0"/>
               </a:spcBef>
@@ -2359,6 +2887,9 @@
               <a:defRPr/>
             </a:lvl7pPr>
             <a:lvl8pPr lvl="7" algn="l">
+              <a:lnSpc>
+                <a:spcPct val="100000"/>
+              </a:lnSpc>
               <a:spcBef>
                 <a:spcPts val="0"/>
               </a:spcBef>
@@ -2370,6 +2901,9 @@
               <a:defRPr/>
             </a:lvl8pPr>
             <a:lvl9pPr lvl="8" algn="l">
+              <a:lnSpc>
+                <a:spcPct val="100000"/>
+              </a:lnSpc>
               <a:spcBef>
                 <a:spcPts val="0"/>
               </a:spcBef>
@@ -2410,68 +2944,239 @@
             <a:noAutofit/>
           </a:bodyPr>
           <a:lstStyle>
-            <a:lvl1pPr indent="0" lvl="0" marL="0" algn="r">
-              <a:spcBef>
-                <a:spcPts val="0"/>
-              </a:spcBef>
-              <a:buNone/>
-              <a:defRPr/>
+            <a:lvl1pPr indent="0" lvl="0" marL="0" marR="0" algn="r">
+              <a:lnSpc>
+                <a:spcPct val="100000"/>
+              </a:lnSpc>
+              <a:spcBef>
+                <a:spcPts val="0"/>
+              </a:spcBef>
+              <a:spcAft>
+                <a:spcPts val="0"/>
+              </a:spcAft>
+              <a:buClr>
+                <a:srgbClr val="000000"/>
+              </a:buClr>
+              <a:buSzPts val="1200"/>
+              <a:buFont typeface="Arial"/>
+              <a:buNone/>
+              <a:defRPr b="0" i="0" sz="1200" u="none" cap="none" strike="noStrike">
+                <a:solidFill>
+                  <a:srgbClr val="757575"/>
+                </a:solidFill>
+                <a:latin typeface="Arial"/>
+                <a:ea typeface="Arial"/>
+                <a:cs typeface="Arial"/>
+                <a:sym typeface="Arial"/>
+              </a:defRPr>
             </a:lvl1pPr>
-            <a:lvl2pPr indent="0" lvl="1" marL="0" algn="r">
-              <a:spcBef>
-                <a:spcPts val="0"/>
-              </a:spcBef>
-              <a:buNone/>
-              <a:defRPr/>
+            <a:lvl2pPr indent="0" lvl="1" marL="0" marR="0" algn="r">
+              <a:lnSpc>
+                <a:spcPct val="100000"/>
+              </a:lnSpc>
+              <a:spcBef>
+                <a:spcPts val="0"/>
+              </a:spcBef>
+              <a:spcAft>
+                <a:spcPts val="0"/>
+              </a:spcAft>
+              <a:buClr>
+                <a:srgbClr val="000000"/>
+              </a:buClr>
+              <a:buSzPts val="1200"/>
+              <a:buFont typeface="Arial"/>
+              <a:buNone/>
+              <a:defRPr b="0" i="0" sz="1200" u="none" cap="none" strike="noStrike">
+                <a:solidFill>
+                  <a:srgbClr val="757575"/>
+                </a:solidFill>
+                <a:latin typeface="Arial"/>
+                <a:ea typeface="Arial"/>
+                <a:cs typeface="Arial"/>
+                <a:sym typeface="Arial"/>
+              </a:defRPr>
             </a:lvl2pPr>
-            <a:lvl3pPr indent="0" lvl="2" marL="0" algn="r">
-              <a:spcBef>
-                <a:spcPts val="0"/>
-              </a:spcBef>
-              <a:buNone/>
-              <a:defRPr/>
+            <a:lvl3pPr indent="0" lvl="2" marL="0" marR="0" algn="r">
+              <a:lnSpc>
+                <a:spcPct val="100000"/>
+              </a:lnSpc>
+              <a:spcBef>
+                <a:spcPts val="0"/>
+              </a:spcBef>
+              <a:spcAft>
+                <a:spcPts val="0"/>
+              </a:spcAft>
+              <a:buClr>
+                <a:srgbClr val="000000"/>
+              </a:buClr>
+              <a:buSzPts val="1200"/>
+              <a:buFont typeface="Arial"/>
+              <a:buNone/>
+              <a:defRPr b="0" i="0" sz="1200" u="none" cap="none" strike="noStrike">
+                <a:solidFill>
+                  <a:srgbClr val="757575"/>
+                </a:solidFill>
+                <a:latin typeface="Arial"/>
+                <a:ea typeface="Arial"/>
+                <a:cs typeface="Arial"/>
+                <a:sym typeface="Arial"/>
+              </a:defRPr>
             </a:lvl3pPr>
-            <a:lvl4pPr indent="0" lvl="3" marL="0" algn="r">
-              <a:spcBef>
-                <a:spcPts val="0"/>
-              </a:spcBef>
-              <a:buNone/>
-              <a:defRPr/>
+            <a:lvl4pPr indent="0" lvl="3" marL="0" marR="0" algn="r">
+              <a:lnSpc>
+                <a:spcPct val="100000"/>
+              </a:lnSpc>
+              <a:spcBef>
+                <a:spcPts val="0"/>
+              </a:spcBef>
+              <a:spcAft>
+                <a:spcPts val="0"/>
+              </a:spcAft>
+              <a:buClr>
+                <a:srgbClr val="000000"/>
+              </a:buClr>
+              <a:buSzPts val="1200"/>
+              <a:buFont typeface="Arial"/>
+              <a:buNone/>
+              <a:defRPr b="0" i="0" sz="1200" u="none" cap="none" strike="noStrike">
+                <a:solidFill>
+                  <a:srgbClr val="757575"/>
+                </a:solidFill>
+                <a:latin typeface="Arial"/>
+                <a:ea typeface="Arial"/>
+                <a:cs typeface="Arial"/>
+                <a:sym typeface="Arial"/>
+              </a:defRPr>
             </a:lvl4pPr>
-            <a:lvl5pPr indent="0" lvl="4" marL="0" algn="r">
-              <a:spcBef>
-                <a:spcPts val="0"/>
-              </a:spcBef>
-              <a:buNone/>
-              <a:defRPr/>
+            <a:lvl5pPr indent="0" lvl="4" marL="0" marR="0" algn="r">
+              <a:lnSpc>
+                <a:spcPct val="100000"/>
+              </a:lnSpc>
+              <a:spcBef>
+                <a:spcPts val="0"/>
+              </a:spcBef>
+              <a:spcAft>
+                <a:spcPts val="0"/>
+              </a:spcAft>
+              <a:buClr>
+                <a:srgbClr val="000000"/>
+              </a:buClr>
+              <a:buSzPts val="1200"/>
+              <a:buFont typeface="Arial"/>
+              <a:buNone/>
+              <a:defRPr b="0" i="0" sz="1200" u="none" cap="none" strike="noStrike">
+                <a:solidFill>
+                  <a:srgbClr val="757575"/>
+                </a:solidFill>
+                <a:latin typeface="Arial"/>
+                <a:ea typeface="Arial"/>
+                <a:cs typeface="Arial"/>
+                <a:sym typeface="Arial"/>
+              </a:defRPr>
             </a:lvl5pPr>
-            <a:lvl6pPr indent="0" lvl="5" marL="0" algn="r">
-              <a:spcBef>
-                <a:spcPts val="0"/>
-              </a:spcBef>
-              <a:buNone/>
-              <a:defRPr/>
+            <a:lvl6pPr indent="0" lvl="5" marL="0" marR="0" algn="r">
+              <a:lnSpc>
+                <a:spcPct val="100000"/>
+              </a:lnSpc>
+              <a:spcBef>
+                <a:spcPts val="0"/>
+              </a:spcBef>
+              <a:spcAft>
+                <a:spcPts val="0"/>
+              </a:spcAft>
+              <a:buClr>
+                <a:srgbClr val="000000"/>
+              </a:buClr>
+              <a:buSzPts val="1200"/>
+              <a:buFont typeface="Arial"/>
+              <a:buNone/>
+              <a:defRPr b="0" i="0" sz="1200" u="none" cap="none" strike="noStrike">
+                <a:solidFill>
+                  <a:srgbClr val="757575"/>
+                </a:solidFill>
+                <a:latin typeface="Arial"/>
+                <a:ea typeface="Arial"/>
+                <a:cs typeface="Arial"/>
+                <a:sym typeface="Arial"/>
+              </a:defRPr>
             </a:lvl6pPr>
-            <a:lvl7pPr indent="0" lvl="6" marL="0" algn="r">
-              <a:spcBef>
-                <a:spcPts val="0"/>
-              </a:spcBef>
-              <a:buNone/>
-              <a:defRPr/>
+            <a:lvl7pPr indent="0" lvl="6" marL="0" marR="0" algn="r">
+              <a:lnSpc>
+                <a:spcPct val="100000"/>
+              </a:lnSpc>
+              <a:spcBef>
+                <a:spcPts val="0"/>
+              </a:spcBef>
+              <a:spcAft>
+                <a:spcPts val="0"/>
+              </a:spcAft>
+              <a:buClr>
+                <a:srgbClr val="000000"/>
+              </a:buClr>
+              <a:buSzPts val="1200"/>
+              <a:buFont typeface="Arial"/>
+              <a:buNone/>
+              <a:defRPr b="0" i="0" sz="1200" u="none" cap="none" strike="noStrike">
+                <a:solidFill>
+                  <a:srgbClr val="757575"/>
+                </a:solidFill>
+                <a:latin typeface="Arial"/>
+                <a:ea typeface="Arial"/>
+                <a:cs typeface="Arial"/>
+                <a:sym typeface="Arial"/>
+              </a:defRPr>
             </a:lvl7pPr>
-            <a:lvl8pPr indent="0" lvl="7" marL="0" algn="r">
-              <a:spcBef>
-                <a:spcPts val="0"/>
-              </a:spcBef>
-              <a:buNone/>
-              <a:defRPr/>
+            <a:lvl8pPr indent="0" lvl="7" marL="0" marR="0" algn="r">
+              <a:lnSpc>
+                <a:spcPct val="100000"/>
+              </a:lnSpc>
+              <a:spcBef>
+                <a:spcPts val="0"/>
+              </a:spcBef>
+              <a:spcAft>
+                <a:spcPts val="0"/>
+              </a:spcAft>
+              <a:buClr>
+                <a:srgbClr val="000000"/>
+              </a:buClr>
+              <a:buSzPts val="1200"/>
+              <a:buFont typeface="Arial"/>
+              <a:buNone/>
+              <a:defRPr b="0" i="0" sz="1200" u="none" cap="none" strike="noStrike">
+                <a:solidFill>
+                  <a:srgbClr val="757575"/>
+                </a:solidFill>
+                <a:latin typeface="Arial"/>
+                <a:ea typeface="Arial"/>
+                <a:cs typeface="Arial"/>
+                <a:sym typeface="Arial"/>
+              </a:defRPr>
             </a:lvl8pPr>
-            <a:lvl9pPr indent="0" lvl="8" marL="0" algn="r">
-              <a:spcBef>
-                <a:spcPts val="0"/>
-              </a:spcBef>
-              <a:buNone/>
-              <a:defRPr/>
+            <a:lvl9pPr indent="0" lvl="8" marL="0" marR="0" algn="r">
+              <a:lnSpc>
+                <a:spcPct val="100000"/>
+              </a:lnSpc>
+              <a:spcBef>
+                <a:spcPts val="0"/>
+              </a:spcBef>
+              <a:spcAft>
+                <a:spcPts val="0"/>
+              </a:spcAft>
+              <a:buClr>
+                <a:srgbClr val="000000"/>
+              </a:buClr>
+              <a:buSzPts val="1200"/>
+              <a:buFont typeface="Arial"/>
+              <a:buNone/>
+              <a:defRPr b="0" i="0" sz="1200" u="none" cap="none" strike="noStrike">
+                <a:solidFill>
+                  <a:srgbClr val="757575"/>
+                </a:solidFill>
+                <a:latin typeface="Arial"/>
+                <a:ea typeface="Arial"/>
+                <a:cs typeface="Arial"/>
+                <a:sym typeface="Arial"/>
+              </a:defRPr>
             </a:lvl9pPr>
           </a:lstStyle>
           <a:p>
@@ -2560,7 +3265,10 @@
               <a:buNone/>
               <a:defRPr/>
             </a:lvl1pPr>
-            <a:lvl2pPr lvl="1">
+            <a:lvl2pPr lvl="1" algn="l">
+              <a:lnSpc>
+                <a:spcPct val="100000"/>
+              </a:lnSpc>
               <a:spcBef>
                 <a:spcPts val="0"/>
               </a:spcBef>
@@ -2571,7 +3279,10 @@
               <a:buNone/>
               <a:defRPr/>
             </a:lvl2pPr>
-            <a:lvl3pPr lvl="2">
+            <a:lvl3pPr lvl="2" algn="l">
+              <a:lnSpc>
+                <a:spcPct val="100000"/>
+              </a:lnSpc>
               <a:spcBef>
                 <a:spcPts val="0"/>
               </a:spcBef>
@@ -2582,7 +3293,10 @@
               <a:buNone/>
               <a:defRPr/>
             </a:lvl3pPr>
-            <a:lvl4pPr lvl="3">
+            <a:lvl4pPr lvl="3" algn="l">
+              <a:lnSpc>
+                <a:spcPct val="100000"/>
+              </a:lnSpc>
               <a:spcBef>
                 <a:spcPts val="0"/>
               </a:spcBef>
@@ -2593,7 +3307,10 @@
               <a:buNone/>
               <a:defRPr/>
             </a:lvl4pPr>
-            <a:lvl5pPr lvl="4">
+            <a:lvl5pPr lvl="4" algn="l">
+              <a:lnSpc>
+                <a:spcPct val="100000"/>
+              </a:lnSpc>
               <a:spcBef>
                 <a:spcPts val="0"/>
               </a:spcBef>
@@ -2604,7 +3321,10 @@
               <a:buNone/>
               <a:defRPr/>
             </a:lvl5pPr>
-            <a:lvl6pPr lvl="5">
+            <a:lvl6pPr lvl="5" algn="l">
+              <a:lnSpc>
+                <a:spcPct val="100000"/>
+              </a:lnSpc>
               <a:spcBef>
                 <a:spcPts val="0"/>
               </a:spcBef>
@@ -2615,7 +3335,10 @@
               <a:buNone/>
               <a:defRPr/>
             </a:lvl6pPr>
-            <a:lvl7pPr lvl="6">
+            <a:lvl7pPr lvl="6" algn="l">
+              <a:lnSpc>
+                <a:spcPct val="100000"/>
+              </a:lnSpc>
               <a:spcBef>
                 <a:spcPts val="0"/>
               </a:spcBef>
@@ -2626,7 +3349,10 @@
               <a:buNone/>
               <a:defRPr/>
             </a:lvl7pPr>
-            <a:lvl8pPr lvl="7">
+            <a:lvl8pPr lvl="7" algn="l">
+              <a:lnSpc>
+                <a:spcPct val="100000"/>
+              </a:lnSpc>
               <a:spcBef>
                 <a:spcPts val="0"/>
               </a:spcBef>
@@ -2637,7 +3363,10 @@
               <a:buNone/>
               <a:defRPr/>
             </a:lvl8pPr>
-            <a:lvl9pPr lvl="8">
+            <a:lvl9pPr lvl="8" algn="l">
+              <a:lnSpc>
+                <a:spcPct val="100000"/>
+              </a:lnSpc>
               <a:spcBef>
                 <a:spcPts val="0"/>
               </a:spcBef>
@@ -2862,6 +3591,9 @@
           </a:bodyPr>
           <a:lstStyle>
             <a:lvl1pPr lvl="0" algn="l">
+              <a:lnSpc>
+                <a:spcPct val="100000"/>
+              </a:lnSpc>
               <a:spcBef>
                 <a:spcPts val="0"/>
               </a:spcBef>
@@ -2873,6 +3605,9 @@
               <a:defRPr/>
             </a:lvl1pPr>
             <a:lvl2pPr lvl="1" algn="l">
+              <a:lnSpc>
+                <a:spcPct val="100000"/>
+              </a:lnSpc>
               <a:spcBef>
                 <a:spcPts val="0"/>
               </a:spcBef>
@@ -2884,6 +3619,9 @@
               <a:defRPr/>
             </a:lvl2pPr>
             <a:lvl3pPr lvl="2" algn="l">
+              <a:lnSpc>
+                <a:spcPct val="100000"/>
+              </a:lnSpc>
               <a:spcBef>
                 <a:spcPts val="0"/>
               </a:spcBef>
@@ -2895,6 +3633,9 @@
               <a:defRPr/>
             </a:lvl3pPr>
             <a:lvl4pPr lvl="3" algn="l">
+              <a:lnSpc>
+                <a:spcPct val="100000"/>
+              </a:lnSpc>
               <a:spcBef>
                 <a:spcPts val="0"/>
               </a:spcBef>
@@ -2906,6 +3647,9 @@
               <a:defRPr/>
             </a:lvl4pPr>
             <a:lvl5pPr lvl="4" algn="l">
+              <a:lnSpc>
+                <a:spcPct val="100000"/>
+              </a:lnSpc>
               <a:spcBef>
                 <a:spcPts val="0"/>
               </a:spcBef>
@@ -2917,6 +3661,9 @@
               <a:defRPr/>
             </a:lvl5pPr>
             <a:lvl6pPr lvl="5" algn="l">
+              <a:lnSpc>
+                <a:spcPct val="100000"/>
+              </a:lnSpc>
               <a:spcBef>
                 <a:spcPts val="0"/>
               </a:spcBef>
@@ -2928,6 +3675,9 @@
               <a:defRPr/>
             </a:lvl6pPr>
             <a:lvl7pPr lvl="6" algn="l">
+              <a:lnSpc>
+                <a:spcPct val="100000"/>
+              </a:lnSpc>
               <a:spcBef>
                 <a:spcPts val="0"/>
               </a:spcBef>
@@ -2939,6 +3689,9 @@
               <a:defRPr/>
             </a:lvl7pPr>
             <a:lvl8pPr lvl="7" algn="l">
+              <a:lnSpc>
+                <a:spcPct val="100000"/>
+              </a:lnSpc>
               <a:spcBef>
                 <a:spcPts val="0"/>
               </a:spcBef>
@@ -2950,6 +3703,9 @@
               <a:defRPr/>
             </a:lvl8pPr>
             <a:lvl9pPr lvl="8" algn="l">
+              <a:lnSpc>
+                <a:spcPct val="100000"/>
+              </a:lnSpc>
               <a:spcBef>
                 <a:spcPts val="0"/>
               </a:spcBef>
@@ -2991,6 +3747,9 @@
           </a:bodyPr>
           <a:lstStyle>
             <a:lvl1pPr lvl="0" algn="ctr">
+              <a:lnSpc>
+                <a:spcPct val="100000"/>
+              </a:lnSpc>
               <a:spcBef>
                 <a:spcPts val="0"/>
               </a:spcBef>
@@ -3002,6 +3761,9 @@
               <a:defRPr/>
             </a:lvl1pPr>
             <a:lvl2pPr lvl="1" algn="l">
+              <a:lnSpc>
+                <a:spcPct val="100000"/>
+              </a:lnSpc>
               <a:spcBef>
                 <a:spcPts val="0"/>
               </a:spcBef>
@@ -3013,6 +3775,9 @@
               <a:defRPr/>
             </a:lvl2pPr>
             <a:lvl3pPr lvl="2" algn="l">
+              <a:lnSpc>
+                <a:spcPct val="100000"/>
+              </a:lnSpc>
               <a:spcBef>
                 <a:spcPts val="0"/>
               </a:spcBef>
@@ -3024,6 +3789,9 @@
               <a:defRPr/>
             </a:lvl3pPr>
             <a:lvl4pPr lvl="3" algn="l">
+              <a:lnSpc>
+                <a:spcPct val="100000"/>
+              </a:lnSpc>
               <a:spcBef>
                 <a:spcPts val="0"/>
               </a:spcBef>
@@ -3035,6 +3803,9 @@
               <a:defRPr/>
             </a:lvl4pPr>
             <a:lvl5pPr lvl="4" algn="l">
+              <a:lnSpc>
+                <a:spcPct val="100000"/>
+              </a:lnSpc>
               <a:spcBef>
                 <a:spcPts val="0"/>
               </a:spcBef>
@@ -3046,6 +3817,9 @@
               <a:defRPr/>
             </a:lvl5pPr>
             <a:lvl6pPr lvl="5" algn="l">
+              <a:lnSpc>
+                <a:spcPct val="100000"/>
+              </a:lnSpc>
               <a:spcBef>
                 <a:spcPts val="0"/>
               </a:spcBef>
@@ -3057,6 +3831,9 @@
               <a:defRPr/>
             </a:lvl6pPr>
             <a:lvl7pPr lvl="6" algn="l">
+              <a:lnSpc>
+                <a:spcPct val="100000"/>
+              </a:lnSpc>
               <a:spcBef>
                 <a:spcPts val="0"/>
               </a:spcBef>
@@ -3068,6 +3845,9 @@
               <a:defRPr/>
             </a:lvl7pPr>
             <a:lvl8pPr lvl="7" algn="l">
+              <a:lnSpc>
+                <a:spcPct val="100000"/>
+              </a:lnSpc>
               <a:spcBef>
                 <a:spcPts val="0"/>
               </a:spcBef>
@@ -3079,6 +3859,9 @@
               <a:defRPr/>
             </a:lvl8pPr>
             <a:lvl9pPr lvl="8" algn="l">
+              <a:lnSpc>
+                <a:spcPct val="100000"/>
+              </a:lnSpc>
               <a:spcBef>
                 <a:spcPts val="0"/>
               </a:spcBef>
@@ -3119,68 +3902,239 @@
             <a:noAutofit/>
           </a:bodyPr>
           <a:lstStyle>
-            <a:lvl1pPr indent="0" lvl="0" marL="0" algn="r">
-              <a:spcBef>
-                <a:spcPts val="0"/>
-              </a:spcBef>
-              <a:buNone/>
-              <a:defRPr/>
+            <a:lvl1pPr indent="0" lvl="0" marL="0" marR="0" algn="r">
+              <a:lnSpc>
+                <a:spcPct val="100000"/>
+              </a:lnSpc>
+              <a:spcBef>
+                <a:spcPts val="0"/>
+              </a:spcBef>
+              <a:spcAft>
+                <a:spcPts val="0"/>
+              </a:spcAft>
+              <a:buClr>
+                <a:srgbClr val="000000"/>
+              </a:buClr>
+              <a:buSzPts val="1200"/>
+              <a:buFont typeface="Arial"/>
+              <a:buNone/>
+              <a:defRPr b="0" i="0" sz="1200" u="none" cap="none" strike="noStrike">
+                <a:solidFill>
+                  <a:srgbClr val="757575"/>
+                </a:solidFill>
+                <a:latin typeface="Arial"/>
+                <a:ea typeface="Arial"/>
+                <a:cs typeface="Arial"/>
+                <a:sym typeface="Arial"/>
+              </a:defRPr>
             </a:lvl1pPr>
-            <a:lvl2pPr indent="0" lvl="1" marL="0" algn="r">
-              <a:spcBef>
-                <a:spcPts val="0"/>
-              </a:spcBef>
-              <a:buNone/>
-              <a:defRPr/>
+            <a:lvl2pPr indent="0" lvl="1" marL="0" marR="0" algn="r">
+              <a:lnSpc>
+                <a:spcPct val="100000"/>
+              </a:lnSpc>
+              <a:spcBef>
+                <a:spcPts val="0"/>
+              </a:spcBef>
+              <a:spcAft>
+                <a:spcPts val="0"/>
+              </a:spcAft>
+              <a:buClr>
+                <a:srgbClr val="000000"/>
+              </a:buClr>
+              <a:buSzPts val="1200"/>
+              <a:buFont typeface="Arial"/>
+              <a:buNone/>
+              <a:defRPr b="0" i="0" sz="1200" u="none" cap="none" strike="noStrike">
+                <a:solidFill>
+                  <a:srgbClr val="757575"/>
+                </a:solidFill>
+                <a:latin typeface="Arial"/>
+                <a:ea typeface="Arial"/>
+                <a:cs typeface="Arial"/>
+                <a:sym typeface="Arial"/>
+              </a:defRPr>
             </a:lvl2pPr>
-            <a:lvl3pPr indent="0" lvl="2" marL="0" algn="r">
-              <a:spcBef>
-                <a:spcPts val="0"/>
-              </a:spcBef>
-              <a:buNone/>
-              <a:defRPr/>
+            <a:lvl3pPr indent="0" lvl="2" marL="0" marR="0" algn="r">
+              <a:lnSpc>
+                <a:spcPct val="100000"/>
+              </a:lnSpc>
+              <a:spcBef>
+                <a:spcPts val="0"/>
+              </a:spcBef>
+              <a:spcAft>
+                <a:spcPts val="0"/>
+              </a:spcAft>
+              <a:buClr>
+                <a:srgbClr val="000000"/>
+              </a:buClr>
+              <a:buSzPts val="1200"/>
+              <a:buFont typeface="Arial"/>
+              <a:buNone/>
+              <a:defRPr b="0" i="0" sz="1200" u="none" cap="none" strike="noStrike">
+                <a:solidFill>
+                  <a:srgbClr val="757575"/>
+                </a:solidFill>
+                <a:latin typeface="Arial"/>
+                <a:ea typeface="Arial"/>
+                <a:cs typeface="Arial"/>
+                <a:sym typeface="Arial"/>
+              </a:defRPr>
             </a:lvl3pPr>
-            <a:lvl4pPr indent="0" lvl="3" marL="0" algn="r">
-              <a:spcBef>
-                <a:spcPts val="0"/>
-              </a:spcBef>
-              <a:buNone/>
-              <a:defRPr/>
+            <a:lvl4pPr indent="0" lvl="3" marL="0" marR="0" algn="r">
+              <a:lnSpc>
+                <a:spcPct val="100000"/>
+              </a:lnSpc>
+              <a:spcBef>
+                <a:spcPts val="0"/>
+              </a:spcBef>
+              <a:spcAft>
+                <a:spcPts val="0"/>
+              </a:spcAft>
+              <a:buClr>
+                <a:srgbClr val="000000"/>
+              </a:buClr>
+              <a:buSzPts val="1200"/>
+              <a:buFont typeface="Arial"/>
+              <a:buNone/>
+              <a:defRPr b="0" i="0" sz="1200" u="none" cap="none" strike="noStrike">
+                <a:solidFill>
+                  <a:srgbClr val="757575"/>
+                </a:solidFill>
+                <a:latin typeface="Arial"/>
+                <a:ea typeface="Arial"/>
+                <a:cs typeface="Arial"/>
+                <a:sym typeface="Arial"/>
+              </a:defRPr>
             </a:lvl4pPr>
-            <a:lvl5pPr indent="0" lvl="4" marL="0" algn="r">
-              <a:spcBef>
-                <a:spcPts val="0"/>
-              </a:spcBef>
-              <a:buNone/>
-              <a:defRPr/>
+            <a:lvl5pPr indent="0" lvl="4" marL="0" marR="0" algn="r">
+              <a:lnSpc>
+                <a:spcPct val="100000"/>
+              </a:lnSpc>
+              <a:spcBef>
+                <a:spcPts val="0"/>
+              </a:spcBef>
+              <a:spcAft>
+                <a:spcPts val="0"/>
+              </a:spcAft>
+              <a:buClr>
+                <a:srgbClr val="000000"/>
+              </a:buClr>
+              <a:buSzPts val="1200"/>
+              <a:buFont typeface="Arial"/>
+              <a:buNone/>
+              <a:defRPr b="0" i="0" sz="1200" u="none" cap="none" strike="noStrike">
+                <a:solidFill>
+                  <a:srgbClr val="757575"/>
+                </a:solidFill>
+                <a:latin typeface="Arial"/>
+                <a:ea typeface="Arial"/>
+                <a:cs typeface="Arial"/>
+                <a:sym typeface="Arial"/>
+              </a:defRPr>
             </a:lvl5pPr>
-            <a:lvl6pPr indent="0" lvl="5" marL="0" algn="r">
-              <a:spcBef>
-                <a:spcPts val="0"/>
-              </a:spcBef>
-              <a:buNone/>
-              <a:defRPr/>
+            <a:lvl6pPr indent="0" lvl="5" marL="0" marR="0" algn="r">
+              <a:lnSpc>
+                <a:spcPct val="100000"/>
+              </a:lnSpc>
+              <a:spcBef>
+                <a:spcPts val="0"/>
+              </a:spcBef>
+              <a:spcAft>
+                <a:spcPts val="0"/>
+              </a:spcAft>
+              <a:buClr>
+                <a:srgbClr val="000000"/>
+              </a:buClr>
+              <a:buSzPts val="1200"/>
+              <a:buFont typeface="Arial"/>
+              <a:buNone/>
+              <a:defRPr b="0" i="0" sz="1200" u="none" cap="none" strike="noStrike">
+                <a:solidFill>
+                  <a:srgbClr val="757575"/>
+                </a:solidFill>
+                <a:latin typeface="Arial"/>
+                <a:ea typeface="Arial"/>
+                <a:cs typeface="Arial"/>
+                <a:sym typeface="Arial"/>
+              </a:defRPr>
             </a:lvl6pPr>
-            <a:lvl7pPr indent="0" lvl="6" marL="0" algn="r">
-              <a:spcBef>
-                <a:spcPts val="0"/>
-              </a:spcBef>
-              <a:buNone/>
-              <a:defRPr/>
+            <a:lvl7pPr indent="0" lvl="6" marL="0" marR="0" algn="r">
+              <a:lnSpc>
+                <a:spcPct val="100000"/>
+              </a:lnSpc>
+              <a:spcBef>
+                <a:spcPts val="0"/>
+              </a:spcBef>
+              <a:spcAft>
+                <a:spcPts val="0"/>
+              </a:spcAft>
+              <a:buClr>
+                <a:srgbClr val="000000"/>
+              </a:buClr>
+              <a:buSzPts val="1200"/>
+              <a:buFont typeface="Arial"/>
+              <a:buNone/>
+              <a:defRPr b="0" i="0" sz="1200" u="none" cap="none" strike="noStrike">
+                <a:solidFill>
+                  <a:srgbClr val="757575"/>
+                </a:solidFill>
+                <a:latin typeface="Arial"/>
+                <a:ea typeface="Arial"/>
+                <a:cs typeface="Arial"/>
+                <a:sym typeface="Arial"/>
+              </a:defRPr>
             </a:lvl7pPr>
-            <a:lvl8pPr indent="0" lvl="7" marL="0" algn="r">
-              <a:spcBef>
-                <a:spcPts val="0"/>
-              </a:spcBef>
-              <a:buNone/>
-              <a:defRPr/>
+            <a:lvl8pPr indent="0" lvl="7" marL="0" marR="0" algn="r">
+              <a:lnSpc>
+                <a:spcPct val="100000"/>
+              </a:lnSpc>
+              <a:spcBef>
+                <a:spcPts val="0"/>
+              </a:spcBef>
+              <a:spcAft>
+                <a:spcPts val="0"/>
+              </a:spcAft>
+              <a:buClr>
+                <a:srgbClr val="000000"/>
+              </a:buClr>
+              <a:buSzPts val="1200"/>
+              <a:buFont typeface="Arial"/>
+              <a:buNone/>
+              <a:defRPr b="0" i="0" sz="1200" u="none" cap="none" strike="noStrike">
+                <a:solidFill>
+                  <a:srgbClr val="757575"/>
+                </a:solidFill>
+                <a:latin typeface="Arial"/>
+                <a:ea typeface="Arial"/>
+                <a:cs typeface="Arial"/>
+                <a:sym typeface="Arial"/>
+              </a:defRPr>
             </a:lvl8pPr>
-            <a:lvl9pPr indent="0" lvl="8" marL="0" algn="r">
-              <a:spcBef>
-                <a:spcPts val="0"/>
-              </a:spcBef>
-              <a:buNone/>
-              <a:defRPr/>
+            <a:lvl9pPr indent="0" lvl="8" marL="0" marR="0" algn="r">
+              <a:lnSpc>
+                <a:spcPct val="100000"/>
+              </a:lnSpc>
+              <a:spcBef>
+                <a:spcPts val="0"/>
+              </a:spcBef>
+              <a:spcAft>
+                <a:spcPts val="0"/>
+              </a:spcAft>
+              <a:buClr>
+                <a:srgbClr val="000000"/>
+              </a:buClr>
+              <a:buSzPts val="1200"/>
+              <a:buFont typeface="Arial"/>
+              <a:buNone/>
+              <a:defRPr b="0" i="0" sz="1200" u="none" cap="none" strike="noStrike">
+                <a:solidFill>
+                  <a:srgbClr val="757575"/>
+                </a:solidFill>
+                <a:latin typeface="Arial"/>
+                <a:ea typeface="Arial"/>
+                <a:cs typeface="Arial"/>
+                <a:sym typeface="Arial"/>
+              </a:defRPr>
             </a:lvl9pPr>
           </a:lstStyle>
           <a:p>
@@ -3269,7 +4223,10 @@
               <a:buNone/>
               <a:defRPr/>
             </a:lvl1pPr>
-            <a:lvl2pPr lvl="1">
+            <a:lvl2pPr lvl="1" algn="l">
+              <a:lnSpc>
+                <a:spcPct val="100000"/>
+              </a:lnSpc>
               <a:spcBef>
                 <a:spcPts val="0"/>
               </a:spcBef>
@@ -3280,7 +4237,10 @@
               <a:buNone/>
               <a:defRPr/>
             </a:lvl2pPr>
-            <a:lvl3pPr lvl="2">
+            <a:lvl3pPr lvl="2" algn="l">
+              <a:lnSpc>
+                <a:spcPct val="100000"/>
+              </a:lnSpc>
               <a:spcBef>
                 <a:spcPts val="0"/>
               </a:spcBef>
@@ -3291,7 +4251,10 @@
               <a:buNone/>
               <a:defRPr/>
             </a:lvl3pPr>
-            <a:lvl4pPr lvl="3">
+            <a:lvl4pPr lvl="3" algn="l">
+              <a:lnSpc>
+                <a:spcPct val="100000"/>
+              </a:lnSpc>
               <a:spcBef>
                 <a:spcPts val="0"/>
               </a:spcBef>
@@ -3302,7 +4265,10 @@
               <a:buNone/>
               <a:defRPr/>
             </a:lvl4pPr>
-            <a:lvl5pPr lvl="4">
+            <a:lvl5pPr lvl="4" algn="l">
+              <a:lnSpc>
+                <a:spcPct val="100000"/>
+              </a:lnSpc>
               <a:spcBef>
                 <a:spcPts val="0"/>
               </a:spcBef>
@@ -3313,7 +4279,10 @@
               <a:buNone/>
               <a:defRPr/>
             </a:lvl5pPr>
-            <a:lvl6pPr lvl="5">
+            <a:lvl6pPr lvl="5" algn="l">
+              <a:lnSpc>
+                <a:spcPct val="100000"/>
+              </a:lnSpc>
               <a:spcBef>
                 <a:spcPts val="0"/>
               </a:spcBef>
@@ -3324,7 +4293,10 @@
               <a:buNone/>
               <a:defRPr/>
             </a:lvl6pPr>
-            <a:lvl7pPr lvl="6">
+            <a:lvl7pPr lvl="6" algn="l">
+              <a:lnSpc>
+                <a:spcPct val="100000"/>
+              </a:lnSpc>
               <a:spcBef>
                 <a:spcPts val="0"/>
               </a:spcBef>
@@ -3335,7 +4307,10 @@
               <a:buNone/>
               <a:defRPr/>
             </a:lvl7pPr>
-            <a:lvl8pPr lvl="7">
+            <a:lvl8pPr lvl="7" algn="l">
+              <a:lnSpc>
+                <a:spcPct val="100000"/>
+              </a:lnSpc>
               <a:spcBef>
                 <a:spcPts val="0"/>
               </a:spcBef>
@@ -3346,7 +4321,10 @@
               <a:buNone/>
               <a:defRPr/>
             </a:lvl8pPr>
-            <a:lvl9pPr lvl="8">
+            <a:lvl9pPr lvl="8" algn="l">
+              <a:lnSpc>
+                <a:spcPct val="100000"/>
+              </a:lnSpc>
               <a:spcBef>
                 <a:spcPts val="0"/>
               </a:spcBef>
@@ -3571,6 +4549,9 @@
           </a:bodyPr>
           <a:lstStyle>
             <a:lvl1pPr lvl="0" algn="l">
+              <a:lnSpc>
+                <a:spcPct val="100000"/>
+              </a:lnSpc>
               <a:spcBef>
                 <a:spcPts val="0"/>
               </a:spcBef>
@@ -3582,6 +4563,9 @@
               <a:defRPr/>
             </a:lvl1pPr>
             <a:lvl2pPr lvl="1" algn="l">
+              <a:lnSpc>
+                <a:spcPct val="100000"/>
+              </a:lnSpc>
               <a:spcBef>
                 <a:spcPts val="0"/>
               </a:spcBef>
@@ -3593,6 +4577,9 @@
               <a:defRPr/>
             </a:lvl2pPr>
             <a:lvl3pPr lvl="2" algn="l">
+              <a:lnSpc>
+                <a:spcPct val="100000"/>
+              </a:lnSpc>
               <a:spcBef>
                 <a:spcPts val="0"/>
               </a:spcBef>
@@ -3604,6 +4591,9 @@
               <a:defRPr/>
             </a:lvl3pPr>
             <a:lvl4pPr lvl="3" algn="l">
+              <a:lnSpc>
+                <a:spcPct val="100000"/>
+              </a:lnSpc>
               <a:spcBef>
                 <a:spcPts val="0"/>
               </a:spcBef>
@@ -3615,6 +4605,9 @@
               <a:defRPr/>
             </a:lvl4pPr>
             <a:lvl5pPr lvl="4" algn="l">
+              <a:lnSpc>
+                <a:spcPct val="100000"/>
+              </a:lnSpc>
               <a:spcBef>
                 <a:spcPts val="0"/>
               </a:spcBef>
@@ -3626,6 +4619,9 @@
               <a:defRPr/>
             </a:lvl5pPr>
             <a:lvl6pPr lvl="5" algn="l">
+              <a:lnSpc>
+                <a:spcPct val="100000"/>
+              </a:lnSpc>
               <a:spcBef>
                 <a:spcPts val="0"/>
               </a:spcBef>
@@ -3637,6 +4633,9 @@
               <a:defRPr/>
             </a:lvl6pPr>
             <a:lvl7pPr lvl="6" algn="l">
+              <a:lnSpc>
+                <a:spcPct val="100000"/>
+              </a:lnSpc>
               <a:spcBef>
                 <a:spcPts val="0"/>
               </a:spcBef>
@@ -3648,6 +4647,9 @@
               <a:defRPr/>
             </a:lvl7pPr>
             <a:lvl8pPr lvl="7" algn="l">
+              <a:lnSpc>
+                <a:spcPct val="100000"/>
+              </a:lnSpc>
               <a:spcBef>
                 <a:spcPts val="0"/>
               </a:spcBef>
@@ -3659,6 +4661,9 @@
               <a:defRPr/>
             </a:lvl8pPr>
             <a:lvl9pPr lvl="8" algn="l">
+              <a:lnSpc>
+                <a:spcPct val="100000"/>
+              </a:lnSpc>
               <a:spcBef>
                 <a:spcPts val="0"/>
               </a:spcBef>
@@ -3700,6 +4705,9 @@
           </a:bodyPr>
           <a:lstStyle>
             <a:lvl1pPr lvl="0" algn="ctr">
+              <a:lnSpc>
+                <a:spcPct val="100000"/>
+              </a:lnSpc>
               <a:spcBef>
                 <a:spcPts val="0"/>
               </a:spcBef>
@@ -3711,6 +4719,9 @@
               <a:defRPr/>
             </a:lvl1pPr>
             <a:lvl2pPr lvl="1" algn="l">
+              <a:lnSpc>
+                <a:spcPct val="100000"/>
+              </a:lnSpc>
               <a:spcBef>
                 <a:spcPts val="0"/>
               </a:spcBef>
@@ -3722,6 +4733,9 @@
               <a:defRPr/>
             </a:lvl2pPr>
             <a:lvl3pPr lvl="2" algn="l">
+              <a:lnSpc>
+                <a:spcPct val="100000"/>
+              </a:lnSpc>
               <a:spcBef>
                 <a:spcPts val="0"/>
               </a:spcBef>
@@ -3733,6 +4747,9 @@
               <a:defRPr/>
             </a:lvl3pPr>
             <a:lvl4pPr lvl="3" algn="l">
+              <a:lnSpc>
+                <a:spcPct val="100000"/>
+              </a:lnSpc>
               <a:spcBef>
                 <a:spcPts val="0"/>
               </a:spcBef>
@@ -3744,6 +4761,9 @@
               <a:defRPr/>
             </a:lvl4pPr>
             <a:lvl5pPr lvl="4" algn="l">
+              <a:lnSpc>
+                <a:spcPct val="100000"/>
+              </a:lnSpc>
               <a:spcBef>
                 <a:spcPts val="0"/>
               </a:spcBef>
@@ -3755,6 +4775,9 @@
               <a:defRPr/>
             </a:lvl5pPr>
             <a:lvl6pPr lvl="5" algn="l">
+              <a:lnSpc>
+                <a:spcPct val="100000"/>
+              </a:lnSpc>
               <a:spcBef>
                 <a:spcPts val="0"/>
               </a:spcBef>
@@ -3766,6 +4789,9 @@
               <a:defRPr/>
             </a:lvl6pPr>
             <a:lvl7pPr lvl="6" algn="l">
+              <a:lnSpc>
+                <a:spcPct val="100000"/>
+              </a:lnSpc>
               <a:spcBef>
                 <a:spcPts val="0"/>
               </a:spcBef>
@@ -3777,6 +4803,9 @@
               <a:defRPr/>
             </a:lvl7pPr>
             <a:lvl8pPr lvl="7" algn="l">
+              <a:lnSpc>
+                <a:spcPct val="100000"/>
+              </a:lnSpc>
               <a:spcBef>
                 <a:spcPts val="0"/>
               </a:spcBef>
@@ -3788,6 +4817,9 @@
               <a:defRPr/>
             </a:lvl8pPr>
             <a:lvl9pPr lvl="8" algn="l">
+              <a:lnSpc>
+                <a:spcPct val="100000"/>
+              </a:lnSpc>
               <a:spcBef>
                 <a:spcPts val="0"/>
               </a:spcBef>
@@ -3828,68 +4860,239 @@
             <a:noAutofit/>
           </a:bodyPr>
           <a:lstStyle>
-            <a:lvl1pPr indent="0" lvl="0" marL="0" algn="r">
-              <a:spcBef>
-                <a:spcPts val="0"/>
-              </a:spcBef>
-              <a:buNone/>
-              <a:defRPr/>
+            <a:lvl1pPr indent="0" lvl="0" marL="0" marR="0" algn="r">
+              <a:lnSpc>
+                <a:spcPct val="100000"/>
+              </a:lnSpc>
+              <a:spcBef>
+                <a:spcPts val="0"/>
+              </a:spcBef>
+              <a:spcAft>
+                <a:spcPts val="0"/>
+              </a:spcAft>
+              <a:buClr>
+                <a:srgbClr val="000000"/>
+              </a:buClr>
+              <a:buSzPts val="1200"/>
+              <a:buFont typeface="Arial"/>
+              <a:buNone/>
+              <a:defRPr b="0" i="0" sz="1200" u="none" cap="none" strike="noStrike">
+                <a:solidFill>
+                  <a:srgbClr val="757575"/>
+                </a:solidFill>
+                <a:latin typeface="Arial"/>
+                <a:ea typeface="Arial"/>
+                <a:cs typeface="Arial"/>
+                <a:sym typeface="Arial"/>
+              </a:defRPr>
             </a:lvl1pPr>
-            <a:lvl2pPr indent="0" lvl="1" marL="0" algn="r">
-              <a:spcBef>
-                <a:spcPts val="0"/>
-              </a:spcBef>
-              <a:buNone/>
-              <a:defRPr/>
+            <a:lvl2pPr indent="0" lvl="1" marL="0" marR="0" algn="r">
+              <a:lnSpc>
+                <a:spcPct val="100000"/>
+              </a:lnSpc>
+              <a:spcBef>
+                <a:spcPts val="0"/>
+              </a:spcBef>
+              <a:spcAft>
+                <a:spcPts val="0"/>
+              </a:spcAft>
+              <a:buClr>
+                <a:srgbClr val="000000"/>
+              </a:buClr>
+              <a:buSzPts val="1200"/>
+              <a:buFont typeface="Arial"/>
+              <a:buNone/>
+              <a:defRPr b="0" i="0" sz="1200" u="none" cap="none" strike="noStrike">
+                <a:solidFill>
+                  <a:srgbClr val="757575"/>
+                </a:solidFill>
+                <a:latin typeface="Arial"/>
+                <a:ea typeface="Arial"/>
+                <a:cs typeface="Arial"/>
+                <a:sym typeface="Arial"/>
+              </a:defRPr>
             </a:lvl2pPr>
-            <a:lvl3pPr indent="0" lvl="2" marL="0" algn="r">
-              <a:spcBef>
-                <a:spcPts val="0"/>
-              </a:spcBef>
-              <a:buNone/>
-              <a:defRPr/>
+            <a:lvl3pPr indent="0" lvl="2" marL="0" marR="0" algn="r">
+              <a:lnSpc>
+                <a:spcPct val="100000"/>
+              </a:lnSpc>
+              <a:spcBef>
+                <a:spcPts val="0"/>
+              </a:spcBef>
+              <a:spcAft>
+                <a:spcPts val="0"/>
+              </a:spcAft>
+              <a:buClr>
+                <a:srgbClr val="000000"/>
+              </a:buClr>
+              <a:buSzPts val="1200"/>
+              <a:buFont typeface="Arial"/>
+              <a:buNone/>
+              <a:defRPr b="0" i="0" sz="1200" u="none" cap="none" strike="noStrike">
+                <a:solidFill>
+                  <a:srgbClr val="757575"/>
+                </a:solidFill>
+                <a:latin typeface="Arial"/>
+                <a:ea typeface="Arial"/>
+                <a:cs typeface="Arial"/>
+                <a:sym typeface="Arial"/>
+              </a:defRPr>
             </a:lvl3pPr>
-            <a:lvl4pPr indent="0" lvl="3" marL="0" algn="r">
-              <a:spcBef>
-                <a:spcPts val="0"/>
-              </a:spcBef>
-              <a:buNone/>
-              <a:defRPr/>
+            <a:lvl4pPr indent="0" lvl="3" marL="0" marR="0" algn="r">
+              <a:lnSpc>
+                <a:spcPct val="100000"/>
+              </a:lnSpc>
+              <a:spcBef>
+                <a:spcPts val="0"/>
+              </a:spcBef>
+              <a:spcAft>
+                <a:spcPts val="0"/>
+              </a:spcAft>
+              <a:buClr>
+                <a:srgbClr val="000000"/>
+              </a:buClr>
+              <a:buSzPts val="1200"/>
+              <a:buFont typeface="Arial"/>
+              <a:buNone/>
+              <a:defRPr b="0" i="0" sz="1200" u="none" cap="none" strike="noStrike">
+                <a:solidFill>
+                  <a:srgbClr val="757575"/>
+                </a:solidFill>
+                <a:latin typeface="Arial"/>
+                <a:ea typeface="Arial"/>
+                <a:cs typeface="Arial"/>
+                <a:sym typeface="Arial"/>
+              </a:defRPr>
             </a:lvl4pPr>
-            <a:lvl5pPr indent="0" lvl="4" marL="0" algn="r">
-              <a:spcBef>
-                <a:spcPts val="0"/>
-              </a:spcBef>
-              <a:buNone/>
-              <a:defRPr/>
+            <a:lvl5pPr indent="0" lvl="4" marL="0" marR="0" algn="r">
+              <a:lnSpc>
+                <a:spcPct val="100000"/>
+              </a:lnSpc>
+              <a:spcBef>
+                <a:spcPts val="0"/>
+              </a:spcBef>
+              <a:spcAft>
+                <a:spcPts val="0"/>
+              </a:spcAft>
+              <a:buClr>
+                <a:srgbClr val="000000"/>
+              </a:buClr>
+              <a:buSzPts val="1200"/>
+              <a:buFont typeface="Arial"/>
+              <a:buNone/>
+              <a:defRPr b="0" i="0" sz="1200" u="none" cap="none" strike="noStrike">
+                <a:solidFill>
+                  <a:srgbClr val="757575"/>
+                </a:solidFill>
+                <a:latin typeface="Arial"/>
+                <a:ea typeface="Arial"/>
+                <a:cs typeface="Arial"/>
+                <a:sym typeface="Arial"/>
+              </a:defRPr>
             </a:lvl5pPr>
-            <a:lvl6pPr indent="0" lvl="5" marL="0" algn="r">
-              <a:spcBef>
-                <a:spcPts val="0"/>
-              </a:spcBef>
-              <a:buNone/>
-              <a:defRPr/>
+            <a:lvl6pPr indent="0" lvl="5" marL="0" marR="0" algn="r">
+              <a:lnSpc>
+                <a:spcPct val="100000"/>
+              </a:lnSpc>
+              <a:spcBef>
+                <a:spcPts val="0"/>
+              </a:spcBef>
+              <a:spcAft>
+                <a:spcPts val="0"/>
+              </a:spcAft>
+              <a:buClr>
+                <a:srgbClr val="000000"/>
+              </a:buClr>
+              <a:buSzPts val="1200"/>
+              <a:buFont typeface="Arial"/>
+              <a:buNone/>
+              <a:defRPr b="0" i="0" sz="1200" u="none" cap="none" strike="noStrike">
+                <a:solidFill>
+                  <a:srgbClr val="757575"/>
+                </a:solidFill>
+                <a:latin typeface="Arial"/>
+                <a:ea typeface="Arial"/>
+                <a:cs typeface="Arial"/>
+                <a:sym typeface="Arial"/>
+              </a:defRPr>
             </a:lvl6pPr>
-            <a:lvl7pPr indent="0" lvl="6" marL="0" algn="r">
-              <a:spcBef>
-                <a:spcPts val="0"/>
-              </a:spcBef>
-              <a:buNone/>
-              <a:defRPr/>
+            <a:lvl7pPr indent="0" lvl="6" marL="0" marR="0" algn="r">
+              <a:lnSpc>
+                <a:spcPct val="100000"/>
+              </a:lnSpc>
+              <a:spcBef>
+                <a:spcPts val="0"/>
+              </a:spcBef>
+              <a:spcAft>
+                <a:spcPts val="0"/>
+              </a:spcAft>
+              <a:buClr>
+                <a:srgbClr val="000000"/>
+              </a:buClr>
+              <a:buSzPts val="1200"/>
+              <a:buFont typeface="Arial"/>
+              <a:buNone/>
+              <a:defRPr b="0" i="0" sz="1200" u="none" cap="none" strike="noStrike">
+                <a:solidFill>
+                  <a:srgbClr val="757575"/>
+                </a:solidFill>
+                <a:latin typeface="Arial"/>
+                <a:ea typeface="Arial"/>
+                <a:cs typeface="Arial"/>
+                <a:sym typeface="Arial"/>
+              </a:defRPr>
             </a:lvl7pPr>
-            <a:lvl8pPr indent="0" lvl="7" marL="0" algn="r">
-              <a:spcBef>
-                <a:spcPts val="0"/>
-              </a:spcBef>
-              <a:buNone/>
-              <a:defRPr/>
+            <a:lvl8pPr indent="0" lvl="7" marL="0" marR="0" algn="r">
+              <a:lnSpc>
+                <a:spcPct val="100000"/>
+              </a:lnSpc>
+              <a:spcBef>
+                <a:spcPts val="0"/>
+              </a:spcBef>
+              <a:spcAft>
+                <a:spcPts val="0"/>
+              </a:spcAft>
+              <a:buClr>
+                <a:srgbClr val="000000"/>
+              </a:buClr>
+              <a:buSzPts val="1200"/>
+              <a:buFont typeface="Arial"/>
+              <a:buNone/>
+              <a:defRPr b="0" i="0" sz="1200" u="none" cap="none" strike="noStrike">
+                <a:solidFill>
+                  <a:srgbClr val="757575"/>
+                </a:solidFill>
+                <a:latin typeface="Arial"/>
+                <a:ea typeface="Arial"/>
+                <a:cs typeface="Arial"/>
+                <a:sym typeface="Arial"/>
+              </a:defRPr>
             </a:lvl8pPr>
-            <a:lvl9pPr indent="0" lvl="8" marL="0" algn="r">
-              <a:spcBef>
-                <a:spcPts val="0"/>
-              </a:spcBef>
-              <a:buNone/>
-              <a:defRPr/>
+            <a:lvl9pPr indent="0" lvl="8" marL="0" marR="0" algn="r">
+              <a:lnSpc>
+                <a:spcPct val="100000"/>
+              </a:lnSpc>
+              <a:spcBef>
+                <a:spcPts val="0"/>
+              </a:spcBef>
+              <a:spcAft>
+                <a:spcPts val="0"/>
+              </a:spcAft>
+              <a:buClr>
+                <a:srgbClr val="000000"/>
+              </a:buClr>
+              <a:buSzPts val="1200"/>
+              <a:buFont typeface="Arial"/>
+              <a:buNone/>
+              <a:defRPr b="0" i="0" sz="1200" u="none" cap="none" strike="noStrike">
+                <a:solidFill>
+                  <a:srgbClr val="757575"/>
+                </a:solidFill>
+                <a:latin typeface="Arial"/>
+                <a:ea typeface="Arial"/>
+                <a:cs typeface="Arial"/>
+                <a:sym typeface="Arial"/>
+              </a:defRPr>
             </a:lvl9pPr>
           </a:lstStyle>
           <a:p>
@@ -3979,7 +5182,10 @@
               <a:buNone/>
               <a:defRPr sz="6000"/>
             </a:lvl1pPr>
-            <a:lvl2pPr lvl="1">
+            <a:lvl2pPr lvl="1" algn="l">
+              <a:lnSpc>
+                <a:spcPct val="100000"/>
+              </a:lnSpc>
               <a:spcBef>
                 <a:spcPts val="0"/>
               </a:spcBef>
@@ -3990,7 +5196,10 @@
               <a:buNone/>
               <a:defRPr/>
             </a:lvl2pPr>
-            <a:lvl3pPr lvl="2">
+            <a:lvl3pPr lvl="2" algn="l">
+              <a:lnSpc>
+                <a:spcPct val="100000"/>
+              </a:lnSpc>
               <a:spcBef>
                 <a:spcPts val="0"/>
               </a:spcBef>
@@ -4001,7 +5210,10 @@
               <a:buNone/>
               <a:defRPr/>
             </a:lvl3pPr>
-            <a:lvl4pPr lvl="3">
+            <a:lvl4pPr lvl="3" algn="l">
+              <a:lnSpc>
+                <a:spcPct val="100000"/>
+              </a:lnSpc>
               <a:spcBef>
                 <a:spcPts val="0"/>
               </a:spcBef>
@@ -4012,7 +5224,10 @@
               <a:buNone/>
               <a:defRPr/>
             </a:lvl4pPr>
-            <a:lvl5pPr lvl="4">
+            <a:lvl5pPr lvl="4" algn="l">
+              <a:lnSpc>
+                <a:spcPct val="100000"/>
+              </a:lnSpc>
               <a:spcBef>
                 <a:spcPts val="0"/>
               </a:spcBef>
@@ -4023,7 +5238,10 @@
               <a:buNone/>
               <a:defRPr/>
             </a:lvl5pPr>
-            <a:lvl6pPr lvl="5">
+            <a:lvl6pPr lvl="5" algn="l">
+              <a:lnSpc>
+                <a:spcPct val="100000"/>
+              </a:lnSpc>
               <a:spcBef>
                 <a:spcPts val="0"/>
               </a:spcBef>
@@ -4034,7 +5252,10 @@
               <a:buNone/>
               <a:defRPr/>
             </a:lvl6pPr>
-            <a:lvl7pPr lvl="6">
+            <a:lvl7pPr lvl="6" algn="l">
+              <a:lnSpc>
+                <a:spcPct val="100000"/>
+              </a:lnSpc>
               <a:spcBef>
                 <a:spcPts val="0"/>
               </a:spcBef>
@@ -4045,7 +5266,10 @@
               <a:buNone/>
               <a:defRPr/>
             </a:lvl7pPr>
-            <a:lvl8pPr lvl="7">
+            <a:lvl8pPr lvl="7" algn="l">
+              <a:lnSpc>
+                <a:spcPct val="100000"/>
+              </a:lnSpc>
               <a:spcBef>
                 <a:spcPts val="0"/>
               </a:spcBef>
@@ -4056,7 +5280,10 @@
               <a:buNone/>
               <a:defRPr/>
             </a:lvl8pPr>
-            <a:lvl9pPr lvl="8">
+            <a:lvl9pPr lvl="8" algn="l">
+              <a:lnSpc>
+                <a:spcPct val="100000"/>
+              </a:lnSpc>
               <a:spcBef>
                 <a:spcPts val="0"/>
               </a:spcBef>
@@ -4317,6 +5544,9 @@
           </a:bodyPr>
           <a:lstStyle>
             <a:lvl1pPr lvl="0" algn="l">
+              <a:lnSpc>
+                <a:spcPct val="100000"/>
+              </a:lnSpc>
               <a:spcBef>
                 <a:spcPts val="0"/>
               </a:spcBef>
@@ -4328,6 +5558,9 @@
               <a:defRPr/>
             </a:lvl1pPr>
             <a:lvl2pPr lvl="1" algn="l">
+              <a:lnSpc>
+                <a:spcPct val="100000"/>
+              </a:lnSpc>
               <a:spcBef>
                 <a:spcPts val="0"/>
               </a:spcBef>
@@ -4339,6 +5572,9 @@
               <a:defRPr/>
             </a:lvl2pPr>
             <a:lvl3pPr lvl="2" algn="l">
+              <a:lnSpc>
+                <a:spcPct val="100000"/>
+              </a:lnSpc>
               <a:spcBef>
                 <a:spcPts val="0"/>
               </a:spcBef>
@@ -4350,6 +5586,9 @@
               <a:defRPr/>
             </a:lvl3pPr>
             <a:lvl4pPr lvl="3" algn="l">
+              <a:lnSpc>
+                <a:spcPct val="100000"/>
+              </a:lnSpc>
               <a:spcBef>
                 <a:spcPts val="0"/>
               </a:spcBef>
@@ -4361,6 +5600,9 @@
               <a:defRPr/>
             </a:lvl4pPr>
             <a:lvl5pPr lvl="4" algn="l">
+              <a:lnSpc>
+                <a:spcPct val="100000"/>
+              </a:lnSpc>
               <a:spcBef>
                 <a:spcPts val="0"/>
               </a:spcBef>
@@ -4372,6 +5614,9 @@
               <a:defRPr/>
             </a:lvl5pPr>
             <a:lvl6pPr lvl="5" algn="l">
+              <a:lnSpc>
+                <a:spcPct val="100000"/>
+              </a:lnSpc>
               <a:spcBef>
                 <a:spcPts val="0"/>
               </a:spcBef>
@@ -4383,6 +5628,9 @@
               <a:defRPr/>
             </a:lvl6pPr>
             <a:lvl7pPr lvl="6" algn="l">
+              <a:lnSpc>
+                <a:spcPct val="100000"/>
+              </a:lnSpc>
               <a:spcBef>
                 <a:spcPts val="0"/>
               </a:spcBef>
@@ -4394,6 +5642,9 @@
               <a:defRPr/>
             </a:lvl7pPr>
             <a:lvl8pPr lvl="7" algn="l">
+              <a:lnSpc>
+                <a:spcPct val="100000"/>
+              </a:lnSpc>
               <a:spcBef>
                 <a:spcPts val="0"/>
               </a:spcBef>
@@ -4405,6 +5656,9 @@
               <a:defRPr/>
             </a:lvl8pPr>
             <a:lvl9pPr lvl="8" algn="l">
+              <a:lnSpc>
+                <a:spcPct val="100000"/>
+              </a:lnSpc>
               <a:spcBef>
                 <a:spcPts val="0"/>
               </a:spcBef>
@@ -4446,6 +5700,9 @@
           </a:bodyPr>
           <a:lstStyle>
             <a:lvl1pPr lvl="0" algn="ctr">
+              <a:lnSpc>
+                <a:spcPct val="100000"/>
+              </a:lnSpc>
               <a:spcBef>
                 <a:spcPts val="0"/>
               </a:spcBef>
@@ -4457,6 +5714,9 @@
               <a:defRPr/>
             </a:lvl1pPr>
             <a:lvl2pPr lvl="1" algn="l">
+              <a:lnSpc>
+                <a:spcPct val="100000"/>
+              </a:lnSpc>
               <a:spcBef>
                 <a:spcPts val="0"/>
               </a:spcBef>
@@ -4468,6 +5728,9 @@
               <a:defRPr/>
             </a:lvl2pPr>
             <a:lvl3pPr lvl="2" algn="l">
+              <a:lnSpc>
+                <a:spcPct val="100000"/>
+              </a:lnSpc>
               <a:spcBef>
                 <a:spcPts val="0"/>
               </a:spcBef>
@@ -4479,6 +5742,9 @@
               <a:defRPr/>
             </a:lvl3pPr>
             <a:lvl4pPr lvl="3" algn="l">
+              <a:lnSpc>
+                <a:spcPct val="100000"/>
+              </a:lnSpc>
               <a:spcBef>
                 <a:spcPts val="0"/>
               </a:spcBef>
@@ -4490,6 +5756,9 @@
               <a:defRPr/>
             </a:lvl4pPr>
             <a:lvl5pPr lvl="4" algn="l">
+              <a:lnSpc>
+                <a:spcPct val="100000"/>
+              </a:lnSpc>
               <a:spcBef>
                 <a:spcPts val="0"/>
               </a:spcBef>
@@ -4501,6 +5770,9 @@
               <a:defRPr/>
             </a:lvl5pPr>
             <a:lvl6pPr lvl="5" algn="l">
+              <a:lnSpc>
+                <a:spcPct val="100000"/>
+              </a:lnSpc>
               <a:spcBef>
                 <a:spcPts val="0"/>
               </a:spcBef>
@@ -4512,6 +5784,9 @@
               <a:defRPr/>
             </a:lvl6pPr>
             <a:lvl7pPr lvl="6" algn="l">
+              <a:lnSpc>
+                <a:spcPct val="100000"/>
+              </a:lnSpc>
               <a:spcBef>
                 <a:spcPts val="0"/>
               </a:spcBef>
@@ -4523,6 +5798,9 @@
               <a:defRPr/>
             </a:lvl7pPr>
             <a:lvl8pPr lvl="7" algn="l">
+              <a:lnSpc>
+                <a:spcPct val="100000"/>
+              </a:lnSpc>
               <a:spcBef>
                 <a:spcPts val="0"/>
               </a:spcBef>
@@ -4534,6 +5812,9 @@
               <a:defRPr/>
             </a:lvl8pPr>
             <a:lvl9pPr lvl="8" algn="l">
+              <a:lnSpc>
+                <a:spcPct val="100000"/>
+              </a:lnSpc>
               <a:spcBef>
                 <a:spcPts val="0"/>
               </a:spcBef>
@@ -4574,68 +5855,239 @@
             <a:noAutofit/>
           </a:bodyPr>
           <a:lstStyle>
-            <a:lvl1pPr indent="0" lvl="0" marL="0" algn="r">
-              <a:spcBef>
-                <a:spcPts val="0"/>
-              </a:spcBef>
-              <a:buNone/>
-              <a:defRPr/>
+            <a:lvl1pPr indent="0" lvl="0" marL="0" marR="0" algn="r">
+              <a:lnSpc>
+                <a:spcPct val="100000"/>
+              </a:lnSpc>
+              <a:spcBef>
+                <a:spcPts val="0"/>
+              </a:spcBef>
+              <a:spcAft>
+                <a:spcPts val="0"/>
+              </a:spcAft>
+              <a:buClr>
+                <a:srgbClr val="000000"/>
+              </a:buClr>
+              <a:buSzPts val="1200"/>
+              <a:buFont typeface="Arial"/>
+              <a:buNone/>
+              <a:defRPr b="0" i="0" sz="1200" u="none" cap="none" strike="noStrike">
+                <a:solidFill>
+                  <a:srgbClr val="757575"/>
+                </a:solidFill>
+                <a:latin typeface="Arial"/>
+                <a:ea typeface="Arial"/>
+                <a:cs typeface="Arial"/>
+                <a:sym typeface="Arial"/>
+              </a:defRPr>
             </a:lvl1pPr>
-            <a:lvl2pPr indent="0" lvl="1" marL="0" algn="r">
-              <a:spcBef>
-                <a:spcPts val="0"/>
-              </a:spcBef>
-              <a:buNone/>
-              <a:defRPr/>
+            <a:lvl2pPr indent="0" lvl="1" marL="0" marR="0" algn="r">
+              <a:lnSpc>
+                <a:spcPct val="100000"/>
+              </a:lnSpc>
+              <a:spcBef>
+                <a:spcPts val="0"/>
+              </a:spcBef>
+              <a:spcAft>
+                <a:spcPts val="0"/>
+              </a:spcAft>
+              <a:buClr>
+                <a:srgbClr val="000000"/>
+              </a:buClr>
+              <a:buSzPts val="1200"/>
+              <a:buFont typeface="Arial"/>
+              <a:buNone/>
+              <a:defRPr b="0" i="0" sz="1200" u="none" cap="none" strike="noStrike">
+                <a:solidFill>
+                  <a:srgbClr val="757575"/>
+                </a:solidFill>
+                <a:latin typeface="Arial"/>
+                <a:ea typeface="Arial"/>
+                <a:cs typeface="Arial"/>
+                <a:sym typeface="Arial"/>
+              </a:defRPr>
             </a:lvl2pPr>
-            <a:lvl3pPr indent="0" lvl="2" marL="0" algn="r">
-              <a:spcBef>
-                <a:spcPts val="0"/>
-              </a:spcBef>
-              <a:buNone/>
-              <a:defRPr/>
+            <a:lvl3pPr indent="0" lvl="2" marL="0" marR="0" algn="r">
+              <a:lnSpc>
+                <a:spcPct val="100000"/>
+              </a:lnSpc>
+              <a:spcBef>
+                <a:spcPts val="0"/>
+              </a:spcBef>
+              <a:spcAft>
+                <a:spcPts val="0"/>
+              </a:spcAft>
+              <a:buClr>
+                <a:srgbClr val="000000"/>
+              </a:buClr>
+              <a:buSzPts val="1200"/>
+              <a:buFont typeface="Arial"/>
+              <a:buNone/>
+              <a:defRPr b="0" i="0" sz="1200" u="none" cap="none" strike="noStrike">
+                <a:solidFill>
+                  <a:srgbClr val="757575"/>
+                </a:solidFill>
+                <a:latin typeface="Arial"/>
+                <a:ea typeface="Arial"/>
+                <a:cs typeface="Arial"/>
+                <a:sym typeface="Arial"/>
+              </a:defRPr>
             </a:lvl3pPr>
-            <a:lvl4pPr indent="0" lvl="3" marL="0" algn="r">
-              <a:spcBef>
-                <a:spcPts val="0"/>
-              </a:spcBef>
-              <a:buNone/>
-              <a:defRPr/>
+            <a:lvl4pPr indent="0" lvl="3" marL="0" marR="0" algn="r">
+              <a:lnSpc>
+                <a:spcPct val="100000"/>
+              </a:lnSpc>
+              <a:spcBef>
+                <a:spcPts val="0"/>
+              </a:spcBef>
+              <a:spcAft>
+                <a:spcPts val="0"/>
+              </a:spcAft>
+              <a:buClr>
+                <a:srgbClr val="000000"/>
+              </a:buClr>
+              <a:buSzPts val="1200"/>
+              <a:buFont typeface="Arial"/>
+              <a:buNone/>
+              <a:defRPr b="0" i="0" sz="1200" u="none" cap="none" strike="noStrike">
+                <a:solidFill>
+                  <a:srgbClr val="757575"/>
+                </a:solidFill>
+                <a:latin typeface="Arial"/>
+                <a:ea typeface="Arial"/>
+                <a:cs typeface="Arial"/>
+                <a:sym typeface="Arial"/>
+              </a:defRPr>
             </a:lvl4pPr>
-            <a:lvl5pPr indent="0" lvl="4" marL="0" algn="r">
-              <a:spcBef>
-                <a:spcPts val="0"/>
-              </a:spcBef>
-              <a:buNone/>
-              <a:defRPr/>
+            <a:lvl5pPr indent="0" lvl="4" marL="0" marR="0" algn="r">
+              <a:lnSpc>
+                <a:spcPct val="100000"/>
+              </a:lnSpc>
+              <a:spcBef>
+                <a:spcPts val="0"/>
+              </a:spcBef>
+              <a:spcAft>
+                <a:spcPts val="0"/>
+              </a:spcAft>
+              <a:buClr>
+                <a:srgbClr val="000000"/>
+              </a:buClr>
+              <a:buSzPts val="1200"/>
+              <a:buFont typeface="Arial"/>
+              <a:buNone/>
+              <a:defRPr b="0" i="0" sz="1200" u="none" cap="none" strike="noStrike">
+                <a:solidFill>
+                  <a:srgbClr val="757575"/>
+                </a:solidFill>
+                <a:latin typeface="Arial"/>
+                <a:ea typeface="Arial"/>
+                <a:cs typeface="Arial"/>
+                <a:sym typeface="Arial"/>
+              </a:defRPr>
             </a:lvl5pPr>
-            <a:lvl6pPr indent="0" lvl="5" marL="0" algn="r">
-              <a:spcBef>
-                <a:spcPts val="0"/>
-              </a:spcBef>
-              <a:buNone/>
-              <a:defRPr/>
+            <a:lvl6pPr indent="0" lvl="5" marL="0" marR="0" algn="r">
+              <a:lnSpc>
+                <a:spcPct val="100000"/>
+              </a:lnSpc>
+              <a:spcBef>
+                <a:spcPts val="0"/>
+              </a:spcBef>
+              <a:spcAft>
+                <a:spcPts val="0"/>
+              </a:spcAft>
+              <a:buClr>
+                <a:srgbClr val="000000"/>
+              </a:buClr>
+              <a:buSzPts val="1200"/>
+              <a:buFont typeface="Arial"/>
+              <a:buNone/>
+              <a:defRPr b="0" i="0" sz="1200" u="none" cap="none" strike="noStrike">
+                <a:solidFill>
+                  <a:srgbClr val="757575"/>
+                </a:solidFill>
+                <a:latin typeface="Arial"/>
+                <a:ea typeface="Arial"/>
+                <a:cs typeface="Arial"/>
+                <a:sym typeface="Arial"/>
+              </a:defRPr>
             </a:lvl6pPr>
-            <a:lvl7pPr indent="0" lvl="6" marL="0" algn="r">
-              <a:spcBef>
-                <a:spcPts val="0"/>
-              </a:spcBef>
-              <a:buNone/>
-              <a:defRPr/>
+            <a:lvl7pPr indent="0" lvl="6" marL="0" marR="0" algn="r">
+              <a:lnSpc>
+                <a:spcPct val="100000"/>
+              </a:lnSpc>
+              <a:spcBef>
+                <a:spcPts val="0"/>
+              </a:spcBef>
+              <a:spcAft>
+                <a:spcPts val="0"/>
+              </a:spcAft>
+              <a:buClr>
+                <a:srgbClr val="000000"/>
+              </a:buClr>
+              <a:buSzPts val="1200"/>
+              <a:buFont typeface="Arial"/>
+              <a:buNone/>
+              <a:defRPr b="0" i="0" sz="1200" u="none" cap="none" strike="noStrike">
+                <a:solidFill>
+                  <a:srgbClr val="757575"/>
+                </a:solidFill>
+                <a:latin typeface="Arial"/>
+                <a:ea typeface="Arial"/>
+                <a:cs typeface="Arial"/>
+                <a:sym typeface="Arial"/>
+              </a:defRPr>
             </a:lvl7pPr>
-            <a:lvl8pPr indent="0" lvl="7" marL="0" algn="r">
-              <a:spcBef>
-                <a:spcPts val="0"/>
-              </a:spcBef>
-              <a:buNone/>
-              <a:defRPr/>
+            <a:lvl8pPr indent="0" lvl="7" marL="0" marR="0" algn="r">
+              <a:lnSpc>
+                <a:spcPct val="100000"/>
+              </a:lnSpc>
+              <a:spcBef>
+                <a:spcPts val="0"/>
+              </a:spcBef>
+              <a:spcAft>
+                <a:spcPts val="0"/>
+              </a:spcAft>
+              <a:buClr>
+                <a:srgbClr val="000000"/>
+              </a:buClr>
+              <a:buSzPts val="1200"/>
+              <a:buFont typeface="Arial"/>
+              <a:buNone/>
+              <a:defRPr b="0" i="0" sz="1200" u="none" cap="none" strike="noStrike">
+                <a:solidFill>
+                  <a:srgbClr val="757575"/>
+                </a:solidFill>
+                <a:latin typeface="Arial"/>
+                <a:ea typeface="Arial"/>
+                <a:cs typeface="Arial"/>
+                <a:sym typeface="Arial"/>
+              </a:defRPr>
             </a:lvl8pPr>
-            <a:lvl9pPr indent="0" lvl="8" marL="0" algn="r">
-              <a:spcBef>
-                <a:spcPts val="0"/>
-              </a:spcBef>
-              <a:buNone/>
-              <a:defRPr/>
+            <a:lvl9pPr indent="0" lvl="8" marL="0" marR="0" algn="r">
+              <a:lnSpc>
+                <a:spcPct val="100000"/>
+              </a:lnSpc>
+              <a:spcBef>
+                <a:spcPts val="0"/>
+              </a:spcBef>
+              <a:spcAft>
+                <a:spcPts val="0"/>
+              </a:spcAft>
+              <a:buClr>
+                <a:srgbClr val="000000"/>
+              </a:buClr>
+              <a:buSzPts val="1200"/>
+              <a:buFont typeface="Arial"/>
+              <a:buNone/>
+              <a:defRPr b="0" i="0" sz="1200" u="none" cap="none" strike="noStrike">
+                <a:solidFill>
+                  <a:srgbClr val="757575"/>
+                </a:solidFill>
+                <a:latin typeface="Arial"/>
+                <a:ea typeface="Arial"/>
+                <a:cs typeface="Arial"/>
+                <a:sym typeface="Arial"/>
+              </a:defRPr>
             </a:lvl9pPr>
           </a:lstStyle>
           <a:p>
@@ -4724,7 +6176,10 @@
               <a:buNone/>
               <a:defRPr/>
             </a:lvl1pPr>
-            <a:lvl2pPr lvl="1">
+            <a:lvl2pPr lvl="1" algn="l">
+              <a:lnSpc>
+                <a:spcPct val="100000"/>
+              </a:lnSpc>
               <a:spcBef>
                 <a:spcPts val="0"/>
               </a:spcBef>
@@ -4735,7 +6190,10 @@
               <a:buNone/>
               <a:defRPr/>
             </a:lvl2pPr>
-            <a:lvl3pPr lvl="2">
+            <a:lvl3pPr lvl="2" algn="l">
+              <a:lnSpc>
+                <a:spcPct val="100000"/>
+              </a:lnSpc>
               <a:spcBef>
                 <a:spcPts val="0"/>
               </a:spcBef>
@@ -4746,7 +6204,10 @@
               <a:buNone/>
               <a:defRPr/>
             </a:lvl3pPr>
-            <a:lvl4pPr lvl="3">
+            <a:lvl4pPr lvl="3" algn="l">
+              <a:lnSpc>
+                <a:spcPct val="100000"/>
+              </a:lnSpc>
               <a:spcBef>
                 <a:spcPts val="0"/>
               </a:spcBef>
@@ -4757,7 +6218,10 @@
               <a:buNone/>
               <a:defRPr/>
             </a:lvl4pPr>
-            <a:lvl5pPr lvl="4">
+            <a:lvl5pPr lvl="4" algn="l">
+              <a:lnSpc>
+                <a:spcPct val="100000"/>
+              </a:lnSpc>
               <a:spcBef>
                 <a:spcPts val="0"/>
               </a:spcBef>
@@ -4768,7 +6232,10 @@
               <a:buNone/>
               <a:defRPr/>
             </a:lvl5pPr>
-            <a:lvl6pPr lvl="5">
+            <a:lvl6pPr lvl="5" algn="l">
+              <a:lnSpc>
+                <a:spcPct val="100000"/>
+              </a:lnSpc>
               <a:spcBef>
                 <a:spcPts val="0"/>
               </a:spcBef>
@@ -4779,7 +6246,10 @@
               <a:buNone/>
               <a:defRPr/>
             </a:lvl6pPr>
-            <a:lvl7pPr lvl="6">
+            <a:lvl7pPr lvl="6" algn="l">
+              <a:lnSpc>
+                <a:spcPct val="100000"/>
+              </a:lnSpc>
               <a:spcBef>
                 <a:spcPts val="0"/>
               </a:spcBef>
@@ -4790,7 +6260,10 @@
               <a:buNone/>
               <a:defRPr/>
             </a:lvl7pPr>
-            <a:lvl8pPr lvl="7">
+            <a:lvl8pPr lvl="7" algn="l">
+              <a:lnSpc>
+                <a:spcPct val="100000"/>
+              </a:lnSpc>
               <a:spcBef>
                 <a:spcPts val="0"/>
               </a:spcBef>
@@ -4801,7 +6274,10 @@
               <a:buNone/>
               <a:defRPr/>
             </a:lvl8pPr>
-            <a:lvl9pPr lvl="8">
+            <a:lvl9pPr lvl="8" algn="l">
+              <a:lnSpc>
+                <a:spcPct val="100000"/>
+              </a:lnSpc>
               <a:spcBef>
                 <a:spcPts val="0"/>
               </a:spcBef>
@@ -5209,6 +6685,9 @@
           </a:bodyPr>
           <a:lstStyle>
             <a:lvl1pPr lvl="0" algn="l">
+              <a:lnSpc>
+                <a:spcPct val="100000"/>
+              </a:lnSpc>
               <a:spcBef>
                 <a:spcPts val="0"/>
               </a:spcBef>
@@ -5220,6 +6699,9 @@
               <a:defRPr/>
             </a:lvl1pPr>
             <a:lvl2pPr lvl="1" algn="l">
+              <a:lnSpc>
+                <a:spcPct val="100000"/>
+              </a:lnSpc>
               <a:spcBef>
                 <a:spcPts val="0"/>
               </a:spcBef>
@@ -5231,6 +6713,9 @@
               <a:defRPr/>
             </a:lvl2pPr>
             <a:lvl3pPr lvl="2" algn="l">
+              <a:lnSpc>
+                <a:spcPct val="100000"/>
+              </a:lnSpc>
               <a:spcBef>
                 <a:spcPts val="0"/>
               </a:spcBef>
@@ -5242,6 +6727,9 @@
               <a:defRPr/>
             </a:lvl3pPr>
             <a:lvl4pPr lvl="3" algn="l">
+              <a:lnSpc>
+                <a:spcPct val="100000"/>
+              </a:lnSpc>
               <a:spcBef>
                 <a:spcPts val="0"/>
               </a:spcBef>
@@ -5253,6 +6741,9 @@
               <a:defRPr/>
             </a:lvl4pPr>
             <a:lvl5pPr lvl="4" algn="l">
+              <a:lnSpc>
+                <a:spcPct val="100000"/>
+              </a:lnSpc>
               <a:spcBef>
                 <a:spcPts val="0"/>
               </a:spcBef>
@@ -5264,6 +6755,9 @@
               <a:defRPr/>
             </a:lvl5pPr>
             <a:lvl6pPr lvl="5" algn="l">
+              <a:lnSpc>
+                <a:spcPct val="100000"/>
+              </a:lnSpc>
               <a:spcBef>
                 <a:spcPts val="0"/>
               </a:spcBef>
@@ -5275,6 +6769,9 @@
               <a:defRPr/>
             </a:lvl6pPr>
             <a:lvl7pPr lvl="6" algn="l">
+              <a:lnSpc>
+                <a:spcPct val="100000"/>
+              </a:lnSpc>
               <a:spcBef>
                 <a:spcPts val="0"/>
               </a:spcBef>
@@ -5286,6 +6783,9 @@
               <a:defRPr/>
             </a:lvl7pPr>
             <a:lvl8pPr lvl="7" algn="l">
+              <a:lnSpc>
+                <a:spcPct val="100000"/>
+              </a:lnSpc>
               <a:spcBef>
                 <a:spcPts val="0"/>
               </a:spcBef>
@@ -5297,6 +6797,9 @@
               <a:defRPr/>
             </a:lvl8pPr>
             <a:lvl9pPr lvl="8" algn="l">
+              <a:lnSpc>
+                <a:spcPct val="100000"/>
+              </a:lnSpc>
               <a:spcBef>
                 <a:spcPts val="0"/>
               </a:spcBef>
@@ -5338,6 +6841,9 @@
           </a:bodyPr>
           <a:lstStyle>
             <a:lvl1pPr lvl="0" algn="ctr">
+              <a:lnSpc>
+                <a:spcPct val="100000"/>
+              </a:lnSpc>
               <a:spcBef>
                 <a:spcPts val="0"/>
               </a:spcBef>
@@ -5349,6 +6855,9 @@
               <a:defRPr/>
             </a:lvl1pPr>
             <a:lvl2pPr lvl="1" algn="l">
+              <a:lnSpc>
+                <a:spcPct val="100000"/>
+              </a:lnSpc>
               <a:spcBef>
                 <a:spcPts val="0"/>
               </a:spcBef>
@@ -5360,6 +6869,9 @@
               <a:defRPr/>
             </a:lvl2pPr>
             <a:lvl3pPr lvl="2" algn="l">
+              <a:lnSpc>
+                <a:spcPct val="100000"/>
+              </a:lnSpc>
               <a:spcBef>
                 <a:spcPts val="0"/>
               </a:spcBef>
@@ -5371,6 +6883,9 @@
               <a:defRPr/>
             </a:lvl3pPr>
             <a:lvl4pPr lvl="3" algn="l">
+              <a:lnSpc>
+                <a:spcPct val="100000"/>
+              </a:lnSpc>
               <a:spcBef>
                 <a:spcPts val="0"/>
               </a:spcBef>
@@ -5382,6 +6897,9 @@
               <a:defRPr/>
             </a:lvl4pPr>
             <a:lvl5pPr lvl="4" algn="l">
+              <a:lnSpc>
+                <a:spcPct val="100000"/>
+              </a:lnSpc>
               <a:spcBef>
                 <a:spcPts val="0"/>
               </a:spcBef>
@@ -5393,6 +6911,9 @@
               <a:defRPr/>
             </a:lvl5pPr>
             <a:lvl6pPr lvl="5" algn="l">
+              <a:lnSpc>
+                <a:spcPct val="100000"/>
+              </a:lnSpc>
               <a:spcBef>
                 <a:spcPts val="0"/>
               </a:spcBef>
@@ -5404,6 +6925,9 @@
               <a:defRPr/>
             </a:lvl6pPr>
             <a:lvl7pPr lvl="6" algn="l">
+              <a:lnSpc>
+                <a:spcPct val="100000"/>
+              </a:lnSpc>
               <a:spcBef>
                 <a:spcPts val="0"/>
               </a:spcBef>
@@ -5415,6 +6939,9 @@
               <a:defRPr/>
             </a:lvl7pPr>
             <a:lvl8pPr lvl="7" algn="l">
+              <a:lnSpc>
+                <a:spcPct val="100000"/>
+              </a:lnSpc>
               <a:spcBef>
                 <a:spcPts val="0"/>
               </a:spcBef>
@@ -5426,6 +6953,9 @@
               <a:defRPr/>
             </a:lvl8pPr>
             <a:lvl9pPr lvl="8" algn="l">
+              <a:lnSpc>
+                <a:spcPct val="100000"/>
+              </a:lnSpc>
               <a:spcBef>
                 <a:spcPts val="0"/>
               </a:spcBef>
@@ -5466,68 +6996,239 @@
             <a:noAutofit/>
           </a:bodyPr>
           <a:lstStyle>
-            <a:lvl1pPr indent="0" lvl="0" marL="0" algn="r">
-              <a:spcBef>
-                <a:spcPts val="0"/>
-              </a:spcBef>
-              <a:buNone/>
-              <a:defRPr/>
+            <a:lvl1pPr indent="0" lvl="0" marL="0" marR="0" algn="r">
+              <a:lnSpc>
+                <a:spcPct val="100000"/>
+              </a:lnSpc>
+              <a:spcBef>
+                <a:spcPts val="0"/>
+              </a:spcBef>
+              <a:spcAft>
+                <a:spcPts val="0"/>
+              </a:spcAft>
+              <a:buClr>
+                <a:srgbClr val="000000"/>
+              </a:buClr>
+              <a:buSzPts val="1200"/>
+              <a:buFont typeface="Arial"/>
+              <a:buNone/>
+              <a:defRPr b="0" i="0" sz="1200" u="none" cap="none" strike="noStrike">
+                <a:solidFill>
+                  <a:srgbClr val="757575"/>
+                </a:solidFill>
+                <a:latin typeface="Arial"/>
+                <a:ea typeface="Arial"/>
+                <a:cs typeface="Arial"/>
+                <a:sym typeface="Arial"/>
+              </a:defRPr>
             </a:lvl1pPr>
-            <a:lvl2pPr indent="0" lvl="1" marL="0" algn="r">
-              <a:spcBef>
-                <a:spcPts val="0"/>
-              </a:spcBef>
-              <a:buNone/>
-              <a:defRPr/>
+            <a:lvl2pPr indent="0" lvl="1" marL="0" marR="0" algn="r">
+              <a:lnSpc>
+                <a:spcPct val="100000"/>
+              </a:lnSpc>
+              <a:spcBef>
+                <a:spcPts val="0"/>
+              </a:spcBef>
+              <a:spcAft>
+                <a:spcPts val="0"/>
+              </a:spcAft>
+              <a:buClr>
+                <a:srgbClr val="000000"/>
+              </a:buClr>
+              <a:buSzPts val="1200"/>
+              <a:buFont typeface="Arial"/>
+              <a:buNone/>
+              <a:defRPr b="0" i="0" sz="1200" u="none" cap="none" strike="noStrike">
+                <a:solidFill>
+                  <a:srgbClr val="757575"/>
+                </a:solidFill>
+                <a:latin typeface="Arial"/>
+                <a:ea typeface="Arial"/>
+                <a:cs typeface="Arial"/>
+                <a:sym typeface="Arial"/>
+              </a:defRPr>
             </a:lvl2pPr>
-            <a:lvl3pPr indent="0" lvl="2" marL="0" algn="r">
-              <a:spcBef>
-                <a:spcPts val="0"/>
-              </a:spcBef>
-              <a:buNone/>
-              <a:defRPr/>
+            <a:lvl3pPr indent="0" lvl="2" marL="0" marR="0" algn="r">
+              <a:lnSpc>
+                <a:spcPct val="100000"/>
+              </a:lnSpc>
+              <a:spcBef>
+                <a:spcPts val="0"/>
+              </a:spcBef>
+              <a:spcAft>
+                <a:spcPts val="0"/>
+              </a:spcAft>
+              <a:buClr>
+                <a:srgbClr val="000000"/>
+              </a:buClr>
+              <a:buSzPts val="1200"/>
+              <a:buFont typeface="Arial"/>
+              <a:buNone/>
+              <a:defRPr b="0" i="0" sz="1200" u="none" cap="none" strike="noStrike">
+                <a:solidFill>
+                  <a:srgbClr val="757575"/>
+                </a:solidFill>
+                <a:latin typeface="Arial"/>
+                <a:ea typeface="Arial"/>
+                <a:cs typeface="Arial"/>
+                <a:sym typeface="Arial"/>
+              </a:defRPr>
             </a:lvl3pPr>
-            <a:lvl4pPr indent="0" lvl="3" marL="0" algn="r">
-              <a:spcBef>
-                <a:spcPts val="0"/>
-              </a:spcBef>
-              <a:buNone/>
-              <a:defRPr/>
+            <a:lvl4pPr indent="0" lvl="3" marL="0" marR="0" algn="r">
+              <a:lnSpc>
+                <a:spcPct val="100000"/>
+              </a:lnSpc>
+              <a:spcBef>
+                <a:spcPts val="0"/>
+              </a:spcBef>
+              <a:spcAft>
+                <a:spcPts val="0"/>
+              </a:spcAft>
+              <a:buClr>
+                <a:srgbClr val="000000"/>
+              </a:buClr>
+              <a:buSzPts val="1200"/>
+              <a:buFont typeface="Arial"/>
+              <a:buNone/>
+              <a:defRPr b="0" i="0" sz="1200" u="none" cap="none" strike="noStrike">
+                <a:solidFill>
+                  <a:srgbClr val="757575"/>
+                </a:solidFill>
+                <a:latin typeface="Arial"/>
+                <a:ea typeface="Arial"/>
+                <a:cs typeface="Arial"/>
+                <a:sym typeface="Arial"/>
+              </a:defRPr>
             </a:lvl4pPr>
-            <a:lvl5pPr indent="0" lvl="4" marL="0" algn="r">
-              <a:spcBef>
-                <a:spcPts val="0"/>
-              </a:spcBef>
-              <a:buNone/>
-              <a:defRPr/>
+            <a:lvl5pPr indent="0" lvl="4" marL="0" marR="0" algn="r">
+              <a:lnSpc>
+                <a:spcPct val="100000"/>
+              </a:lnSpc>
+              <a:spcBef>
+                <a:spcPts val="0"/>
+              </a:spcBef>
+              <a:spcAft>
+                <a:spcPts val="0"/>
+              </a:spcAft>
+              <a:buClr>
+                <a:srgbClr val="000000"/>
+              </a:buClr>
+              <a:buSzPts val="1200"/>
+              <a:buFont typeface="Arial"/>
+              <a:buNone/>
+              <a:defRPr b="0" i="0" sz="1200" u="none" cap="none" strike="noStrike">
+                <a:solidFill>
+                  <a:srgbClr val="757575"/>
+                </a:solidFill>
+                <a:latin typeface="Arial"/>
+                <a:ea typeface="Arial"/>
+                <a:cs typeface="Arial"/>
+                <a:sym typeface="Arial"/>
+              </a:defRPr>
             </a:lvl5pPr>
-            <a:lvl6pPr indent="0" lvl="5" marL="0" algn="r">
-              <a:spcBef>
-                <a:spcPts val="0"/>
-              </a:spcBef>
-              <a:buNone/>
-              <a:defRPr/>
+            <a:lvl6pPr indent="0" lvl="5" marL="0" marR="0" algn="r">
+              <a:lnSpc>
+                <a:spcPct val="100000"/>
+              </a:lnSpc>
+              <a:spcBef>
+                <a:spcPts val="0"/>
+              </a:spcBef>
+              <a:spcAft>
+                <a:spcPts val="0"/>
+              </a:spcAft>
+              <a:buClr>
+                <a:srgbClr val="000000"/>
+              </a:buClr>
+              <a:buSzPts val="1200"/>
+              <a:buFont typeface="Arial"/>
+              <a:buNone/>
+              <a:defRPr b="0" i="0" sz="1200" u="none" cap="none" strike="noStrike">
+                <a:solidFill>
+                  <a:srgbClr val="757575"/>
+                </a:solidFill>
+                <a:latin typeface="Arial"/>
+                <a:ea typeface="Arial"/>
+                <a:cs typeface="Arial"/>
+                <a:sym typeface="Arial"/>
+              </a:defRPr>
             </a:lvl6pPr>
-            <a:lvl7pPr indent="0" lvl="6" marL="0" algn="r">
-              <a:spcBef>
-                <a:spcPts val="0"/>
-              </a:spcBef>
-              <a:buNone/>
-              <a:defRPr/>
+            <a:lvl7pPr indent="0" lvl="6" marL="0" marR="0" algn="r">
+              <a:lnSpc>
+                <a:spcPct val="100000"/>
+              </a:lnSpc>
+              <a:spcBef>
+                <a:spcPts val="0"/>
+              </a:spcBef>
+              <a:spcAft>
+                <a:spcPts val="0"/>
+              </a:spcAft>
+              <a:buClr>
+                <a:srgbClr val="000000"/>
+              </a:buClr>
+              <a:buSzPts val="1200"/>
+              <a:buFont typeface="Arial"/>
+              <a:buNone/>
+              <a:defRPr b="0" i="0" sz="1200" u="none" cap="none" strike="noStrike">
+                <a:solidFill>
+                  <a:srgbClr val="757575"/>
+                </a:solidFill>
+                <a:latin typeface="Arial"/>
+                <a:ea typeface="Arial"/>
+                <a:cs typeface="Arial"/>
+                <a:sym typeface="Arial"/>
+              </a:defRPr>
             </a:lvl7pPr>
-            <a:lvl8pPr indent="0" lvl="7" marL="0" algn="r">
-              <a:spcBef>
-                <a:spcPts val="0"/>
-              </a:spcBef>
-              <a:buNone/>
-              <a:defRPr/>
+            <a:lvl8pPr indent="0" lvl="7" marL="0" marR="0" algn="r">
+              <a:lnSpc>
+                <a:spcPct val="100000"/>
+              </a:lnSpc>
+              <a:spcBef>
+                <a:spcPts val="0"/>
+              </a:spcBef>
+              <a:spcAft>
+                <a:spcPts val="0"/>
+              </a:spcAft>
+              <a:buClr>
+                <a:srgbClr val="000000"/>
+              </a:buClr>
+              <a:buSzPts val="1200"/>
+              <a:buFont typeface="Arial"/>
+              <a:buNone/>
+              <a:defRPr b="0" i="0" sz="1200" u="none" cap="none" strike="noStrike">
+                <a:solidFill>
+                  <a:srgbClr val="757575"/>
+                </a:solidFill>
+                <a:latin typeface="Arial"/>
+                <a:ea typeface="Arial"/>
+                <a:cs typeface="Arial"/>
+                <a:sym typeface="Arial"/>
+              </a:defRPr>
             </a:lvl8pPr>
-            <a:lvl9pPr indent="0" lvl="8" marL="0" algn="r">
-              <a:spcBef>
-                <a:spcPts val="0"/>
-              </a:spcBef>
-              <a:buNone/>
-              <a:defRPr/>
+            <a:lvl9pPr indent="0" lvl="8" marL="0" marR="0" algn="r">
+              <a:lnSpc>
+                <a:spcPct val="100000"/>
+              </a:lnSpc>
+              <a:spcBef>
+                <a:spcPts val="0"/>
+              </a:spcBef>
+              <a:spcAft>
+                <a:spcPts val="0"/>
+              </a:spcAft>
+              <a:buClr>
+                <a:srgbClr val="000000"/>
+              </a:buClr>
+              <a:buSzPts val="1200"/>
+              <a:buFont typeface="Arial"/>
+              <a:buNone/>
+              <a:defRPr b="0" i="0" sz="1200" u="none" cap="none" strike="noStrike">
+                <a:solidFill>
+                  <a:srgbClr val="757575"/>
+                </a:solidFill>
+                <a:latin typeface="Arial"/>
+                <a:ea typeface="Arial"/>
+                <a:cs typeface="Arial"/>
+                <a:sym typeface="Arial"/>
+              </a:defRPr>
             </a:lvl9pPr>
           </a:lstStyle>
           <a:p>
@@ -5616,7 +7317,10 @@
               <a:buNone/>
               <a:defRPr/>
             </a:lvl1pPr>
-            <a:lvl2pPr lvl="1">
+            <a:lvl2pPr lvl="1" algn="l">
+              <a:lnSpc>
+                <a:spcPct val="100000"/>
+              </a:lnSpc>
               <a:spcBef>
                 <a:spcPts val="0"/>
               </a:spcBef>
@@ -5627,7 +7331,10 @@
               <a:buNone/>
               <a:defRPr/>
             </a:lvl2pPr>
-            <a:lvl3pPr lvl="2">
+            <a:lvl3pPr lvl="2" algn="l">
+              <a:lnSpc>
+                <a:spcPct val="100000"/>
+              </a:lnSpc>
               <a:spcBef>
                 <a:spcPts val="0"/>
               </a:spcBef>
@@ -5638,7 +7345,10 @@
               <a:buNone/>
               <a:defRPr/>
             </a:lvl3pPr>
-            <a:lvl4pPr lvl="3">
+            <a:lvl4pPr lvl="3" algn="l">
+              <a:lnSpc>
+                <a:spcPct val="100000"/>
+              </a:lnSpc>
               <a:spcBef>
                 <a:spcPts val="0"/>
               </a:spcBef>
@@ -5649,7 +7359,10 @@
               <a:buNone/>
               <a:defRPr/>
             </a:lvl4pPr>
-            <a:lvl5pPr lvl="4">
+            <a:lvl5pPr lvl="4" algn="l">
+              <a:lnSpc>
+                <a:spcPct val="100000"/>
+              </a:lnSpc>
               <a:spcBef>
                 <a:spcPts val="0"/>
               </a:spcBef>
@@ -5660,7 +7373,10 @@
               <a:buNone/>
               <a:defRPr/>
             </a:lvl5pPr>
-            <a:lvl6pPr lvl="5">
+            <a:lvl6pPr lvl="5" algn="l">
+              <a:lnSpc>
+                <a:spcPct val="100000"/>
+              </a:lnSpc>
               <a:spcBef>
                 <a:spcPts val="0"/>
               </a:spcBef>
@@ -5671,7 +7387,10 @@
               <a:buNone/>
               <a:defRPr/>
             </a:lvl6pPr>
-            <a:lvl7pPr lvl="6">
+            <a:lvl7pPr lvl="6" algn="l">
+              <a:lnSpc>
+                <a:spcPct val="100000"/>
+              </a:lnSpc>
               <a:spcBef>
                 <a:spcPts val="0"/>
               </a:spcBef>
@@ -5682,7 +7401,10 @@
               <a:buNone/>
               <a:defRPr/>
             </a:lvl7pPr>
-            <a:lvl8pPr lvl="7">
+            <a:lvl8pPr lvl="7" algn="l">
+              <a:lnSpc>
+                <a:spcPct val="100000"/>
+              </a:lnSpc>
               <a:spcBef>
                 <a:spcPts val="0"/>
               </a:spcBef>
@@ -5693,7 +7415,10 @@
               <a:buNone/>
               <a:defRPr/>
             </a:lvl8pPr>
-            <a:lvl9pPr lvl="8">
+            <a:lvl9pPr lvl="8" algn="l">
+              <a:lnSpc>
+                <a:spcPct val="100000"/>
+              </a:lnSpc>
               <a:spcBef>
                 <a:spcPts val="0"/>
               </a:spcBef>
@@ -6467,6 +8192,9 @@
           </a:bodyPr>
           <a:lstStyle>
             <a:lvl1pPr lvl="0" algn="l">
+              <a:lnSpc>
+                <a:spcPct val="100000"/>
+              </a:lnSpc>
               <a:spcBef>
                 <a:spcPts val="0"/>
               </a:spcBef>
@@ -6478,6 +8206,9 @@
               <a:defRPr/>
             </a:lvl1pPr>
             <a:lvl2pPr lvl="1" algn="l">
+              <a:lnSpc>
+                <a:spcPct val="100000"/>
+              </a:lnSpc>
               <a:spcBef>
                 <a:spcPts val="0"/>
               </a:spcBef>
@@ -6489,6 +8220,9 @@
               <a:defRPr/>
             </a:lvl2pPr>
             <a:lvl3pPr lvl="2" algn="l">
+              <a:lnSpc>
+                <a:spcPct val="100000"/>
+              </a:lnSpc>
               <a:spcBef>
                 <a:spcPts val="0"/>
               </a:spcBef>
@@ -6500,6 +8234,9 @@
               <a:defRPr/>
             </a:lvl3pPr>
             <a:lvl4pPr lvl="3" algn="l">
+              <a:lnSpc>
+                <a:spcPct val="100000"/>
+              </a:lnSpc>
               <a:spcBef>
                 <a:spcPts val="0"/>
               </a:spcBef>
@@ -6511,6 +8248,9 @@
               <a:defRPr/>
             </a:lvl4pPr>
             <a:lvl5pPr lvl="4" algn="l">
+              <a:lnSpc>
+                <a:spcPct val="100000"/>
+              </a:lnSpc>
               <a:spcBef>
                 <a:spcPts val="0"/>
               </a:spcBef>
@@ -6522,6 +8262,9 @@
               <a:defRPr/>
             </a:lvl5pPr>
             <a:lvl6pPr lvl="5" algn="l">
+              <a:lnSpc>
+                <a:spcPct val="100000"/>
+              </a:lnSpc>
               <a:spcBef>
                 <a:spcPts val="0"/>
               </a:spcBef>
@@ -6533,6 +8276,9 @@
               <a:defRPr/>
             </a:lvl6pPr>
             <a:lvl7pPr lvl="6" algn="l">
+              <a:lnSpc>
+                <a:spcPct val="100000"/>
+              </a:lnSpc>
               <a:spcBef>
                 <a:spcPts val="0"/>
               </a:spcBef>
@@ -6544,6 +8290,9 @@
               <a:defRPr/>
             </a:lvl7pPr>
             <a:lvl8pPr lvl="7" algn="l">
+              <a:lnSpc>
+                <a:spcPct val="100000"/>
+              </a:lnSpc>
               <a:spcBef>
                 <a:spcPts val="0"/>
               </a:spcBef>
@@ -6555,6 +8304,9 @@
               <a:defRPr/>
             </a:lvl8pPr>
             <a:lvl9pPr lvl="8" algn="l">
+              <a:lnSpc>
+                <a:spcPct val="100000"/>
+              </a:lnSpc>
               <a:spcBef>
                 <a:spcPts val="0"/>
               </a:spcBef>
@@ -6596,6 +8348,9 @@
           </a:bodyPr>
           <a:lstStyle>
             <a:lvl1pPr lvl="0" algn="ctr">
+              <a:lnSpc>
+                <a:spcPct val="100000"/>
+              </a:lnSpc>
               <a:spcBef>
                 <a:spcPts val="0"/>
               </a:spcBef>
@@ -6607,6 +8362,9 @@
               <a:defRPr/>
             </a:lvl1pPr>
             <a:lvl2pPr lvl="1" algn="l">
+              <a:lnSpc>
+                <a:spcPct val="100000"/>
+              </a:lnSpc>
               <a:spcBef>
                 <a:spcPts val="0"/>
               </a:spcBef>
@@ -6618,6 +8376,9 @@
               <a:defRPr/>
             </a:lvl2pPr>
             <a:lvl3pPr lvl="2" algn="l">
+              <a:lnSpc>
+                <a:spcPct val="100000"/>
+              </a:lnSpc>
               <a:spcBef>
                 <a:spcPts val="0"/>
               </a:spcBef>
@@ -6629,6 +8390,9 @@
               <a:defRPr/>
             </a:lvl3pPr>
             <a:lvl4pPr lvl="3" algn="l">
+              <a:lnSpc>
+                <a:spcPct val="100000"/>
+              </a:lnSpc>
               <a:spcBef>
                 <a:spcPts val="0"/>
               </a:spcBef>
@@ -6640,6 +8404,9 @@
               <a:defRPr/>
             </a:lvl4pPr>
             <a:lvl5pPr lvl="4" algn="l">
+              <a:lnSpc>
+                <a:spcPct val="100000"/>
+              </a:lnSpc>
               <a:spcBef>
                 <a:spcPts val="0"/>
               </a:spcBef>
@@ -6651,6 +8418,9 @@
               <a:defRPr/>
             </a:lvl5pPr>
             <a:lvl6pPr lvl="5" algn="l">
+              <a:lnSpc>
+                <a:spcPct val="100000"/>
+              </a:lnSpc>
               <a:spcBef>
                 <a:spcPts val="0"/>
               </a:spcBef>
@@ -6662,6 +8432,9 @@
               <a:defRPr/>
             </a:lvl6pPr>
             <a:lvl7pPr lvl="6" algn="l">
+              <a:lnSpc>
+                <a:spcPct val="100000"/>
+              </a:lnSpc>
               <a:spcBef>
                 <a:spcPts val="0"/>
               </a:spcBef>
@@ -6673,6 +8446,9 @@
               <a:defRPr/>
             </a:lvl7pPr>
             <a:lvl8pPr lvl="7" algn="l">
+              <a:lnSpc>
+                <a:spcPct val="100000"/>
+              </a:lnSpc>
               <a:spcBef>
                 <a:spcPts val="0"/>
               </a:spcBef>
@@ -6684,6 +8460,9 @@
               <a:defRPr/>
             </a:lvl8pPr>
             <a:lvl9pPr lvl="8" algn="l">
+              <a:lnSpc>
+                <a:spcPct val="100000"/>
+              </a:lnSpc>
               <a:spcBef>
                 <a:spcPts val="0"/>
               </a:spcBef>
@@ -6724,68 +8503,239 @@
             <a:noAutofit/>
           </a:bodyPr>
           <a:lstStyle>
-            <a:lvl1pPr indent="0" lvl="0" marL="0" algn="r">
-              <a:spcBef>
-                <a:spcPts val="0"/>
-              </a:spcBef>
-              <a:buNone/>
-              <a:defRPr/>
+            <a:lvl1pPr indent="0" lvl="0" marL="0" marR="0" algn="r">
+              <a:lnSpc>
+                <a:spcPct val="100000"/>
+              </a:lnSpc>
+              <a:spcBef>
+                <a:spcPts val="0"/>
+              </a:spcBef>
+              <a:spcAft>
+                <a:spcPts val="0"/>
+              </a:spcAft>
+              <a:buClr>
+                <a:srgbClr val="000000"/>
+              </a:buClr>
+              <a:buSzPts val="1200"/>
+              <a:buFont typeface="Arial"/>
+              <a:buNone/>
+              <a:defRPr b="0" i="0" sz="1200" u="none" cap="none" strike="noStrike">
+                <a:solidFill>
+                  <a:srgbClr val="757575"/>
+                </a:solidFill>
+                <a:latin typeface="Arial"/>
+                <a:ea typeface="Arial"/>
+                <a:cs typeface="Arial"/>
+                <a:sym typeface="Arial"/>
+              </a:defRPr>
             </a:lvl1pPr>
-            <a:lvl2pPr indent="0" lvl="1" marL="0" algn="r">
-              <a:spcBef>
-                <a:spcPts val="0"/>
-              </a:spcBef>
-              <a:buNone/>
-              <a:defRPr/>
+            <a:lvl2pPr indent="0" lvl="1" marL="0" marR="0" algn="r">
+              <a:lnSpc>
+                <a:spcPct val="100000"/>
+              </a:lnSpc>
+              <a:spcBef>
+                <a:spcPts val="0"/>
+              </a:spcBef>
+              <a:spcAft>
+                <a:spcPts val="0"/>
+              </a:spcAft>
+              <a:buClr>
+                <a:srgbClr val="000000"/>
+              </a:buClr>
+              <a:buSzPts val="1200"/>
+              <a:buFont typeface="Arial"/>
+              <a:buNone/>
+              <a:defRPr b="0" i="0" sz="1200" u="none" cap="none" strike="noStrike">
+                <a:solidFill>
+                  <a:srgbClr val="757575"/>
+                </a:solidFill>
+                <a:latin typeface="Arial"/>
+                <a:ea typeface="Arial"/>
+                <a:cs typeface="Arial"/>
+                <a:sym typeface="Arial"/>
+              </a:defRPr>
             </a:lvl2pPr>
-            <a:lvl3pPr indent="0" lvl="2" marL="0" algn="r">
-              <a:spcBef>
-                <a:spcPts val="0"/>
-              </a:spcBef>
-              <a:buNone/>
-              <a:defRPr/>
+            <a:lvl3pPr indent="0" lvl="2" marL="0" marR="0" algn="r">
+              <a:lnSpc>
+                <a:spcPct val="100000"/>
+              </a:lnSpc>
+              <a:spcBef>
+                <a:spcPts val="0"/>
+              </a:spcBef>
+              <a:spcAft>
+                <a:spcPts val="0"/>
+              </a:spcAft>
+              <a:buClr>
+                <a:srgbClr val="000000"/>
+              </a:buClr>
+              <a:buSzPts val="1200"/>
+              <a:buFont typeface="Arial"/>
+              <a:buNone/>
+              <a:defRPr b="0" i="0" sz="1200" u="none" cap="none" strike="noStrike">
+                <a:solidFill>
+                  <a:srgbClr val="757575"/>
+                </a:solidFill>
+                <a:latin typeface="Arial"/>
+                <a:ea typeface="Arial"/>
+                <a:cs typeface="Arial"/>
+                <a:sym typeface="Arial"/>
+              </a:defRPr>
             </a:lvl3pPr>
-            <a:lvl4pPr indent="0" lvl="3" marL="0" algn="r">
-              <a:spcBef>
-                <a:spcPts val="0"/>
-              </a:spcBef>
-              <a:buNone/>
-              <a:defRPr/>
+            <a:lvl4pPr indent="0" lvl="3" marL="0" marR="0" algn="r">
+              <a:lnSpc>
+                <a:spcPct val="100000"/>
+              </a:lnSpc>
+              <a:spcBef>
+                <a:spcPts val="0"/>
+              </a:spcBef>
+              <a:spcAft>
+                <a:spcPts val="0"/>
+              </a:spcAft>
+              <a:buClr>
+                <a:srgbClr val="000000"/>
+              </a:buClr>
+              <a:buSzPts val="1200"/>
+              <a:buFont typeface="Arial"/>
+              <a:buNone/>
+              <a:defRPr b="0" i="0" sz="1200" u="none" cap="none" strike="noStrike">
+                <a:solidFill>
+                  <a:srgbClr val="757575"/>
+                </a:solidFill>
+                <a:latin typeface="Arial"/>
+                <a:ea typeface="Arial"/>
+                <a:cs typeface="Arial"/>
+                <a:sym typeface="Arial"/>
+              </a:defRPr>
             </a:lvl4pPr>
-            <a:lvl5pPr indent="0" lvl="4" marL="0" algn="r">
-              <a:spcBef>
-                <a:spcPts val="0"/>
-              </a:spcBef>
-              <a:buNone/>
-              <a:defRPr/>
+            <a:lvl5pPr indent="0" lvl="4" marL="0" marR="0" algn="r">
+              <a:lnSpc>
+                <a:spcPct val="100000"/>
+              </a:lnSpc>
+              <a:spcBef>
+                <a:spcPts val="0"/>
+              </a:spcBef>
+              <a:spcAft>
+                <a:spcPts val="0"/>
+              </a:spcAft>
+              <a:buClr>
+                <a:srgbClr val="000000"/>
+              </a:buClr>
+              <a:buSzPts val="1200"/>
+              <a:buFont typeface="Arial"/>
+              <a:buNone/>
+              <a:defRPr b="0" i="0" sz="1200" u="none" cap="none" strike="noStrike">
+                <a:solidFill>
+                  <a:srgbClr val="757575"/>
+                </a:solidFill>
+                <a:latin typeface="Arial"/>
+                <a:ea typeface="Arial"/>
+                <a:cs typeface="Arial"/>
+                <a:sym typeface="Arial"/>
+              </a:defRPr>
             </a:lvl5pPr>
-            <a:lvl6pPr indent="0" lvl="5" marL="0" algn="r">
-              <a:spcBef>
-                <a:spcPts val="0"/>
-              </a:spcBef>
-              <a:buNone/>
-              <a:defRPr/>
+            <a:lvl6pPr indent="0" lvl="5" marL="0" marR="0" algn="r">
+              <a:lnSpc>
+                <a:spcPct val="100000"/>
+              </a:lnSpc>
+              <a:spcBef>
+                <a:spcPts val="0"/>
+              </a:spcBef>
+              <a:spcAft>
+                <a:spcPts val="0"/>
+              </a:spcAft>
+              <a:buClr>
+                <a:srgbClr val="000000"/>
+              </a:buClr>
+              <a:buSzPts val="1200"/>
+              <a:buFont typeface="Arial"/>
+              <a:buNone/>
+              <a:defRPr b="0" i="0" sz="1200" u="none" cap="none" strike="noStrike">
+                <a:solidFill>
+                  <a:srgbClr val="757575"/>
+                </a:solidFill>
+                <a:latin typeface="Arial"/>
+                <a:ea typeface="Arial"/>
+                <a:cs typeface="Arial"/>
+                <a:sym typeface="Arial"/>
+              </a:defRPr>
             </a:lvl6pPr>
-            <a:lvl7pPr indent="0" lvl="6" marL="0" algn="r">
-              <a:spcBef>
-                <a:spcPts val="0"/>
-              </a:spcBef>
-              <a:buNone/>
-              <a:defRPr/>
+            <a:lvl7pPr indent="0" lvl="6" marL="0" marR="0" algn="r">
+              <a:lnSpc>
+                <a:spcPct val="100000"/>
+              </a:lnSpc>
+              <a:spcBef>
+                <a:spcPts val="0"/>
+              </a:spcBef>
+              <a:spcAft>
+                <a:spcPts val="0"/>
+              </a:spcAft>
+              <a:buClr>
+                <a:srgbClr val="000000"/>
+              </a:buClr>
+              <a:buSzPts val="1200"/>
+              <a:buFont typeface="Arial"/>
+              <a:buNone/>
+              <a:defRPr b="0" i="0" sz="1200" u="none" cap="none" strike="noStrike">
+                <a:solidFill>
+                  <a:srgbClr val="757575"/>
+                </a:solidFill>
+                <a:latin typeface="Arial"/>
+                <a:ea typeface="Arial"/>
+                <a:cs typeface="Arial"/>
+                <a:sym typeface="Arial"/>
+              </a:defRPr>
             </a:lvl7pPr>
-            <a:lvl8pPr indent="0" lvl="7" marL="0" algn="r">
-              <a:spcBef>
-                <a:spcPts val="0"/>
-              </a:spcBef>
-              <a:buNone/>
-              <a:defRPr/>
+            <a:lvl8pPr indent="0" lvl="7" marL="0" marR="0" algn="r">
+              <a:lnSpc>
+                <a:spcPct val="100000"/>
+              </a:lnSpc>
+              <a:spcBef>
+                <a:spcPts val="0"/>
+              </a:spcBef>
+              <a:spcAft>
+                <a:spcPts val="0"/>
+              </a:spcAft>
+              <a:buClr>
+                <a:srgbClr val="000000"/>
+              </a:buClr>
+              <a:buSzPts val="1200"/>
+              <a:buFont typeface="Arial"/>
+              <a:buNone/>
+              <a:defRPr b="0" i="0" sz="1200" u="none" cap="none" strike="noStrike">
+                <a:solidFill>
+                  <a:srgbClr val="757575"/>
+                </a:solidFill>
+                <a:latin typeface="Arial"/>
+                <a:ea typeface="Arial"/>
+                <a:cs typeface="Arial"/>
+                <a:sym typeface="Arial"/>
+              </a:defRPr>
             </a:lvl8pPr>
-            <a:lvl9pPr indent="0" lvl="8" marL="0" algn="r">
-              <a:spcBef>
-                <a:spcPts val="0"/>
-              </a:spcBef>
-              <a:buNone/>
-              <a:defRPr/>
+            <a:lvl9pPr indent="0" lvl="8" marL="0" marR="0" algn="r">
+              <a:lnSpc>
+                <a:spcPct val="100000"/>
+              </a:lnSpc>
+              <a:spcBef>
+                <a:spcPts val="0"/>
+              </a:spcBef>
+              <a:spcAft>
+                <a:spcPts val="0"/>
+              </a:spcAft>
+              <a:buClr>
+                <a:srgbClr val="000000"/>
+              </a:buClr>
+              <a:buSzPts val="1200"/>
+              <a:buFont typeface="Arial"/>
+              <a:buNone/>
+              <a:defRPr b="0" i="0" sz="1200" u="none" cap="none" strike="noStrike">
+                <a:solidFill>
+                  <a:srgbClr val="757575"/>
+                </a:solidFill>
+                <a:latin typeface="Arial"/>
+                <a:ea typeface="Arial"/>
+                <a:cs typeface="Arial"/>
+                <a:sym typeface="Arial"/>
+              </a:defRPr>
             </a:lvl9pPr>
           </a:lstStyle>
           <a:p>
@@ -6874,7 +8824,10 @@
               <a:buNone/>
               <a:defRPr/>
             </a:lvl1pPr>
-            <a:lvl2pPr lvl="1">
+            <a:lvl2pPr lvl="1" algn="l">
+              <a:lnSpc>
+                <a:spcPct val="100000"/>
+              </a:lnSpc>
               <a:spcBef>
                 <a:spcPts val="0"/>
               </a:spcBef>
@@ -6885,7 +8838,10 @@
               <a:buNone/>
               <a:defRPr/>
             </a:lvl2pPr>
-            <a:lvl3pPr lvl="2">
+            <a:lvl3pPr lvl="2" algn="l">
+              <a:lnSpc>
+                <a:spcPct val="100000"/>
+              </a:lnSpc>
               <a:spcBef>
                 <a:spcPts val="0"/>
               </a:spcBef>
@@ -6896,7 +8852,10 @@
               <a:buNone/>
               <a:defRPr/>
             </a:lvl3pPr>
-            <a:lvl4pPr lvl="3">
+            <a:lvl4pPr lvl="3" algn="l">
+              <a:lnSpc>
+                <a:spcPct val="100000"/>
+              </a:lnSpc>
               <a:spcBef>
                 <a:spcPts val="0"/>
               </a:spcBef>
@@ -6907,7 +8866,10 @@
               <a:buNone/>
               <a:defRPr/>
             </a:lvl4pPr>
-            <a:lvl5pPr lvl="4">
+            <a:lvl5pPr lvl="4" algn="l">
+              <a:lnSpc>
+                <a:spcPct val="100000"/>
+              </a:lnSpc>
               <a:spcBef>
                 <a:spcPts val="0"/>
               </a:spcBef>
@@ -6918,7 +8880,10 @@
               <a:buNone/>
               <a:defRPr/>
             </a:lvl5pPr>
-            <a:lvl6pPr lvl="5">
+            <a:lvl6pPr lvl="5" algn="l">
+              <a:lnSpc>
+                <a:spcPct val="100000"/>
+              </a:lnSpc>
               <a:spcBef>
                 <a:spcPts val="0"/>
               </a:spcBef>
@@ -6929,7 +8894,10 @@
               <a:buNone/>
               <a:defRPr/>
             </a:lvl6pPr>
-            <a:lvl7pPr lvl="6">
+            <a:lvl7pPr lvl="6" algn="l">
+              <a:lnSpc>
+                <a:spcPct val="100000"/>
+              </a:lnSpc>
               <a:spcBef>
                 <a:spcPts val="0"/>
               </a:spcBef>
@@ -6940,7 +8908,10 @@
               <a:buNone/>
               <a:defRPr/>
             </a:lvl7pPr>
-            <a:lvl8pPr lvl="7">
+            <a:lvl8pPr lvl="7" algn="l">
+              <a:lnSpc>
+                <a:spcPct val="100000"/>
+              </a:lnSpc>
               <a:spcBef>
                 <a:spcPts val="0"/>
               </a:spcBef>
@@ -6951,7 +8922,10 @@
               <a:buNone/>
               <a:defRPr/>
             </a:lvl8pPr>
-            <a:lvl9pPr lvl="8">
+            <a:lvl9pPr lvl="8" algn="l">
+              <a:lnSpc>
+                <a:spcPct val="100000"/>
+              </a:lnSpc>
               <a:spcBef>
                 <a:spcPts val="0"/>
               </a:spcBef>
@@ -6993,6 +8967,9 @@
           </a:bodyPr>
           <a:lstStyle>
             <a:lvl1pPr lvl="0" algn="l">
+              <a:lnSpc>
+                <a:spcPct val="100000"/>
+              </a:lnSpc>
               <a:spcBef>
                 <a:spcPts val="0"/>
               </a:spcBef>
@@ -7004,6 +8981,9 @@
               <a:defRPr/>
             </a:lvl1pPr>
             <a:lvl2pPr lvl="1" algn="l">
+              <a:lnSpc>
+                <a:spcPct val="100000"/>
+              </a:lnSpc>
               <a:spcBef>
                 <a:spcPts val="0"/>
               </a:spcBef>
@@ -7015,6 +8995,9 @@
               <a:defRPr/>
             </a:lvl2pPr>
             <a:lvl3pPr lvl="2" algn="l">
+              <a:lnSpc>
+                <a:spcPct val="100000"/>
+              </a:lnSpc>
               <a:spcBef>
                 <a:spcPts val="0"/>
               </a:spcBef>
@@ -7026,6 +9009,9 @@
               <a:defRPr/>
             </a:lvl3pPr>
             <a:lvl4pPr lvl="3" algn="l">
+              <a:lnSpc>
+                <a:spcPct val="100000"/>
+              </a:lnSpc>
               <a:spcBef>
                 <a:spcPts val="0"/>
               </a:spcBef>
@@ -7037,6 +9023,9 @@
               <a:defRPr/>
             </a:lvl4pPr>
             <a:lvl5pPr lvl="4" algn="l">
+              <a:lnSpc>
+                <a:spcPct val="100000"/>
+              </a:lnSpc>
               <a:spcBef>
                 <a:spcPts val="0"/>
               </a:spcBef>
@@ -7048,6 +9037,9 @@
               <a:defRPr/>
             </a:lvl5pPr>
             <a:lvl6pPr lvl="5" algn="l">
+              <a:lnSpc>
+                <a:spcPct val="100000"/>
+              </a:lnSpc>
               <a:spcBef>
                 <a:spcPts val="0"/>
               </a:spcBef>
@@ -7059,6 +9051,9 @@
               <a:defRPr/>
             </a:lvl6pPr>
             <a:lvl7pPr lvl="6" algn="l">
+              <a:lnSpc>
+                <a:spcPct val="100000"/>
+              </a:lnSpc>
               <a:spcBef>
                 <a:spcPts val="0"/>
               </a:spcBef>
@@ -7070,6 +9065,9 @@
               <a:defRPr/>
             </a:lvl7pPr>
             <a:lvl8pPr lvl="7" algn="l">
+              <a:lnSpc>
+                <a:spcPct val="100000"/>
+              </a:lnSpc>
               <a:spcBef>
                 <a:spcPts val="0"/>
               </a:spcBef>
@@ -7081,6 +9079,9 @@
               <a:defRPr/>
             </a:lvl8pPr>
             <a:lvl9pPr lvl="8" algn="l">
+              <a:lnSpc>
+                <a:spcPct val="100000"/>
+              </a:lnSpc>
               <a:spcBef>
                 <a:spcPts val="0"/>
               </a:spcBef>
@@ -7122,6 +9123,9 @@
           </a:bodyPr>
           <a:lstStyle>
             <a:lvl1pPr lvl="0" algn="ctr">
+              <a:lnSpc>
+                <a:spcPct val="100000"/>
+              </a:lnSpc>
               <a:spcBef>
                 <a:spcPts val="0"/>
               </a:spcBef>
@@ -7133,6 +9137,9 @@
               <a:defRPr/>
             </a:lvl1pPr>
             <a:lvl2pPr lvl="1" algn="l">
+              <a:lnSpc>
+                <a:spcPct val="100000"/>
+              </a:lnSpc>
               <a:spcBef>
                 <a:spcPts val="0"/>
               </a:spcBef>
@@ -7144,6 +9151,9 @@
               <a:defRPr/>
             </a:lvl2pPr>
             <a:lvl3pPr lvl="2" algn="l">
+              <a:lnSpc>
+                <a:spcPct val="100000"/>
+              </a:lnSpc>
               <a:spcBef>
                 <a:spcPts val="0"/>
               </a:spcBef>
@@ -7155,6 +9165,9 @@
               <a:defRPr/>
             </a:lvl3pPr>
             <a:lvl4pPr lvl="3" algn="l">
+              <a:lnSpc>
+                <a:spcPct val="100000"/>
+              </a:lnSpc>
               <a:spcBef>
                 <a:spcPts val="0"/>
               </a:spcBef>
@@ -7166,6 +9179,9 @@
               <a:defRPr/>
             </a:lvl4pPr>
             <a:lvl5pPr lvl="4" algn="l">
+              <a:lnSpc>
+                <a:spcPct val="100000"/>
+              </a:lnSpc>
               <a:spcBef>
                 <a:spcPts val="0"/>
               </a:spcBef>
@@ -7177,6 +9193,9 @@
               <a:defRPr/>
             </a:lvl5pPr>
             <a:lvl6pPr lvl="5" algn="l">
+              <a:lnSpc>
+                <a:spcPct val="100000"/>
+              </a:lnSpc>
               <a:spcBef>
                 <a:spcPts val="0"/>
               </a:spcBef>
@@ -7188,6 +9207,9 @@
               <a:defRPr/>
             </a:lvl6pPr>
             <a:lvl7pPr lvl="6" algn="l">
+              <a:lnSpc>
+                <a:spcPct val="100000"/>
+              </a:lnSpc>
               <a:spcBef>
                 <a:spcPts val="0"/>
               </a:spcBef>
@@ -7199,6 +9221,9 @@
               <a:defRPr/>
             </a:lvl7pPr>
             <a:lvl8pPr lvl="7" algn="l">
+              <a:lnSpc>
+                <a:spcPct val="100000"/>
+              </a:lnSpc>
               <a:spcBef>
                 <a:spcPts val="0"/>
               </a:spcBef>
@@ -7210,6 +9235,9 @@
               <a:defRPr/>
             </a:lvl8pPr>
             <a:lvl9pPr lvl="8" algn="l">
+              <a:lnSpc>
+                <a:spcPct val="100000"/>
+              </a:lnSpc>
               <a:spcBef>
                 <a:spcPts val="0"/>
               </a:spcBef>
@@ -7250,68 +9278,239 @@
             <a:noAutofit/>
           </a:bodyPr>
           <a:lstStyle>
-            <a:lvl1pPr indent="0" lvl="0" marL="0" algn="r">
-              <a:spcBef>
-                <a:spcPts val="0"/>
-              </a:spcBef>
-              <a:buNone/>
-              <a:defRPr/>
+            <a:lvl1pPr indent="0" lvl="0" marL="0" marR="0" algn="r">
+              <a:lnSpc>
+                <a:spcPct val="100000"/>
+              </a:lnSpc>
+              <a:spcBef>
+                <a:spcPts val="0"/>
+              </a:spcBef>
+              <a:spcAft>
+                <a:spcPts val="0"/>
+              </a:spcAft>
+              <a:buClr>
+                <a:srgbClr val="000000"/>
+              </a:buClr>
+              <a:buSzPts val="1200"/>
+              <a:buFont typeface="Arial"/>
+              <a:buNone/>
+              <a:defRPr b="0" i="0" sz="1200" u="none" cap="none" strike="noStrike">
+                <a:solidFill>
+                  <a:srgbClr val="757575"/>
+                </a:solidFill>
+                <a:latin typeface="Arial"/>
+                <a:ea typeface="Arial"/>
+                <a:cs typeface="Arial"/>
+                <a:sym typeface="Arial"/>
+              </a:defRPr>
             </a:lvl1pPr>
-            <a:lvl2pPr indent="0" lvl="1" marL="0" algn="r">
-              <a:spcBef>
-                <a:spcPts val="0"/>
-              </a:spcBef>
-              <a:buNone/>
-              <a:defRPr/>
+            <a:lvl2pPr indent="0" lvl="1" marL="0" marR="0" algn="r">
+              <a:lnSpc>
+                <a:spcPct val="100000"/>
+              </a:lnSpc>
+              <a:spcBef>
+                <a:spcPts val="0"/>
+              </a:spcBef>
+              <a:spcAft>
+                <a:spcPts val="0"/>
+              </a:spcAft>
+              <a:buClr>
+                <a:srgbClr val="000000"/>
+              </a:buClr>
+              <a:buSzPts val="1200"/>
+              <a:buFont typeface="Arial"/>
+              <a:buNone/>
+              <a:defRPr b="0" i="0" sz="1200" u="none" cap="none" strike="noStrike">
+                <a:solidFill>
+                  <a:srgbClr val="757575"/>
+                </a:solidFill>
+                <a:latin typeface="Arial"/>
+                <a:ea typeface="Arial"/>
+                <a:cs typeface="Arial"/>
+                <a:sym typeface="Arial"/>
+              </a:defRPr>
             </a:lvl2pPr>
-            <a:lvl3pPr indent="0" lvl="2" marL="0" algn="r">
-              <a:spcBef>
-                <a:spcPts val="0"/>
-              </a:spcBef>
-              <a:buNone/>
-              <a:defRPr/>
+            <a:lvl3pPr indent="0" lvl="2" marL="0" marR="0" algn="r">
+              <a:lnSpc>
+                <a:spcPct val="100000"/>
+              </a:lnSpc>
+              <a:spcBef>
+                <a:spcPts val="0"/>
+              </a:spcBef>
+              <a:spcAft>
+                <a:spcPts val="0"/>
+              </a:spcAft>
+              <a:buClr>
+                <a:srgbClr val="000000"/>
+              </a:buClr>
+              <a:buSzPts val="1200"/>
+              <a:buFont typeface="Arial"/>
+              <a:buNone/>
+              <a:defRPr b="0" i="0" sz="1200" u="none" cap="none" strike="noStrike">
+                <a:solidFill>
+                  <a:srgbClr val="757575"/>
+                </a:solidFill>
+                <a:latin typeface="Arial"/>
+                <a:ea typeface="Arial"/>
+                <a:cs typeface="Arial"/>
+                <a:sym typeface="Arial"/>
+              </a:defRPr>
             </a:lvl3pPr>
-            <a:lvl4pPr indent="0" lvl="3" marL="0" algn="r">
-              <a:spcBef>
-                <a:spcPts val="0"/>
-              </a:spcBef>
-              <a:buNone/>
-              <a:defRPr/>
+            <a:lvl4pPr indent="0" lvl="3" marL="0" marR="0" algn="r">
+              <a:lnSpc>
+                <a:spcPct val="100000"/>
+              </a:lnSpc>
+              <a:spcBef>
+                <a:spcPts val="0"/>
+              </a:spcBef>
+              <a:spcAft>
+                <a:spcPts val="0"/>
+              </a:spcAft>
+              <a:buClr>
+                <a:srgbClr val="000000"/>
+              </a:buClr>
+              <a:buSzPts val="1200"/>
+              <a:buFont typeface="Arial"/>
+              <a:buNone/>
+              <a:defRPr b="0" i="0" sz="1200" u="none" cap="none" strike="noStrike">
+                <a:solidFill>
+                  <a:srgbClr val="757575"/>
+                </a:solidFill>
+                <a:latin typeface="Arial"/>
+                <a:ea typeface="Arial"/>
+                <a:cs typeface="Arial"/>
+                <a:sym typeface="Arial"/>
+              </a:defRPr>
             </a:lvl4pPr>
-            <a:lvl5pPr indent="0" lvl="4" marL="0" algn="r">
-              <a:spcBef>
-                <a:spcPts val="0"/>
-              </a:spcBef>
-              <a:buNone/>
-              <a:defRPr/>
+            <a:lvl5pPr indent="0" lvl="4" marL="0" marR="0" algn="r">
+              <a:lnSpc>
+                <a:spcPct val="100000"/>
+              </a:lnSpc>
+              <a:spcBef>
+                <a:spcPts val="0"/>
+              </a:spcBef>
+              <a:spcAft>
+                <a:spcPts val="0"/>
+              </a:spcAft>
+              <a:buClr>
+                <a:srgbClr val="000000"/>
+              </a:buClr>
+              <a:buSzPts val="1200"/>
+              <a:buFont typeface="Arial"/>
+              <a:buNone/>
+              <a:defRPr b="0" i="0" sz="1200" u="none" cap="none" strike="noStrike">
+                <a:solidFill>
+                  <a:srgbClr val="757575"/>
+                </a:solidFill>
+                <a:latin typeface="Arial"/>
+                <a:ea typeface="Arial"/>
+                <a:cs typeface="Arial"/>
+                <a:sym typeface="Arial"/>
+              </a:defRPr>
             </a:lvl5pPr>
-            <a:lvl6pPr indent="0" lvl="5" marL="0" algn="r">
-              <a:spcBef>
-                <a:spcPts val="0"/>
-              </a:spcBef>
-              <a:buNone/>
-              <a:defRPr/>
+            <a:lvl6pPr indent="0" lvl="5" marL="0" marR="0" algn="r">
+              <a:lnSpc>
+                <a:spcPct val="100000"/>
+              </a:lnSpc>
+              <a:spcBef>
+                <a:spcPts val="0"/>
+              </a:spcBef>
+              <a:spcAft>
+                <a:spcPts val="0"/>
+              </a:spcAft>
+              <a:buClr>
+                <a:srgbClr val="000000"/>
+              </a:buClr>
+              <a:buSzPts val="1200"/>
+              <a:buFont typeface="Arial"/>
+              <a:buNone/>
+              <a:defRPr b="0" i="0" sz="1200" u="none" cap="none" strike="noStrike">
+                <a:solidFill>
+                  <a:srgbClr val="757575"/>
+                </a:solidFill>
+                <a:latin typeface="Arial"/>
+                <a:ea typeface="Arial"/>
+                <a:cs typeface="Arial"/>
+                <a:sym typeface="Arial"/>
+              </a:defRPr>
             </a:lvl6pPr>
-            <a:lvl7pPr indent="0" lvl="6" marL="0" algn="r">
-              <a:spcBef>
-                <a:spcPts val="0"/>
-              </a:spcBef>
-              <a:buNone/>
-              <a:defRPr/>
+            <a:lvl7pPr indent="0" lvl="6" marL="0" marR="0" algn="r">
+              <a:lnSpc>
+                <a:spcPct val="100000"/>
+              </a:lnSpc>
+              <a:spcBef>
+                <a:spcPts val="0"/>
+              </a:spcBef>
+              <a:spcAft>
+                <a:spcPts val="0"/>
+              </a:spcAft>
+              <a:buClr>
+                <a:srgbClr val="000000"/>
+              </a:buClr>
+              <a:buSzPts val="1200"/>
+              <a:buFont typeface="Arial"/>
+              <a:buNone/>
+              <a:defRPr b="0" i="0" sz="1200" u="none" cap="none" strike="noStrike">
+                <a:solidFill>
+                  <a:srgbClr val="757575"/>
+                </a:solidFill>
+                <a:latin typeface="Arial"/>
+                <a:ea typeface="Arial"/>
+                <a:cs typeface="Arial"/>
+                <a:sym typeface="Arial"/>
+              </a:defRPr>
             </a:lvl7pPr>
-            <a:lvl8pPr indent="0" lvl="7" marL="0" algn="r">
-              <a:spcBef>
-                <a:spcPts val="0"/>
-              </a:spcBef>
-              <a:buNone/>
-              <a:defRPr/>
+            <a:lvl8pPr indent="0" lvl="7" marL="0" marR="0" algn="r">
+              <a:lnSpc>
+                <a:spcPct val="100000"/>
+              </a:lnSpc>
+              <a:spcBef>
+                <a:spcPts val="0"/>
+              </a:spcBef>
+              <a:spcAft>
+                <a:spcPts val="0"/>
+              </a:spcAft>
+              <a:buClr>
+                <a:srgbClr val="000000"/>
+              </a:buClr>
+              <a:buSzPts val="1200"/>
+              <a:buFont typeface="Arial"/>
+              <a:buNone/>
+              <a:defRPr b="0" i="0" sz="1200" u="none" cap="none" strike="noStrike">
+                <a:solidFill>
+                  <a:srgbClr val="757575"/>
+                </a:solidFill>
+                <a:latin typeface="Arial"/>
+                <a:ea typeface="Arial"/>
+                <a:cs typeface="Arial"/>
+                <a:sym typeface="Arial"/>
+              </a:defRPr>
             </a:lvl8pPr>
-            <a:lvl9pPr indent="0" lvl="8" marL="0" algn="r">
-              <a:spcBef>
-                <a:spcPts val="0"/>
-              </a:spcBef>
-              <a:buNone/>
-              <a:defRPr/>
+            <a:lvl9pPr indent="0" lvl="8" marL="0" marR="0" algn="r">
+              <a:lnSpc>
+                <a:spcPct val="100000"/>
+              </a:lnSpc>
+              <a:spcBef>
+                <a:spcPts val="0"/>
+              </a:spcBef>
+              <a:spcAft>
+                <a:spcPts val="0"/>
+              </a:spcAft>
+              <a:buClr>
+                <a:srgbClr val="000000"/>
+              </a:buClr>
+              <a:buSzPts val="1200"/>
+              <a:buFont typeface="Arial"/>
+              <a:buNone/>
+              <a:defRPr b="0" i="0" sz="1200" u="none" cap="none" strike="noStrike">
+                <a:solidFill>
+                  <a:srgbClr val="757575"/>
+                </a:solidFill>
+                <a:latin typeface="Arial"/>
+                <a:ea typeface="Arial"/>
+                <a:cs typeface="Arial"/>
+                <a:sym typeface="Arial"/>
+              </a:defRPr>
             </a:lvl9pPr>
           </a:lstStyle>
           <a:p>
@@ -7384,6 +9583,9 @@
           </a:bodyPr>
           <a:lstStyle>
             <a:lvl1pPr lvl="0" algn="l">
+              <a:lnSpc>
+                <a:spcPct val="100000"/>
+              </a:lnSpc>
               <a:spcBef>
                 <a:spcPts val="0"/>
               </a:spcBef>
@@ -7395,6 +9597,9 @@
               <a:defRPr/>
             </a:lvl1pPr>
             <a:lvl2pPr lvl="1" algn="l">
+              <a:lnSpc>
+                <a:spcPct val="100000"/>
+              </a:lnSpc>
               <a:spcBef>
                 <a:spcPts val="0"/>
               </a:spcBef>
@@ -7406,6 +9611,9 @@
               <a:defRPr/>
             </a:lvl2pPr>
             <a:lvl3pPr lvl="2" algn="l">
+              <a:lnSpc>
+                <a:spcPct val="100000"/>
+              </a:lnSpc>
               <a:spcBef>
                 <a:spcPts val="0"/>
               </a:spcBef>
@@ -7417,6 +9625,9 @@
               <a:defRPr/>
             </a:lvl3pPr>
             <a:lvl4pPr lvl="3" algn="l">
+              <a:lnSpc>
+                <a:spcPct val="100000"/>
+              </a:lnSpc>
               <a:spcBef>
                 <a:spcPts val="0"/>
               </a:spcBef>
@@ -7428,6 +9639,9 @@
               <a:defRPr/>
             </a:lvl4pPr>
             <a:lvl5pPr lvl="4" algn="l">
+              <a:lnSpc>
+                <a:spcPct val="100000"/>
+              </a:lnSpc>
               <a:spcBef>
                 <a:spcPts val="0"/>
               </a:spcBef>
@@ -7439,6 +9653,9 @@
               <a:defRPr/>
             </a:lvl5pPr>
             <a:lvl6pPr lvl="5" algn="l">
+              <a:lnSpc>
+                <a:spcPct val="100000"/>
+              </a:lnSpc>
               <a:spcBef>
                 <a:spcPts val="0"/>
               </a:spcBef>
@@ -7450,6 +9667,9 @@
               <a:defRPr/>
             </a:lvl6pPr>
             <a:lvl7pPr lvl="6" algn="l">
+              <a:lnSpc>
+                <a:spcPct val="100000"/>
+              </a:lnSpc>
               <a:spcBef>
                 <a:spcPts val="0"/>
               </a:spcBef>
@@ -7461,6 +9681,9 @@
               <a:defRPr/>
             </a:lvl7pPr>
             <a:lvl8pPr lvl="7" algn="l">
+              <a:lnSpc>
+                <a:spcPct val="100000"/>
+              </a:lnSpc>
               <a:spcBef>
                 <a:spcPts val="0"/>
               </a:spcBef>
@@ -7472,6 +9695,9 @@
               <a:defRPr/>
             </a:lvl8pPr>
             <a:lvl9pPr lvl="8" algn="l">
+              <a:lnSpc>
+                <a:spcPct val="100000"/>
+              </a:lnSpc>
               <a:spcBef>
                 <a:spcPts val="0"/>
               </a:spcBef>
@@ -7513,6 +9739,9 @@
           </a:bodyPr>
           <a:lstStyle>
             <a:lvl1pPr lvl="0" algn="ctr">
+              <a:lnSpc>
+                <a:spcPct val="100000"/>
+              </a:lnSpc>
               <a:spcBef>
                 <a:spcPts val="0"/>
               </a:spcBef>
@@ -7524,6 +9753,9 @@
               <a:defRPr/>
             </a:lvl1pPr>
             <a:lvl2pPr lvl="1" algn="l">
+              <a:lnSpc>
+                <a:spcPct val="100000"/>
+              </a:lnSpc>
               <a:spcBef>
                 <a:spcPts val="0"/>
               </a:spcBef>
@@ -7535,6 +9767,9 @@
               <a:defRPr/>
             </a:lvl2pPr>
             <a:lvl3pPr lvl="2" algn="l">
+              <a:lnSpc>
+                <a:spcPct val="100000"/>
+              </a:lnSpc>
               <a:spcBef>
                 <a:spcPts val="0"/>
               </a:spcBef>
@@ -7546,6 +9781,9 @@
               <a:defRPr/>
             </a:lvl3pPr>
             <a:lvl4pPr lvl="3" algn="l">
+              <a:lnSpc>
+                <a:spcPct val="100000"/>
+              </a:lnSpc>
               <a:spcBef>
                 <a:spcPts val="0"/>
               </a:spcBef>
@@ -7557,6 +9795,9 @@
               <a:defRPr/>
             </a:lvl4pPr>
             <a:lvl5pPr lvl="4" algn="l">
+              <a:lnSpc>
+                <a:spcPct val="100000"/>
+              </a:lnSpc>
               <a:spcBef>
                 <a:spcPts val="0"/>
               </a:spcBef>
@@ -7568,6 +9809,9 @@
               <a:defRPr/>
             </a:lvl5pPr>
             <a:lvl6pPr lvl="5" algn="l">
+              <a:lnSpc>
+                <a:spcPct val="100000"/>
+              </a:lnSpc>
               <a:spcBef>
                 <a:spcPts val="0"/>
               </a:spcBef>
@@ -7579,6 +9823,9 @@
               <a:defRPr/>
             </a:lvl6pPr>
             <a:lvl7pPr lvl="6" algn="l">
+              <a:lnSpc>
+                <a:spcPct val="100000"/>
+              </a:lnSpc>
               <a:spcBef>
                 <a:spcPts val="0"/>
               </a:spcBef>
@@ -7590,6 +9837,9 @@
               <a:defRPr/>
             </a:lvl7pPr>
             <a:lvl8pPr lvl="7" algn="l">
+              <a:lnSpc>
+                <a:spcPct val="100000"/>
+              </a:lnSpc>
               <a:spcBef>
                 <a:spcPts val="0"/>
               </a:spcBef>
@@ -7601,6 +9851,9 @@
               <a:defRPr/>
             </a:lvl8pPr>
             <a:lvl9pPr lvl="8" algn="l">
+              <a:lnSpc>
+                <a:spcPct val="100000"/>
+              </a:lnSpc>
               <a:spcBef>
                 <a:spcPts val="0"/>
               </a:spcBef>
@@ -7641,68 +9894,239 @@
             <a:noAutofit/>
           </a:bodyPr>
           <a:lstStyle>
-            <a:lvl1pPr indent="0" lvl="0" marL="0" algn="r">
-              <a:spcBef>
-                <a:spcPts val="0"/>
-              </a:spcBef>
-              <a:buNone/>
-              <a:defRPr/>
+            <a:lvl1pPr indent="0" lvl="0" marL="0" marR="0" algn="r">
+              <a:lnSpc>
+                <a:spcPct val="100000"/>
+              </a:lnSpc>
+              <a:spcBef>
+                <a:spcPts val="0"/>
+              </a:spcBef>
+              <a:spcAft>
+                <a:spcPts val="0"/>
+              </a:spcAft>
+              <a:buClr>
+                <a:srgbClr val="000000"/>
+              </a:buClr>
+              <a:buSzPts val="1200"/>
+              <a:buFont typeface="Arial"/>
+              <a:buNone/>
+              <a:defRPr b="0" i="0" sz="1200" u="none" cap="none" strike="noStrike">
+                <a:solidFill>
+                  <a:srgbClr val="757575"/>
+                </a:solidFill>
+                <a:latin typeface="Arial"/>
+                <a:ea typeface="Arial"/>
+                <a:cs typeface="Arial"/>
+                <a:sym typeface="Arial"/>
+              </a:defRPr>
             </a:lvl1pPr>
-            <a:lvl2pPr indent="0" lvl="1" marL="0" algn="r">
-              <a:spcBef>
-                <a:spcPts val="0"/>
-              </a:spcBef>
-              <a:buNone/>
-              <a:defRPr/>
+            <a:lvl2pPr indent="0" lvl="1" marL="0" marR="0" algn="r">
+              <a:lnSpc>
+                <a:spcPct val="100000"/>
+              </a:lnSpc>
+              <a:spcBef>
+                <a:spcPts val="0"/>
+              </a:spcBef>
+              <a:spcAft>
+                <a:spcPts val="0"/>
+              </a:spcAft>
+              <a:buClr>
+                <a:srgbClr val="000000"/>
+              </a:buClr>
+              <a:buSzPts val="1200"/>
+              <a:buFont typeface="Arial"/>
+              <a:buNone/>
+              <a:defRPr b="0" i="0" sz="1200" u="none" cap="none" strike="noStrike">
+                <a:solidFill>
+                  <a:srgbClr val="757575"/>
+                </a:solidFill>
+                <a:latin typeface="Arial"/>
+                <a:ea typeface="Arial"/>
+                <a:cs typeface="Arial"/>
+                <a:sym typeface="Arial"/>
+              </a:defRPr>
             </a:lvl2pPr>
-            <a:lvl3pPr indent="0" lvl="2" marL="0" algn="r">
-              <a:spcBef>
-                <a:spcPts val="0"/>
-              </a:spcBef>
-              <a:buNone/>
-              <a:defRPr/>
+            <a:lvl3pPr indent="0" lvl="2" marL="0" marR="0" algn="r">
+              <a:lnSpc>
+                <a:spcPct val="100000"/>
+              </a:lnSpc>
+              <a:spcBef>
+                <a:spcPts val="0"/>
+              </a:spcBef>
+              <a:spcAft>
+                <a:spcPts val="0"/>
+              </a:spcAft>
+              <a:buClr>
+                <a:srgbClr val="000000"/>
+              </a:buClr>
+              <a:buSzPts val="1200"/>
+              <a:buFont typeface="Arial"/>
+              <a:buNone/>
+              <a:defRPr b="0" i="0" sz="1200" u="none" cap="none" strike="noStrike">
+                <a:solidFill>
+                  <a:srgbClr val="757575"/>
+                </a:solidFill>
+                <a:latin typeface="Arial"/>
+                <a:ea typeface="Arial"/>
+                <a:cs typeface="Arial"/>
+                <a:sym typeface="Arial"/>
+              </a:defRPr>
             </a:lvl3pPr>
-            <a:lvl4pPr indent="0" lvl="3" marL="0" algn="r">
-              <a:spcBef>
-                <a:spcPts val="0"/>
-              </a:spcBef>
-              <a:buNone/>
-              <a:defRPr/>
+            <a:lvl4pPr indent="0" lvl="3" marL="0" marR="0" algn="r">
+              <a:lnSpc>
+                <a:spcPct val="100000"/>
+              </a:lnSpc>
+              <a:spcBef>
+                <a:spcPts val="0"/>
+              </a:spcBef>
+              <a:spcAft>
+                <a:spcPts val="0"/>
+              </a:spcAft>
+              <a:buClr>
+                <a:srgbClr val="000000"/>
+              </a:buClr>
+              <a:buSzPts val="1200"/>
+              <a:buFont typeface="Arial"/>
+              <a:buNone/>
+              <a:defRPr b="0" i="0" sz="1200" u="none" cap="none" strike="noStrike">
+                <a:solidFill>
+                  <a:srgbClr val="757575"/>
+                </a:solidFill>
+                <a:latin typeface="Arial"/>
+                <a:ea typeface="Arial"/>
+                <a:cs typeface="Arial"/>
+                <a:sym typeface="Arial"/>
+              </a:defRPr>
             </a:lvl4pPr>
-            <a:lvl5pPr indent="0" lvl="4" marL="0" algn="r">
-              <a:spcBef>
-                <a:spcPts val="0"/>
-              </a:spcBef>
-              <a:buNone/>
-              <a:defRPr/>
+            <a:lvl5pPr indent="0" lvl="4" marL="0" marR="0" algn="r">
+              <a:lnSpc>
+                <a:spcPct val="100000"/>
+              </a:lnSpc>
+              <a:spcBef>
+                <a:spcPts val="0"/>
+              </a:spcBef>
+              <a:spcAft>
+                <a:spcPts val="0"/>
+              </a:spcAft>
+              <a:buClr>
+                <a:srgbClr val="000000"/>
+              </a:buClr>
+              <a:buSzPts val="1200"/>
+              <a:buFont typeface="Arial"/>
+              <a:buNone/>
+              <a:defRPr b="0" i="0" sz="1200" u="none" cap="none" strike="noStrike">
+                <a:solidFill>
+                  <a:srgbClr val="757575"/>
+                </a:solidFill>
+                <a:latin typeface="Arial"/>
+                <a:ea typeface="Arial"/>
+                <a:cs typeface="Arial"/>
+                <a:sym typeface="Arial"/>
+              </a:defRPr>
             </a:lvl5pPr>
-            <a:lvl6pPr indent="0" lvl="5" marL="0" algn="r">
-              <a:spcBef>
-                <a:spcPts val="0"/>
-              </a:spcBef>
-              <a:buNone/>
-              <a:defRPr/>
+            <a:lvl6pPr indent="0" lvl="5" marL="0" marR="0" algn="r">
+              <a:lnSpc>
+                <a:spcPct val="100000"/>
+              </a:lnSpc>
+              <a:spcBef>
+                <a:spcPts val="0"/>
+              </a:spcBef>
+              <a:spcAft>
+                <a:spcPts val="0"/>
+              </a:spcAft>
+              <a:buClr>
+                <a:srgbClr val="000000"/>
+              </a:buClr>
+              <a:buSzPts val="1200"/>
+              <a:buFont typeface="Arial"/>
+              <a:buNone/>
+              <a:defRPr b="0" i="0" sz="1200" u="none" cap="none" strike="noStrike">
+                <a:solidFill>
+                  <a:srgbClr val="757575"/>
+                </a:solidFill>
+                <a:latin typeface="Arial"/>
+                <a:ea typeface="Arial"/>
+                <a:cs typeface="Arial"/>
+                <a:sym typeface="Arial"/>
+              </a:defRPr>
             </a:lvl6pPr>
-            <a:lvl7pPr indent="0" lvl="6" marL="0" algn="r">
-              <a:spcBef>
-                <a:spcPts val="0"/>
-              </a:spcBef>
-              <a:buNone/>
-              <a:defRPr/>
+            <a:lvl7pPr indent="0" lvl="6" marL="0" marR="0" algn="r">
+              <a:lnSpc>
+                <a:spcPct val="100000"/>
+              </a:lnSpc>
+              <a:spcBef>
+                <a:spcPts val="0"/>
+              </a:spcBef>
+              <a:spcAft>
+                <a:spcPts val="0"/>
+              </a:spcAft>
+              <a:buClr>
+                <a:srgbClr val="000000"/>
+              </a:buClr>
+              <a:buSzPts val="1200"/>
+              <a:buFont typeface="Arial"/>
+              <a:buNone/>
+              <a:defRPr b="0" i="0" sz="1200" u="none" cap="none" strike="noStrike">
+                <a:solidFill>
+                  <a:srgbClr val="757575"/>
+                </a:solidFill>
+                <a:latin typeface="Arial"/>
+                <a:ea typeface="Arial"/>
+                <a:cs typeface="Arial"/>
+                <a:sym typeface="Arial"/>
+              </a:defRPr>
             </a:lvl7pPr>
-            <a:lvl8pPr indent="0" lvl="7" marL="0" algn="r">
-              <a:spcBef>
-                <a:spcPts val="0"/>
-              </a:spcBef>
-              <a:buNone/>
-              <a:defRPr/>
+            <a:lvl8pPr indent="0" lvl="7" marL="0" marR="0" algn="r">
+              <a:lnSpc>
+                <a:spcPct val="100000"/>
+              </a:lnSpc>
+              <a:spcBef>
+                <a:spcPts val="0"/>
+              </a:spcBef>
+              <a:spcAft>
+                <a:spcPts val="0"/>
+              </a:spcAft>
+              <a:buClr>
+                <a:srgbClr val="000000"/>
+              </a:buClr>
+              <a:buSzPts val="1200"/>
+              <a:buFont typeface="Arial"/>
+              <a:buNone/>
+              <a:defRPr b="0" i="0" sz="1200" u="none" cap="none" strike="noStrike">
+                <a:solidFill>
+                  <a:srgbClr val="757575"/>
+                </a:solidFill>
+                <a:latin typeface="Arial"/>
+                <a:ea typeface="Arial"/>
+                <a:cs typeface="Arial"/>
+                <a:sym typeface="Arial"/>
+              </a:defRPr>
             </a:lvl8pPr>
-            <a:lvl9pPr indent="0" lvl="8" marL="0" algn="r">
-              <a:spcBef>
-                <a:spcPts val="0"/>
-              </a:spcBef>
-              <a:buNone/>
-              <a:defRPr/>
+            <a:lvl9pPr indent="0" lvl="8" marL="0" marR="0" algn="r">
+              <a:lnSpc>
+                <a:spcPct val="100000"/>
+              </a:lnSpc>
+              <a:spcBef>
+                <a:spcPts val="0"/>
+              </a:spcBef>
+              <a:spcAft>
+                <a:spcPts val="0"/>
+              </a:spcAft>
+              <a:buClr>
+                <a:srgbClr val="000000"/>
+              </a:buClr>
+              <a:buSzPts val="1200"/>
+              <a:buFont typeface="Arial"/>
+              <a:buNone/>
+              <a:defRPr b="0" i="0" sz="1200" u="none" cap="none" strike="noStrike">
+                <a:solidFill>
+                  <a:srgbClr val="757575"/>
+                </a:solidFill>
+                <a:latin typeface="Arial"/>
+                <a:ea typeface="Arial"/>
+                <a:cs typeface="Arial"/>
+                <a:sym typeface="Arial"/>
+              </a:defRPr>
             </a:lvl9pPr>
           </a:lstStyle>
           <a:p>
@@ -7792,7 +10216,10 @@
               <a:buNone/>
               <a:defRPr sz="3200"/>
             </a:lvl1pPr>
-            <a:lvl2pPr lvl="1">
+            <a:lvl2pPr lvl="1" algn="l">
+              <a:lnSpc>
+                <a:spcPct val="100000"/>
+              </a:lnSpc>
               <a:spcBef>
                 <a:spcPts val="0"/>
               </a:spcBef>
@@ -7803,7 +10230,10 @@
               <a:buNone/>
               <a:defRPr/>
             </a:lvl2pPr>
-            <a:lvl3pPr lvl="2">
+            <a:lvl3pPr lvl="2" algn="l">
+              <a:lnSpc>
+                <a:spcPct val="100000"/>
+              </a:lnSpc>
               <a:spcBef>
                 <a:spcPts val="0"/>
               </a:spcBef>
@@ -7814,7 +10244,10 @@
               <a:buNone/>
               <a:defRPr/>
             </a:lvl3pPr>
-            <a:lvl4pPr lvl="3">
+            <a:lvl4pPr lvl="3" algn="l">
+              <a:lnSpc>
+                <a:spcPct val="100000"/>
+              </a:lnSpc>
               <a:spcBef>
                 <a:spcPts val="0"/>
               </a:spcBef>
@@ -7825,7 +10258,10 @@
               <a:buNone/>
               <a:defRPr/>
             </a:lvl4pPr>
-            <a:lvl5pPr lvl="4">
+            <a:lvl5pPr lvl="4" algn="l">
+              <a:lnSpc>
+                <a:spcPct val="100000"/>
+              </a:lnSpc>
               <a:spcBef>
                 <a:spcPts val="0"/>
               </a:spcBef>
@@ -7836,7 +10272,10 @@
               <a:buNone/>
               <a:defRPr/>
             </a:lvl5pPr>
-            <a:lvl6pPr lvl="5">
+            <a:lvl6pPr lvl="5" algn="l">
+              <a:lnSpc>
+                <a:spcPct val="100000"/>
+              </a:lnSpc>
               <a:spcBef>
                 <a:spcPts val="0"/>
               </a:spcBef>
@@ -7847,7 +10286,10 @@
               <a:buNone/>
               <a:defRPr/>
             </a:lvl6pPr>
-            <a:lvl7pPr lvl="6">
+            <a:lvl7pPr lvl="6" algn="l">
+              <a:lnSpc>
+                <a:spcPct val="100000"/>
+              </a:lnSpc>
               <a:spcBef>
                 <a:spcPts val="0"/>
               </a:spcBef>
@@ -7858,7 +10300,10 @@
               <a:buNone/>
               <a:defRPr/>
             </a:lvl7pPr>
-            <a:lvl8pPr lvl="7">
+            <a:lvl8pPr lvl="7" algn="l">
+              <a:lnSpc>
+                <a:spcPct val="100000"/>
+              </a:lnSpc>
               <a:spcBef>
                 <a:spcPts val="0"/>
               </a:spcBef>
@@ -7869,7 +10314,10 @@
               <a:buNone/>
               <a:defRPr/>
             </a:lvl8pPr>
-            <a:lvl9pPr lvl="8">
+            <a:lvl9pPr lvl="8" algn="l">
+              <a:lnSpc>
+                <a:spcPct val="100000"/>
+              </a:lnSpc>
               <a:spcBef>
                 <a:spcPts val="0"/>
               </a:spcBef>
@@ -8277,6 +10725,9 @@
           </a:bodyPr>
           <a:lstStyle>
             <a:lvl1pPr lvl="0" algn="l">
+              <a:lnSpc>
+                <a:spcPct val="100000"/>
+              </a:lnSpc>
               <a:spcBef>
                 <a:spcPts val="0"/>
               </a:spcBef>
@@ -8288,6 +10739,9 @@
               <a:defRPr/>
             </a:lvl1pPr>
             <a:lvl2pPr lvl="1" algn="l">
+              <a:lnSpc>
+                <a:spcPct val="100000"/>
+              </a:lnSpc>
               <a:spcBef>
                 <a:spcPts val="0"/>
               </a:spcBef>
@@ -8299,6 +10753,9 @@
               <a:defRPr/>
             </a:lvl2pPr>
             <a:lvl3pPr lvl="2" algn="l">
+              <a:lnSpc>
+                <a:spcPct val="100000"/>
+              </a:lnSpc>
               <a:spcBef>
                 <a:spcPts val="0"/>
               </a:spcBef>
@@ -8310,6 +10767,9 @@
               <a:defRPr/>
             </a:lvl3pPr>
             <a:lvl4pPr lvl="3" algn="l">
+              <a:lnSpc>
+                <a:spcPct val="100000"/>
+              </a:lnSpc>
               <a:spcBef>
                 <a:spcPts val="0"/>
               </a:spcBef>
@@ -8321,6 +10781,9 @@
               <a:defRPr/>
             </a:lvl4pPr>
             <a:lvl5pPr lvl="4" algn="l">
+              <a:lnSpc>
+                <a:spcPct val="100000"/>
+              </a:lnSpc>
               <a:spcBef>
                 <a:spcPts val="0"/>
               </a:spcBef>
@@ -8332,6 +10795,9 @@
               <a:defRPr/>
             </a:lvl5pPr>
             <a:lvl6pPr lvl="5" algn="l">
+              <a:lnSpc>
+                <a:spcPct val="100000"/>
+              </a:lnSpc>
               <a:spcBef>
                 <a:spcPts val="0"/>
               </a:spcBef>
@@ -8343,6 +10809,9 @@
               <a:defRPr/>
             </a:lvl6pPr>
             <a:lvl7pPr lvl="6" algn="l">
+              <a:lnSpc>
+                <a:spcPct val="100000"/>
+              </a:lnSpc>
               <a:spcBef>
                 <a:spcPts val="0"/>
               </a:spcBef>
@@ -8354,6 +10823,9 @@
               <a:defRPr/>
             </a:lvl7pPr>
             <a:lvl8pPr lvl="7" algn="l">
+              <a:lnSpc>
+                <a:spcPct val="100000"/>
+              </a:lnSpc>
               <a:spcBef>
                 <a:spcPts val="0"/>
               </a:spcBef>
@@ -8365,6 +10837,9 @@
               <a:defRPr/>
             </a:lvl8pPr>
             <a:lvl9pPr lvl="8" algn="l">
+              <a:lnSpc>
+                <a:spcPct val="100000"/>
+              </a:lnSpc>
               <a:spcBef>
                 <a:spcPts val="0"/>
               </a:spcBef>
@@ -8406,6 +10881,9 @@
           </a:bodyPr>
           <a:lstStyle>
             <a:lvl1pPr lvl="0" algn="ctr">
+              <a:lnSpc>
+                <a:spcPct val="100000"/>
+              </a:lnSpc>
               <a:spcBef>
                 <a:spcPts val="0"/>
               </a:spcBef>
@@ -8417,6 +10895,9 @@
               <a:defRPr/>
             </a:lvl1pPr>
             <a:lvl2pPr lvl="1" algn="l">
+              <a:lnSpc>
+                <a:spcPct val="100000"/>
+              </a:lnSpc>
               <a:spcBef>
                 <a:spcPts val="0"/>
               </a:spcBef>
@@ -8428,6 +10909,9 @@
               <a:defRPr/>
             </a:lvl2pPr>
             <a:lvl3pPr lvl="2" algn="l">
+              <a:lnSpc>
+                <a:spcPct val="100000"/>
+              </a:lnSpc>
               <a:spcBef>
                 <a:spcPts val="0"/>
               </a:spcBef>
@@ -8439,6 +10923,9 @@
               <a:defRPr/>
             </a:lvl3pPr>
             <a:lvl4pPr lvl="3" algn="l">
+              <a:lnSpc>
+                <a:spcPct val="100000"/>
+              </a:lnSpc>
               <a:spcBef>
                 <a:spcPts val="0"/>
               </a:spcBef>
@@ -8450,6 +10937,9 @@
               <a:defRPr/>
             </a:lvl4pPr>
             <a:lvl5pPr lvl="4" algn="l">
+              <a:lnSpc>
+                <a:spcPct val="100000"/>
+              </a:lnSpc>
               <a:spcBef>
                 <a:spcPts val="0"/>
               </a:spcBef>
@@ -8461,6 +10951,9 @@
               <a:defRPr/>
             </a:lvl5pPr>
             <a:lvl6pPr lvl="5" algn="l">
+              <a:lnSpc>
+                <a:spcPct val="100000"/>
+              </a:lnSpc>
               <a:spcBef>
                 <a:spcPts val="0"/>
               </a:spcBef>
@@ -8472,6 +10965,9 @@
               <a:defRPr/>
             </a:lvl6pPr>
             <a:lvl7pPr lvl="6" algn="l">
+              <a:lnSpc>
+                <a:spcPct val="100000"/>
+              </a:lnSpc>
               <a:spcBef>
                 <a:spcPts val="0"/>
               </a:spcBef>
@@ -8483,6 +10979,9 @@
               <a:defRPr/>
             </a:lvl7pPr>
             <a:lvl8pPr lvl="7" algn="l">
+              <a:lnSpc>
+                <a:spcPct val="100000"/>
+              </a:lnSpc>
               <a:spcBef>
                 <a:spcPts val="0"/>
               </a:spcBef>
@@ -8494,6 +10993,9 @@
               <a:defRPr/>
             </a:lvl8pPr>
             <a:lvl9pPr lvl="8" algn="l">
+              <a:lnSpc>
+                <a:spcPct val="100000"/>
+              </a:lnSpc>
               <a:spcBef>
                 <a:spcPts val="0"/>
               </a:spcBef>
@@ -8534,68 +11036,239 @@
             <a:noAutofit/>
           </a:bodyPr>
           <a:lstStyle>
-            <a:lvl1pPr indent="0" lvl="0" marL="0" algn="r">
-              <a:spcBef>
-                <a:spcPts val="0"/>
-              </a:spcBef>
-              <a:buNone/>
-              <a:defRPr/>
+            <a:lvl1pPr indent="0" lvl="0" marL="0" marR="0" algn="r">
+              <a:lnSpc>
+                <a:spcPct val="100000"/>
+              </a:lnSpc>
+              <a:spcBef>
+                <a:spcPts val="0"/>
+              </a:spcBef>
+              <a:spcAft>
+                <a:spcPts val="0"/>
+              </a:spcAft>
+              <a:buClr>
+                <a:srgbClr val="000000"/>
+              </a:buClr>
+              <a:buSzPts val="1200"/>
+              <a:buFont typeface="Arial"/>
+              <a:buNone/>
+              <a:defRPr b="0" i="0" sz="1200" u="none" cap="none" strike="noStrike">
+                <a:solidFill>
+                  <a:srgbClr val="757575"/>
+                </a:solidFill>
+                <a:latin typeface="Arial"/>
+                <a:ea typeface="Arial"/>
+                <a:cs typeface="Arial"/>
+                <a:sym typeface="Arial"/>
+              </a:defRPr>
             </a:lvl1pPr>
-            <a:lvl2pPr indent="0" lvl="1" marL="0" algn="r">
-              <a:spcBef>
-                <a:spcPts val="0"/>
-              </a:spcBef>
-              <a:buNone/>
-              <a:defRPr/>
+            <a:lvl2pPr indent="0" lvl="1" marL="0" marR="0" algn="r">
+              <a:lnSpc>
+                <a:spcPct val="100000"/>
+              </a:lnSpc>
+              <a:spcBef>
+                <a:spcPts val="0"/>
+              </a:spcBef>
+              <a:spcAft>
+                <a:spcPts val="0"/>
+              </a:spcAft>
+              <a:buClr>
+                <a:srgbClr val="000000"/>
+              </a:buClr>
+              <a:buSzPts val="1200"/>
+              <a:buFont typeface="Arial"/>
+              <a:buNone/>
+              <a:defRPr b="0" i="0" sz="1200" u="none" cap="none" strike="noStrike">
+                <a:solidFill>
+                  <a:srgbClr val="757575"/>
+                </a:solidFill>
+                <a:latin typeface="Arial"/>
+                <a:ea typeface="Arial"/>
+                <a:cs typeface="Arial"/>
+                <a:sym typeface="Arial"/>
+              </a:defRPr>
             </a:lvl2pPr>
-            <a:lvl3pPr indent="0" lvl="2" marL="0" algn="r">
-              <a:spcBef>
-                <a:spcPts val="0"/>
-              </a:spcBef>
-              <a:buNone/>
-              <a:defRPr/>
+            <a:lvl3pPr indent="0" lvl="2" marL="0" marR="0" algn="r">
+              <a:lnSpc>
+                <a:spcPct val="100000"/>
+              </a:lnSpc>
+              <a:spcBef>
+                <a:spcPts val="0"/>
+              </a:spcBef>
+              <a:spcAft>
+                <a:spcPts val="0"/>
+              </a:spcAft>
+              <a:buClr>
+                <a:srgbClr val="000000"/>
+              </a:buClr>
+              <a:buSzPts val="1200"/>
+              <a:buFont typeface="Arial"/>
+              <a:buNone/>
+              <a:defRPr b="0" i="0" sz="1200" u="none" cap="none" strike="noStrike">
+                <a:solidFill>
+                  <a:srgbClr val="757575"/>
+                </a:solidFill>
+                <a:latin typeface="Arial"/>
+                <a:ea typeface="Arial"/>
+                <a:cs typeface="Arial"/>
+                <a:sym typeface="Arial"/>
+              </a:defRPr>
             </a:lvl3pPr>
-            <a:lvl4pPr indent="0" lvl="3" marL="0" algn="r">
-              <a:spcBef>
-                <a:spcPts val="0"/>
-              </a:spcBef>
-              <a:buNone/>
-              <a:defRPr/>
+            <a:lvl4pPr indent="0" lvl="3" marL="0" marR="0" algn="r">
+              <a:lnSpc>
+                <a:spcPct val="100000"/>
+              </a:lnSpc>
+              <a:spcBef>
+                <a:spcPts val="0"/>
+              </a:spcBef>
+              <a:spcAft>
+                <a:spcPts val="0"/>
+              </a:spcAft>
+              <a:buClr>
+                <a:srgbClr val="000000"/>
+              </a:buClr>
+              <a:buSzPts val="1200"/>
+              <a:buFont typeface="Arial"/>
+              <a:buNone/>
+              <a:defRPr b="0" i="0" sz="1200" u="none" cap="none" strike="noStrike">
+                <a:solidFill>
+                  <a:srgbClr val="757575"/>
+                </a:solidFill>
+                <a:latin typeface="Arial"/>
+                <a:ea typeface="Arial"/>
+                <a:cs typeface="Arial"/>
+                <a:sym typeface="Arial"/>
+              </a:defRPr>
             </a:lvl4pPr>
-            <a:lvl5pPr indent="0" lvl="4" marL="0" algn="r">
-              <a:spcBef>
-                <a:spcPts val="0"/>
-              </a:spcBef>
-              <a:buNone/>
-              <a:defRPr/>
+            <a:lvl5pPr indent="0" lvl="4" marL="0" marR="0" algn="r">
+              <a:lnSpc>
+                <a:spcPct val="100000"/>
+              </a:lnSpc>
+              <a:spcBef>
+                <a:spcPts val="0"/>
+              </a:spcBef>
+              <a:spcAft>
+                <a:spcPts val="0"/>
+              </a:spcAft>
+              <a:buClr>
+                <a:srgbClr val="000000"/>
+              </a:buClr>
+              <a:buSzPts val="1200"/>
+              <a:buFont typeface="Arial"/>
+              <a:buNone/>
+              <a:defRPr b="0" i="0" sz="1200" u="none" cap="none" strike="noStrike">
+                <a:solidFill>
+                  <a:srgbClr val="757575"/>
+                </a:solidFill>
+                <a:latin typeface="Arial"/>
+                <a:ea typeface="Arial"/>
+                <a:cs typeface="Arial"/>
+                <a:sym typeface="Arial"/>
+              </a:defRPr>
             </a:lvl5pPr>
-            <a:lvl6pPr indent="0" lvl="5" marL="0" algn="r">
-              <a:spcBef>
-                <a:spcPts val="0"/>
-              </a:spcBef>
-              <a:buNone/>
-              <a:defRPr/>
+            <a:lvl6pPr indent="0" lvl="5" marL="0" marR="0" algn="r">
+              <a:lnSpc>
+                <a:spcPct val="100000"/>
+              </a:lnSpc>
+              <a:spcBef>
+                <a:spcPts val="0"/>
+              </a:spcBef>
+              <a:spcAft>
+                <a:spcPts val="0"/>
+              </a:spcAft>
+              <a:buClr>
+                <a:srgbClr val="000000"/>
+              </a:buClr>
+              <a:buSzPts val="1200"/>
+              <a:buFont typeface="Arial"/>
+              <a:buNone/>
+              <a:defRPr b="0" i="0" sz="1200" u="none" cap="none" strike="noStrike">
+                <a:solidFill>
+                  <a:srgbClr val="757575"/>
+                </a:solidFill>
+                <a:latin typeface="Arial"/>
+                <a:ea typeface="Arial"/>
+                <a:cs typeface="Arial"/>
+                <a:sym typeface="Arial"/>
+              </a:defRPr>
             </a:lvl6pPr>
-            <a:lvl7pPr indent="0" lvl="6" marL="0" algn="r">
-              <a:spcBef>
-                <a:spcPts val="0"/>
-              </a:spcBef>
-              <a:buNone/>
-              <a:defRPr/>
+            <a:lvl7pPr indent="0" lvl="6" marL="0" marR="0" algn="r">
+              <a:lnSpc>
+                <a:spcPct val="100000"/>
+              </a:lnSpc>
+              <a:spcBef>
+                <a:spcPts val="0"/>
+              </a:spcBef>
+              <a:spcAft>
+                <a:spcPts val="0"/>
+              </a:spcAft>
+              <a:buClr>
+                <a:srgbClr val="000000"/>
+              </a:buClr>
+              <a:buSzPts val="1200"/>
+              <a:buFont typeface="Arial"/>
+              <a:buNone/>
+              <a:defRPr b="0" i="0" sz="1200" u="none" cap="none" strike="noStrike">
+                <a:solidFill>
+                  <a:srgbClr val="757575"/>
+                </a:solidFill>
+                <a:latin typeface="Arial"/>
+                <a:ea typeface="Arial"/>
+                <a:cs typeface="Arial"/>
+                <a:sym typeface="Arial"/>
+              </a:defRPr>
             </a:lvl7pPr>
-            <a:lvl8pPr indent="0" lvl="7" marL="0" algn="r">
-              <a:spcBef>
-                <a:spcPts val="0"/>
-              </a:spcBef>
-              <a:buNone/>
-              <a:defRPr/>
+            <a:lvl8pPr indent="0" lvl="7" marL="0" marR="0" algn="r">
+              <a:lnSpc>
+                <a:spcPct val="100000"/>
+              </a:lnSpc>
+              <a:spcBef>
+                <a:spcPts val="0"/>
+              </a:spcBef>
+              <a:spcAft>
+                <a:spcPts val="0"/>
+              </a:spcAft>
+              <a:buClr>
+                <a:srgbClr val="000000"/>
+              </a:buClr>
+              <a:buSzPts val="1200"/>
+              <a:buFont typeface="Arial"/>
+              <a:buNone/>
+              <a:defRPr b="0" i="0" sz="1200" u="none" cap="none" strike="noStrike">
+                <a:solidFill>
+                  <a:srgbClr val="757575"/>
+                </a:solidFill>
+                <a:latin typeface="Arial"/>
+                <a:ea typeface="Arial"/>
+                <a:cs typeface="Arial"/>
+                <a:sym typeface="Arial"/>
+              </a:defRPr>
             </a:lvl8pPr>
-            <a:lvl9pPr indent="0" lvl="8" marL="0" algn="r">
-              <a:spcBef>
-                <a:spcPts val="0"/>
-              </a:spcBef>
-              <a:buNone/>
-              <a:defRPr/>
+            <a:lvl9pPr indent="0" lvl="8" marL="0" marR="0" algn="r">
+              <a:lnSpc>
+                <a:spcPct val="100000"/>
+              </a:lnSpc>
+              <a:spcBef>
+                <a:spcPts val="0"/>
+              </a:spcBef>
+              <a:spcAft>
+                <a:spcPts val="0"/>
+              </a:spcAft>
+              <a:buClr>
+                <a:srgbClr val="000000"/>
+              </a:buClr>
+              <a:buSzPts val="1200"/>
+              <a:buFont typeface="Arial"/>
+              <a:buNone/>
+              <a:defRPr b="0" i="0" sz="1200" u="none" cap="none" strike="noStrike">
+                <a:solidFill>
+                  <a:srgbClr val="757575"/>
+                </a:solidFill>
+                <a:latin typeface="Arial"/>
+                <a:ea typeface="Arial"/>
+                <a:cs typeface="Arial"/>
+                <a:sym typeface="Arial"/>
+              </a:defRPr>
             </a:lvl9pPr>
           </a:lstStyle>
           <a:p>
@@ -8685,7 +11358,10 @@
               <a:buNone/>
               <a:defRPr sz="3200"/>
             </a:lvl1pPr>
-            <a:lvl2pPr lvl="1">
+            <a:lvl2pPr lvl="1" algn="l">
+              <a:lnSpc>
+                <a:spcPct val="100000"/>
+              </a:lnSpc>
               <a:spcBef>
                 <a:spcPts val="0"/>
               </a:spcBef>
@@ -8696,7 +11372,10 @@
               <a:buNone/>
               <a:defRPr/>
             </a:lvl2pPr>
-            <a:lvl3pPr lvl="2">
+            <a:lvl3pPr lvl="2" algn="l">
+              <a:lnSpc>
+                <a:spcPct val="100000"/>
+              </a:lnSpc>
               <a:spcBef>
                 <a:spcPts val="0"/>
               </a:spcBef>
@@ -8707,7 +11386,10 @@
               <a:buNone/>
               <a:defRPr/>
             </a:lvl3pPr>
-            <a:lvl4pPr lvl="3">
+            <a:lvl4pPr lvl="3" algn="l">
+              <a:lnSpc>
+                <a:spcPct val="100000"/>
+              </a:lnSpc>
               <a:spcBef>
                 <a:spcPts val="0"/>
               </a:spcBef>
@@ -8718,7 +11400,10 @@
               <a:buNone/>
               <a:defRPr/>
             </a:lvl4pPr>
-            <a:lvl5pPr lvl="4">
+            <a:lvl5pPr lvl="4" algn="l">
+              <a:lnSpc>
+                <a:spcPct val="100000"/>
+              </a:lnSpc>
               <a:spcBef>
                 <a:spcPts val="0"/>
               </a:spcBef>
@@ -8729,7 +11414,10 @@
               <a:buNone/>
               <a:defRPr/>
             </a:lvl5pPr>
-            <a:lvl6pPr lvl="5">
+            <a:lvl6pPr lvl="5" algn="l">
+              <a:lnSpc>
+                <a:spcPct val="100000"/>
+              </a:lnSpc>
               <a:spcBef>
                 <a:spcPts val="0"/>
               </a:spcBef>
@@ -8740,7 +11428,10 @@
               <a:buNone/>
               <a:defRPr/>
             </a:lvl6pPr>
-            <a:lvl7pPr lvl="6">
+            <a:lvl7pPr lvl="6" algn="l">
+              <a:lnSpc>
+                <a:spcPct val="100000"/>
+              </a:lnSpc>
               <a:spcBef>
                 <a:spcPts val="0"/>
               </a:spcBef>
@@ -8751,7 +11442,10 @@
               <a:buNone/>
               <a:defRPr/>
             </a:lvl7pPr>
-            <a:lvl8pPr lvl="7">
+            <a:lvl8pPr lvl="7" algn="l">
+              <a:lnSpc>
+                <a:spcPct val="100000"/>
+              </a:lnSpc>
               <a:spcBef>
                 <a:spcPts val="0"/>
               </a:spcBef>
@@ -8762,7 +11456,10 @@
               <a:buNone/>
               <a:defRPr/>
             </a:lvl8pPr>
-            <a:lvl9pPr lvl="8">
+            <a:lvl9pPr lvl="8" algn="l">
+              <a:lnSpc>
+                <a:spcPct val="100000"/>
+              </a:lnSpc>
               <a:spcBef>
                 <a:spcPts val="0"/>
               </a:spcBef>
@@ -9009,6 +11706,9 @@
           </a:bodyPr>
           <a:lstStyle>
             <a:lvl1pPr lvl="0" algn="l">
+              <a:lnSpc>
+                <a:spcPct val="100000"/>
+              </a:lnSpc>
               <a:spcBef>
                 <a:spcPts val="0"/>
               </a:spcBef>
@@ -9020,6 +11720,9 @@
               <a:defRPr/>
             </a:lvl1pPr>
             <a:lvl2pPr lvl="1" algn="l">
+              <a:lnSpc>
+                <a:spcPct val="100000"/>
+              </a:lnSpc>
               <a:spcBef>
                 <a:spcPts val="0"/>
               </a:spcBef>
@@ -9031,6 +11734,9 @@
               <a:defRPr/>
             </a:lvl2pPr>
             <a:lvl3pPr lvl="2" algn="l">
+              <a:lnSpc>
+                <a:spcPct val="100000"/>
+              </a:lnSpc>
               <a:spcBef>
                 <a:spcPts val="0"/>
               </a:spcBef>
@@ -9042,6 +11748,9 @@
               <a:defRPr/>
             </a:lvl3pPr>
             <a:lvl4pPr lvl="3" algn="l">
+              <a:lnSpc>
+                <a:spcPct val="100000"/>
+              </a:lnSpc>
               <a:spcBef>
                 <a:spcPts val="0"/>
               </a:spcBef>
@@ -9053,6 +11762,9 @@
               <a:defRPr/>
             </a:lvl4pPr>
             <a:lvl5pPr lvl="4" algn="l">
+              <a:lnSpc>
+                <a:spcPct val="100000"/>
+              </a:lnSpc>
               <a:spcBef>
                 <a:spcPts val="0"/>
               </a:spcBef>
@@ -9064,6 +11776,9 @@
               <a:defRPr/>
             </a:lvl5pPr>
             <a:lvl6pPr lvl="5" algn="l">
+              <a:lnSpc>
+                <a:spcPct val="100000"/>
+              </a:lnSpc>
               <a:spcBef>
                 <a:spcPts val="0"/>
               </a:spcBef>
@@ -9075,6 +11790,9 @@
               <a:defRPr/>
             </a:lvl6pPr>
             <a:lvl7pPr lvl="6" algn="l">
+              <a:lnSpc>
+                <a:spcPct val="100000"/>
+              </a:lnSpc>
               <a:spcBef>
                 <a:spcPts val="0"/>
               </a:spcBef>
@@ -9086,6 +11804,9 @@
               <a:defRPr/>
             </a:lvl7pPr>
             <a:lvl8pPr lvl="7" algn="l">
+              <a:lnSpc>
+                <a:spcPct val="100000"/>
+              </a:lnSpc>
               <a:spcBef>
                 <a:spcPts val="0"/>
               </a:spcBef>
@@ -9097,6 +11818,9 @@
               <a:defRPr/>
             </a:lvl8pPr>
             <a:lvl9pPr lvl="8" algn="l">
+              <a:lnSpc>
+                <a:spcPct val="100000"/>
+              </a:lnSpc>
               <a:spcBef>
                 <a:spcPts val="0"/>
               </a:spcBef>
@@ -9138,6 +11862,9 @@
           </a:bodyPr>
           <a:lstStyle>
             <a:lvl1pPr lvl="0" algn="ctr">
+              <a:lnSpc>
+                <a:spcPct val="100000"/>
+              </a:lnSpc>
               <a:spcBef>
                 <a:spcPts val="0"/>
               </a:spcBef>
@@ -9149,6 +11876,9 @@
               <a:defRPr/>
             </a:lvl1pPr>
             <a:lvl2pPr lvl="1" algn="l">
+              <a:lnSpc>
+                <a:spcPct val="100000"/>
+              </a:lnSpc>
               <a:spcBef>
                 <a:spcPts val="0"/>
               </a:spcBef>
@@ -9160,6 +11890,9 @@
               <a:defRPr/>
             </a:lvl2pPr>
             <a:lvl3pPr lvl="2" algn="l">
+              <a:lnSpc>
+                <a:spcPct val="100000"/>
+              </a:lnSpc>
               <a:spcBef>
                 <a:spcPts val="0"/>
               </a:spcBef>
@@ -9171,6 +11904,9 @@
               <a:defRPr/>
             </a:lvl3pPr>
             <a:lvl4pPr lvl="3" algn="l">
+              <a:lnSpc>
+                <a:spcPct val="100000"/>
+              </a:lnSpc>
               <a:spcBef>
                 <a:spcPts val="0"/>
               </a:spcBef>
@@ -9182,6 +11918,9 @@
               <a:defRPr/>
             </a:lvl4pPr>
             <a:lvl5pPr lvl="4" algn="l">
+              <a:lnSpc>
+                <a:spcPct val="100000"/>
+              </a:lnSpc>
               <a:spcBef>
                 <a:spcPts val="0"/>
               </a:spcBef>
@@ -9193,6 +11932,9 @@
               <a:defRPr/>
             </a:lvl5pPr>
             <a:lvl6pPr lvl="5" algn="l">
+              <a:lnSpc>
+                <a:spcPct val="100000"/>
+              </a:lnSpc>
               <a:spcBef>
                 <a:spcPts val="0"/>
               </a:spcBef>
@@ -9204,6 +11946,9 @@
               <a:defRPr/>
             </a:lvl6pPr>
             <a:lvl7pPr lvl="6" algn="l">
+              <a:lnSpc>
+                <a:spcPct val="100000"/>
+              </a:lnSpc>
               <a:spcBef>
                 <a:spcPts val="0"/>
               </a:spcBef>
@@ -9215,6 +11960,9 @@
               <a:defRPr/>
             </a:lvl7pPr>
             <a:lvl8pPr lvl="7" algn="l">
+              <a:lnSpc>
+                <a:spcPct val="100000"/>
+              </a:lnSpc>
               <a:spcBef>
                 <a:spcPts val="0"/>
               </a:spcBef>
@@ -9226,6 +11974,9 @@
               <a:defRPr/>
             </a:lvl8pPr>
             <a:lvl9pPr lvl="8" algn="l">
+              <a:lnSpc>
+                <a:spcPct val="100000"/>
+              </a:lnSpc>
               <a:spcBef>
                 <a:spcPts val="0"/>
               </a:spcBef>
@@ -9266,68 +12017,239 @@
             <a:noAutofit/>
           </a:bodyPr>
           <a:lstStyle>
-            <a:lvl1pPr indent="0" lvl="0" marL="0" algn="r">
-              <a:spcBef>
-                <a:spcPts val="0"/>
-              </a:spcBef>
-              <a:buNone/>
-              <a:defRPr/>
+            <a:lvl1pPr indent="0" lvl="0" marL="0" marR="0" algn="r">
+              <a:lnSpc>
+                <a:spcPct val="100000"/>
+              </a:lnSpc>
+              <a:spcBef>
+                <a:spcPts val="0"/>
+              </a:spcBef>
+              <a:spcAft>
+                <a:spcPts val="0"/>
+              </a:spcAft>
+              <a:buClr>
+                <a:srgbClr val="000000"/>
+              </a:buClr>
+              <a:buSzPts val="1200"/>
+              <a:buFont typeface="Arial"/>
+              <a:buNone/>
+              <a:defRPr b="0" i="0" sz="1200" u="none" cap="none" strike="noStrike">
+                <a:solidFill>
+                  <a:srgbClr val="757575"/>
+                </a:solidFill>
+                <a:latin typeface="Arial"/>
+                <a:ea typeface="Arial"/>
+                <a:cs typeface="Arial"/>
+                <a:sym typeface="Arial"/>
+              </a:defRPr>
             </a:lvl1pPr>
-            <a:lvl2pPr indent="0" lvl="1" marL="0" algn="r">
-              <a:spcBef>
-                <a:spcPts val="0"/>
-              </a:spcBef>
-              <a:buNone/>
-              <a:defRPr/>
+            <a:lvl2pPr indent="0" lvl="1" marL="0" marR="0" algn="r">
+              <a:lnSpc>
+                <a:spcPct val="100000"/>
+              </a:lnSpc>
+              <a:spcBef>
+                <a:spcPts val="0"/>
+              </a:spcBef>
+              <a:spcAft>
+                <a:spcPts val="0"/>
+              </a:spcAft>
+              <a:buClr>
+                <a:srgbClr val="000000"/>
+              </a:buClr>
+              <a:buSzPts val="1200"/>
+              <a:buFont typeface="Arial"/>
+              <a:buNone/>
+              <a:defRPr b="0" i="0" sz="1200" u="none" cap="none" strike="noStrike">
+                <a:solidFill>
+                  <a:srgbClr val="757575"/>
+                </a:solidFill>
+                <a:latin typeface="Arial"/>
+                <a:ea typeface="Arial"/>
+                <a:cs typeface="Arial"/>
+                <a:sym typeface="Arial"/>
+              </a:defRPr>
             </a:lvl2pPr>
-            <a:lvl3pPr indent="0" lvl="2" marL="0" algn="r">
-              <a:spcBef>
-                <a:spcPts val="0"/>
-              </a:spcBef>
-              <a:buNone/>
-              <a:defRPr/>
+            <a:lvl3pPr indent="0" lvl="2" marL="0" marR="0" algn="r">
+              <a:lnSpc>
+                <a:spcPct val="100000"/>
+              </a:lnSpc>
+              <a:spcBef>
+                <a:spcPts val="0"/>
+              </a:spcBef>
+              <a:spcAft>
+                <a:spcPts val="0"/>
+              </a:spcAft>
+              <a:buClr>
+                <a:srgbClr val="000000"/>
+              </a:buClr>
+              <a:buSzPts val="1200"/>
+              <a:buFont typeface="Arial"/>
+              <a:buNone/>
+              <a:defRPr b="0" i="0" sz="1200" u="none" cap="none" strike="noStrike">
+                <a:solidFill>
+                  <a:srgbClr val="757575"/>
+                </a:solidFill>
+                <a:latin typeface="Arial"/>
+                <a:ea typeface="Arial"/>
+                <a:cs typeface="Arial"/>
+                <a:sym typeface="Arial"/>
+              </a:defRPr>
             </a:lvl3pPr>
-            <a:lvl4pPr indent="0" lvl="3" marL="0" algn="r">
-              <a:spcBef>
-                <a:spcPts val="0"/>
-              </a:spcBef>
-              <a:buNone/>
-              <a:defRPr/>
+            <a:lvl4pPr indent="0" lvl="3" marL="0" marR="0" algn="r">
+              <a:lnSpc>
+                <a:spcPct val="100000"/>
+              </a:lnSpc>
+              <a:spcBef>
+                <a:spcPts val="0"/>
+              </a:spcBef>
+              <a:spcAft>
+                <a:spcPts val="0"/>
+              </a:spcAft>
+              <a:buClr>
+                <a:srgbClr val="000000"/>
+              </a:buClr>
+              <a:buSzPts val="1200"/>
+              <a:buFont typeface="Arial"/>
+              <a:buNone/>
+              <a:defRPr b="0" i="0" sz="1200" u="none" cap="none" strike="noStrike">
+                <a:solidFill>
+                  <a:srgbClr val="757575"/>
+                </a:solidFill>
+                <a:latin typeface="Arial"/>
+                <a:ea typeface="Arial"/>
+                <a:cs typeface="Arial"/>
+                <a:sym typeface="Arial"/>
+              </a:defRPr>
             </a:lvl4pPr>
-            <a:lvl5pPr indent="0" lvl="4" marL="0" algn="r">
-              <a:spcBef>
-                <a:spcPts val="0"/>
-              </a:spcBef>
-              <a:buNone/>
-              <a:defRPr/>
+            <a:lvl5pPr indent="0" lvl="4" marL="0" marR="0" algn="r">
+              <a:lnSpc>
+                <a:spcPct val="100000"/>
+              </a:lnSpc>
+              <a:spcBef>
+                <a:spcPts val="0"/>
+              </a:spcBef>
+              <a:spcAft>
+                <a:spcPts val="0"/>
+              </a:spcAft>
+              <a:buClr>
+                <a:srgbClr val="000000"/>
+              </a:buClr>
+              <a:buSzPts val="1200"/>
+              <a:buFont typeface="Arial"/>
+              <a:buNone/>
+              <a:defRPr b="0" i="0" sz="1200" u="none" cap="none" strike="noStrike">
+                <a:solidFill>
+                  <a:srgbClr val="757575"/>
+                </a:solidFill>
+                <a:latin typeface="Arial"/>
+                <a:ea typeface="Arial"/>
+                <a:cs typeface="Arial"/>
+                <a:sym typeface="Arial"/>
+              </a:defRPr>
             </a:lvl5pPr>
-            <a:lvl6pPr indent="0" lvl="5" marL="0" algn="r">
-              <a:spcBef>
-                <a:spcPts val="0"/>
-              </a:spcBef>
-              <a:buNone/>
-              <a:defRPr/>
+            <a:lvl6pPr indent="0" lvl="5" marL="0" marR="0" algn="r">
+              <a:lnSpc>
+                <a:spcPct val="100000"/>
+              </a:lnSpc>
+              <a:spcBef>
+                <a:spcPts val="0"/>
+              </a:spcBef>
+              <a:spcAft>
+                <a:spcPts val="0"/>
+              </a:spcAft>
+              <a:buClr>
+                <a:srgbClr val="000000"/>
+              </a:buClr>
+              <a:buSzPts val="1200"/>
+              <a:buFont typeface="Arial"/>
+              <a:buNone/>
+              <a:defRPr b="0" i="0" sz="1200" u="none" cap="none" strike="noStrike">
+                <a:solidFill>
+                  <a:srgbClr val="757575"/>
+                </a:solidFill>
+                <a:latin typeface="Arial"/>
+                <a:ea typeface="Arial"/>
+                <a:cs typeface="Arial"/>
+                <a:sym typeface="Arial"/>
+              </a:defRPr>
             </a:lvl6pPr>
-            <a:lvl7pPr indent="0" lvl="6" marL="0" algn="r">
-              <a:spcBef>
-                <a:spcPts val="0"/>
-              </a:spcBef>
-              <a:buNone/>
-              <a:defRPr/>
+            <a:lvl7pPr indent="0" lvl="6" marL="0" marR="0" algn="r">
+              <a:lnSpc>
+                <a:spcPct val="100000"/>
+              </a:lnSpc>
+              <a:spcBef>
+                <a:spcPts val="0"/>
+              </a:spcBef>
+              <a:spcAft>
+                <a:spcPts val="0"/>
+              </a:spcAft>
+              <a:buClr>
+                <a:srgbClr val="000000"/>
+              </a:buClr>
+              <a:buSzPts val="1200"/>
+              <a:buFont typeface="Arial"/>
+              <a:buNone/>
+              <a:defRPr b="0" i="0" sz="1200" u="none" cap="none" strike="noStrike">
+                <a:solidFill>
+                  <a:srgbClr val="757575"/>
+                </a:solidFill>
+                <a:latin typeface="Arial"/>
+                <a:ea typeface="Arial"/>
+                <a:cs typeface="Arial"/>
+                <a:sym typeface="Arial"/>
+              </a:defRPr>
             </a:lvl7pPr>
-            <a:lvl8pPr indent="0" lvl="7" marL="0" algn="r">
-              <a:spcBef>
-                <a:spcPts val="0"/>
-              </a:spcBef>
-              <a:buNone/>
-              <a:defRPr/>
+            <a:lvl8pPr indent="0" lvl="7" marL="0" marR="0" algn="r">
+              <a:lnSpc>
+                <a:spcPct val="100000"/>
+              </a:lnSpc>
+              <a:spcBef>
+                <a:spcPts val="0"/>
+              </a:spcBef>
+              <a:spcAft>
+                <a:spcPts val="0"/>
+              </a:spcAft>
+              <a:buClr>
+                <a:srgbClr val="000000"/>
+              </a:buClr>
+              <a:buSzPts val="1200"/>
+              <a:buFont typeface="Arial"/>
+              <a:buNone/>
+              <a:defRPr b="0" i="0" sz="1200" u="none" cap="none" strike="noStrike">
+                <a:solidFill>
+                  <a:srgbClr val="757575"/>
+                </a:solidFill>
+                <a:latin typeface="Arial"/>
+                <a:ea typeface="Arial"/>
+                <a:cs typeface="Arial"/>
+                <a:sym typeface="Arial"/>
+              </a:defRPr>
             </a:lvl8pPr>
-            <a:lvl9pPr indent="0" lvl="8" marL="0" algn="r">
-              <a:spcBef>
-                <a:spcPts val="0"/>
-              </a:spcBef>
-              <a:buNone/>
-              <a:defRPr/>
+            <a:lvl9pPr indent="0" lvl="8" marL="0" marR="0" algn="r">
+              <a:lnSpc>
+                <a:spcPct val="100000"/>
+              </a:lnSpc>
+              <a:spcBef>
+                <a:spcPts val="0"/>
+              </a:spcBef>
+              <a:spcAft>
+                <a:spcPts val="0"/>
+              </a:spcAft>
+              <a:buClr>
+                <a:srgbClr val="000000"/>
+              </a:buClr>
+              <a:buSzPts val="1200"/>
+              <a:buFont typeface="Arial"/>
+              <a:buNone/>
+              <a:defRPr b="0" i="0" sz="1200" u="none" cap="none" strike="noStrike">
+                <a:solidFill>
+                  <a:srgbClr val="757575"/>
+                </a:solidFill>
+                <a:latin typeface="Arial"/>
+                <a:ea typeface="Arial"/>
+                <a:cs typeface="Arial"/>
+                <a:sym typeface="Arial"/>
+              </a:defRPr>
             </a:lvl9pPr>
           </a:lstStyle>
           <a:p>
@@ -9432,93 +12354,213 @@
                 <a:sym typeface="Play"/>
               </a:defRPr>
             </a:lvl1pPr>
-            <a:lvl2pPr lvl="1">
-              <a:spcBef>
-                <a:spcPts val="0"/>
-              </a:spcBef>
-              <a:spcAft>
-                <a:spcPts val="0"/>
-              </a:spcAft>
-              <a:buSzPts val="1400"/>
-              <a:buNone/>
-              <a:defRPr sz="1800"/>
+            <a:lvl2pPr lvl="1" marR="0" rtl="0" algn="l">
+              <a:lnSpc>
+                <a:spcPct val="100000"/>
+              </a:lnSpc>
+              <a:spcBef>
+                <a:spcPts val="0"/>
+              </a:spcBef>
+              <a:spcAft>
+                <a:spcPts val="0"/>
+              </a:spcAft>
+              <a:buClr>
+                <a:srgbClr val="000000"/>
+              </a:buClr>
+              <a:buSzPts val="1400"/>
+              <a:buFont typeface="Arial"/>
+              <a:buNone/>
+              <a:defRPr b="0" i="0" sz="1800" u="none" cap="none" strike="noStrike">
+                <a:solidFill>
+                  <a:srgbClr val="000000"/>
+                </a:solidFill>
+                <a:latin typeface="Arial"/>
+                <a:ea typeface="Arial"/>
+                <a:cs typeface="Arial"/>
+                <a:sym typeface="Arial"/>
+              </a:defRPr>
             </a:lvl2pPr>
-            <a:lvl3pPr lvl="2">
-              <a:spcBef>
-                <a:spcPts val="0"/>
-              </a:spcBef>
-              <a:spcAft>
-                <a:spcPts val="0"/>
-              </a:spcAft>
-              <a:buSzPts val="1400"/>
-              <a:buNone/>
-              <a:defRPr sz="1800"/>
+            <a:lvl3pPr lvl="2" marR="0" rtl="0" algn="l">
+              <a:lnSpc>
+                <a:spcPct val="100000"/>
+              </a:lnSpc>
+              <a:spcBef>
+                <a:spcPts val="0"/>
+              </a:spcBef>
+              <a:spcAft>
+                <a:spcPts val="0"/>
+              </a:spcAft>
+              <a:buClr>
+                <a:srgbClr val="000000"/>
+              </a:buClr>
+              <a:buSzPts val="1400"/>
+              <a:buFont typeface="Arial"/>
+              <a:buNone/>
+              <a:defRPr b="0" i="0" sz="1800" u="none" cap="none" strike="noStrike">
+                <a:solidFill>
+                  <a:srgbClr val="000000"/>
+                </a:solidFill>
+                <a:latin typeface="Arial"/>
+                <a:ea typeface="Arial"/>
+                <a:cs typeface="Arial"/>
+                <a:sym typeface="Arial"/>
+              </a:defRPr>
             </a:lvl3pPr>
-            <a:lvl4pPr lvl="3">
-              <a:spcBef>
-                <a:spcPts val="0"/>
-              </a:spcBef>
-              <a:spcAft>
-                <a:spcPts val="0"/>
-              </a:spcAft>
-              <a:buSzPts val="1400"/>
-              <a:buNone/>
-              <a:defRPr sz="1800"/>
+            <a:lvl4pPr lvl="3" marR="0" rtl="0" algn="l">
+              <a:lnSpc>
+                <a:spcPct val="100000"/>
+              </a:lnSpc>
+              <a:spcBef>
+                <a:spcPts val="0"/>
+              </a:spcBef>
+              <a:spcAft>
+                <a:spcPts val="0"/>
+              </a:spcAft>
+              <a:buClr>
+                <a:srgbClr val="000000"/>
+              </a:buClr>
+              <a:buSzPts val="1400"/>
+              <a:buFont typeface="Arial"/>
+              <a:buNone/>
+              <a:defRPr b="0" i="0" sz="1800" u="none" cap="none" strike="noStrike">
+                <a:solidFill>
+                  <a:srgbClr val="000000"/>
+                </a:solidFill>
+                <a:latin typeface="Arial"/>
+                <a:ea typeface="Arial"/>
+                <a:cs typeface="Arial"/>
+                <a:sym typeface="Arial"/>
+              </a:defRPr>
             </a:lvl4pPr>
-            <a:lvl5pPr lvl="4">
-              <a:spcBef>
-                <a:spcPts val="0"/>
-              </a:spcBef>
-              <a:spcAft>
-                <a:spcPts val="0"/>
-              </a:spcAft>
-              <a:buSzPts val="1400"/>
-              <a:buNone/>
-              <a:defRPr sz="1800"/>
+            <a:lvl5pPr lvl="4" marR="0" rtl="0" algn="l">
+              <a:lnSpc>
+                <a:spcPct val="100000"/>
+              </a:lnSpc>
+              <a:spcBef>
+                <a:spcPts val="0"/>
+              </a:spcBef>
+              <a:spcAft>
+                <a:spcPts val="0"/>
+              </a:spcAft>
+              <a:buClr>
+                <a:srgbClr val="000000"/>
+              </a:buClr>
+              <a:buSzPts val="1400"/>
+              <a:buFont typeface="Arial"/>
+              <a:buNone/>
+              <a:defRPr b="0" i="0" sz="1800" u="none" cap="none" strike="noStrike">
+                <a:solidFill>
+                  <a:srgbClr val="000000"/>
+                </a:solidFill>
+                <a:latin typeface="Arial"/>
+                <a:ea typeface="Arial"/>
+                <a:cs typeface="Arial"/>
+                <a:sym typeface="Arial"/>
+              </a:defRPr>
             </a:lvl5pPr>
-            <a:lvl6pPr lvl="5">
-              <a:spcBef>
-                <a:spcPts val="0"/>
-              </a:spcBef>
-              <a:spcAft>
-                <a:spcPts val="0"/>
-              </a:spcAft>
-              <a:buSzPts val="1400"/>
-              <a:buNone/>
-              <a:defRPr sz="1800"/>
+            <a:lvl6pPr lvl="5" marR="0" rtl="0" algn="l">
+              <a:lnSpc>
+                <a:spcPct val="100000"/>
+              </a:lnSpc>
+              <a:spcBef>
+                <a:spcPts val="0"/>
+              </a:spcBef>
+              <a:spcAft>
+                <a:spcPts val="0"/>
+              </a:spcAft>
+              <a:buClr>
+                <a:srgbClr val="000000"/>
+              </a:buClr>
+              <a:buSzPts val="1400"/>
+              <a:buFont typeface="Arial"/>
+              <a:buNone/>
+              <a:defRPr b="0" i="0" sz="1800" u="none" cap="none" strike="noStrike">
+                <a:solidFill>
+                  <a:srgbClr val="000000"/>
+                </a:solidFill>
+                <a:latin typeface="Arial"/>
+                <a:ea typeface="Arial"/>
+                <a:cs typeface="Arial"/>
+                <a:sym typeface="Arial"/>
+              </a:defRPr>
             </a:lvl6pPr>
-            <a:lvl7pPr lvl="6">
-              <a:spcBef>
-                <a:spcPts val="0"/>
-              </a:spcBef>
-              <a:spcAft>
-                <a:spcPts val="0"/>
-              </a:spcAft>
-              <a:buSzPts val="1400"/>
-              <a:buNone/>
-              <a:defRPr sz="1800"/>
+            <a:lvl7pPr lvl="6" marR="0" rtl="0" algn="l">
+              <a:lnSpc>
+                <a:spcPct val="100000"/>
+              </a:lnSpc>
+              <a:spcBef>
+                <a:spcPts val="0"/>
+              </a:spcBef>
+              <a:spcAft>
+                <a:spcPts val="0"/>
+              </a:spcAft>
+              <a:buClr>
+                <a:srgbClr val="000000"/>
+              </a:buClr>
+              <a:buSzPts val="1400"/>
+              <a:buFont typeface="Arial"/>
+              <a:buNone/>
+              <a:defRPr b="0" i="0" sz="1800" u="none" cap="none" strike="noStrike">
+                <a:solidFill>
+                  <a:srgbClr val="000000"/>
+                </a:solidFill>
+                <a:latin typeface="Arial"/>
+                <a:ea typeface="Arial"/>
+                <a:cs typeface="Arial"/>
+                <a:sym typeface="Arial"/>
+              </a:defRPr>
             </a:lvl7pPr>
-            <a:lvl8pPr lvl="7">
-              <a:spcBef>
-                <a:spcPts val="0"/>
-              </a:spcBef>
-              <a:spcAft>
-                <a:spcPts val="0"/>
-              </a:spcAft>
-              <a:buSzPts val="1400"/>
-              <a:buNone/>
-              <a:defRPr sz="1800"/>
+            <a:lvl8pPr lvl="7" marR="0" rtl="0" algn="l">
+              <a:lnSpc>
+                <a:spcPct val="100000"/>
+              </a:lnSpc>
+              <a:spcBef>
+                <a:spcPts val="0"/>
+              </a:spcBef>
+              <a:spcAft>
+                <a:spcPts val="0"/>
+              </a:spcAft>
+              <a:buClr>
+                <a:srgbClr val="000000"/>
+              </a:buClr>
+              <a:buSzPts val="1400"/>
+              <a:buFont typeface="Arial"/>
+              <a:buNone/>
+              <a:defRPr b="0" i="0" sz="1800" u="none" cap="none" strike="noStrike">
+                <a:solidFill>
+                  <a:srgbClr val="000000"/>
+                </a:solidFill>
+                <a:latin typeface="Arial"/>
+                <a:ea typeface="Arial"/>
+                <a:cs typeface="Arial"/>
+                <a:sym typeface="Arial"/>
+              </a:defRPr>
             </a:lvl8pPr>
-            <a:lvl9pPr lvl="8">
-              <a:spcBef>
-                <a:spcPts val="0"/>
-              </a:spcBef>
-              <a:spcAft>
-                <a:spcPts val="0"/>
-              </a:spcAft>
-              <a:buSzPts val="1400"/>
-              <a:buNone/>
-              <a:defRPr sz="1800"/>
+            <a:lvl9pPr lvl="8" marR="0" rtl="0" algn="l">
+              <a:lnSpc>
+                <a:spcPct val="100000"/>
+              </a:lnSpc>
+              <a:spcBef>
+                <a:spcPts val="0"/>
+              </a:spcBef>
+              <a:spcAft>
+                <a:spcPts val="0"/>
+              </a:spcAft>
+              <a:buClr>
+                <a:srgbClr val="000000"/>
+              </a:buClr>
+              <a:buSzPts val="1400"/>
+              <a:buFont typeface="Arial"/>
+              <a:buNone/>
+              <a:defRPr b="0" i="0" sz="1800" u="none" cap="none" strike="noStrike">
+                <a:solidFill>
+                  <a:srgbClr val="000000"/>
+                </a:solidFill>
+                <a:latin typeface="Arial"/>
+                <a:ea typeface="Arial"/>
+                <a:cs typeface="Arial"/>
+                <a:sym typeface="Arial"/>
+              </a:defRPr>
             </a:lvl9pPr>
           </a:lstStyle>
           <a:p/>
@@ -9815,13 +12857,20 @@
           </a:bodyPr>
           <a:lstStyle>
             <a:lvl1pPr lvl="0" marR="0" rtl="0" algn="l">
-              <a:spcBef>
-                <a:spcPts val="0"/>
-              </a:spcBef>
-              <a:spcAft>
-                <a:spcPts val="0"/>
-              </a:spcAft>
-              <a:buSzPts val="1400"/>
+              <a:lnSpc>
+                <a:spcPct val="100000"/>
+              </a:lnSpc>
+              <a:spcBef>
+                <a:spcPts val="0"/>
+              </a:spcBef>
+              <a:spcAft>
+                <a:spcPts val="0"/>
+              </a:spcAft>
+              <a:buClr>
+                <a:srgbClr val="000000"/>
+              </a:buClr>
+              <a:buSzPts val="1400"/>
+              <a:buFont typeface="Arial"/>
               <a:buNone/>
               <a:defRPr b="0" i="0" sz="1200" u="none" cap="none" strike="noStrike">
                 <a:solidFill>
@@ -9834,13 +12883,20 @@
               </a:defRPr>
             </a:lvl1pPr>
             <a:lvl2pPr lvl="1" marR="0" rtl="0" algn="l">
-              <a:spcBef>
-                <a:spcPts val="0"/>
-              </a:spcBef>
-              <a:spcAft>
-                <a:spcPts val="0"/>
-              </a:spcAft>
-              <a:buSzPts val="1400"/>
+              <a:lnSpc>
+                <a:spcPct val="100000"/>
+              </a:lnSpc>
+              <a:spcBef>
+                <a:spcPts val="0"/>
+              </a:spcBef>
+              <a:spcAft>
+                <a:spcPts val="0"/>
+              </a:spcAft>
+              <a:buClr>
+                <a:srgbClr val="000000"/>
+              </a:buClr>
+              <a:buSzPts val="1400"/>
+              <a:buFont typeface="Arial"/>
               <a:buNone/>
               <a:defRPr b="0" i="0" sz="1800" u="none" cap="none" strike="noStrike">
                 <a:solidFill>
@@ -9853,13 +12909,20 @@
               </a:defRPr>
             </a:lvl2pPr>
             <a:lvl3pPr lvl="2" marR="0" rtl="0" algn="l">
-              <a:spcBef>
-                <a:spcPts val="0"/>
-              </a:spcBef>
-              <a:spcAft>
-                <a:spcPts val="0"/>
-              </a:spcAft>
-              <a:buSzPts val="1400"/>
+              <a:lnSpc>
+                <a:spcPct val="100000"/>
+              </a:lnSpc>
+              <a:spcBef>
+                <a:spcPts val="0"/>
+              </a:spcBef>
+              <a:spcAft>
+                <a:spcPts val="0"/>
+              </a:spcAft>
+              <a:buClr>
+                <a:srgbClr val="000000"/>
+              </a:buClr>
+              <a:buSzPts val="1400"/>
+              <a:buFont typeface="Arial"/>
               <a:buNone/>
               <a:defRPr b="0" i="0" sz="1800" u="none" cap="none" strike="noStrike">
                 <a:solidFill>
@@ -9872,13 +12935,20 @@
               </a:defRPr>
             </a:lvl3pPr>
             <a:lvl4pPr lvl="3" marR="0" rtl="0" algn="l">
-              <a:spcBef>
-                <a:spcPts val="0"/>
-              </a:spcBef>
-              <a:spcAft>
-                <a:spcPts val="0"/>
-              </a:spcAft>
-              <a:buSzPts val="1400"/>
+              <a:lnSpc>
+                <a:spcPct val="100000"/>
+              </a:lnSpc>
+              <a:spcBef>
+                <a:spcPts val="0"/>
+              </a:spcBef>
+              <a:spcAft>
+                <a:spcPts val="0"/>
+              </a:spcAft>
+              <a:buClr>
+                <a:srgbClr val="000000"/>
+              </a:buClr>
+              <a:buSzPts val="1400"/>
+              <a:buFont typeface="Arial"/>
               <a:buNone/>
               <a:defRPr b="0" i="0" sz="1800" u="none" cap="none" strike="noStrike">
                 <a:solidFill>
@@ -9891,13 +12961,20 @@
               </a:defRPr>
             </a:lvl4pPr>
             <a:lvl5pPr lvl="4" marR="0" rtl="0" algn="l">
-              <a:spcBef>
-                <a:spcPts val="0"/>
-              </a:spcBef>
-              <a:spcAft>
-                <a:spcPts val="0"/>
-              </a:spcAft>
-              <a:buSzPts val="1400"/>
+              <a:lnSpc>
+                <a:spcPct val="100000"/>
+              </a:lnSpc>
+              <a:spcBef>
+                <a:spcPts val="0"/>
+              </a:spcBef>
+              <a:spcAft>
+                <a:spcPts val="0"/>
+              </a:spcAft>
+              <a:buClr>
+                <a:srgbClr val="000000"/>
+              </a:buClr>
+              <a:buSzPts val="1400"/>
+              <a:buFont typeface="Arial"/>
               <a:buNone/>
               <a:defRPr b="0" i="0" sz="1800" u="none" cap="none" strike="noStrike">
                 <a:solidFill>
@@ -9910,13 +12987,20 @@
               </a:defRPr>
             </a:lvl5pPr>
             <a:lvl6pPr lvl="5" marR="0" rtl="0" algn="l">
-              <a:spcBef>
-                <a:spcPts val="0"/>
-              </a:spcBef>
-              <a:spcAft>
-                <a:spcPts val="0"/>
-              </a:spcAft>
-              <a:buSzPts val="1400"/>
+              <a:lnSpc>
+                <a:spcPct val="100000"/>
+              </a:lnSpc>
+              <a:spcBef>
+                <a:spcPts val="0"/>
+              </a:spcBef>
+              <a:spcAft>
+                <a:spcPts val="0"/>
+              </a:spcAft>
+              <a:buClr>
+                <a:srgbClr val="000000"/>
+              </a:buClr>
+              <a:buSzPts val="1400"/>
+              <a:buFont typeface="Arial"/>
               <a:buNone/>
               <a:defRPr b="0" i="0" sz="1800" u="none" cap="none" strike="noStrike">
                 <a:solidFill>
@@ -9929,13 +13013,20 @@
               </a:defRPr>
             </a:lvl6pPr>
             <a:lvl7pPr lvl="6" marR="0" rtl="0" algn="l">
-              <a:spcBef>
-                <a:spcPts val="0"/>
-              </a:spcBef>
-              <a:spcAft>
-                <a:spcPts val="0"/>
-              </a:spcAft>
-              <a:buSzPts val="1400"/>
+              <a:lnSpc>
+                <a:spcPct val="100000"/>
+              </a:lnSpc>
+              <a:spcBef>
+                <a:spcPts val="0"/>
+              </a:spcBef>
+              <a:spcAft>
+                <a:spcPts val="0"/>
+              </a:spcAft>
+              <a:buClr>
+                <a:srgbClr val="000000"/>
+              </a:buClr>
+              <a:buSzPts val="1400"/>
+              <a:buFont typeface="Arial"/>
               <a:buNone/>
               <a:defRPr b="0" i="0" sz="1800" u="none" cap="none" strike="noStrike">
                 <a:solidFill>
@@ -9948,13 +13039,20 @@
               </a:defRPr>
             </a:lvl7pPr>
             <a:lvl8pPr lvl="7" marR="0" rtl="0" algn="l">
-              <a:spcBef>
-                <a:spcPts val="0"/>
-              </a:spcBef>
-              <a:spcAft>
-                <a:spcPts val="0"/>
-              </a:spcAft>
-              <a:buSzPts val="1400"/>
+              <a:lnSpc>
+                <a:spcPct val="100000"/>
+              </a:lnSpc>
+              <a:spcBef>
+                <a:spcPts val="0"/>
+              </a:spcBef>
+              <a:spcAft>
+                <a:spcPts val="0"/>
+              </a:spcAft>
+              <a:buClr>
+                <a:srgbClr val="000000"/>
+              </a:buClr>
+              <a:buSzPts val="1400"/>
+              <a:buFont typeface="Arial"/>
               <a:buNone/>
               <a:defRPr b="0" i="0" sz="1800" u="none" cap="none" strike="noStrike">
                 <a:solidFill>
@@ -9967,13 +13065,20 @@
               </a:defRPr>
             </a:lvl8pPr>
             <a:lvl9pPr lvl="8" marR="0" rtl="0" algn="l">
-              <a:spcBef>
-                <a:spcPts val="0"/>
-              </a:spcBef>
-              <a:spcAft>
-                <a:spcPts val="0"/>
-              </a:spcAft>
-              <a:buSzPts val="1400"/>
+              <a:lnSpc>
+                <a:spcPct val="100000"/>
+              </a:lnSpc>
+              <a:spcBef>
+                <a:spcPts val="0"/>
+              </a:spcBef>
+              <a:spcAft>
+                <a:spcPts val="0"/>
+              </a:spcAft>
+              <a:buClr>
+                <a:srgbClr val="000000"/>
+              </a:buClr>
+              <a:buSzPts val="1400"/>
+              <a:buFont typeface="Arial"/>
               <a:buNone/>
               <a:defRPr b="0" i="0" sz="1800" u="none" cap="none" strike="noStrike">
                 <a:solidFill>
@@ -10016,13 +13121,20 @@
           </a:bodyPr>
           <a:lstStyle>
             <a:lvl1pPr lvl="0" marR="0" rtl="0" algn="ctr">
-              <a:spcBef>
-                <a:spcPts val="0"/>
-              </a:spcBef>
-              <a:spcAft>
-                <a:spcPts val="0"/>
-              </a:spcAft>
-              <a:buSzPts val="1400"/>
+              <a:lnSpc>
+                <a:spcPct val="100000"/>
+              </a:lnSpc>
+              <a:spcBef>
+                <a:spcPts val="0"/>
+              </a:spcBef>
+              <a:spcAft>
+                <a:spcPts val="0"/>
+              </a:spcAft>
+              <a:buClr>
+                <a:srgbClr val="000000"/>
+              </a:buClr>
+              <a:buSzPts val="1400"/>
+              <a:buFont typeface="Arial"/>
               <a:buNone/>
               <a:defRPr b="0" i="0" sz="1200" u="none" cap="none" strike="noStrike">
                 <a:solidFill>
@@ -10035,13 +13147,20 @@
               </a:defRPr>
             </a:lvl1pPr>
             <a:lvl2pPr lvl="1" marR="0" rtl="0" algn="l">
-              <a:spcBef>
-                <a:spcPts val="0"/>
-              </a:spcBef>
-              <a:spcAft>
-                <a:spcPts val="0"/>
-              </a:spcAft>
-              <a:buSzPts val="1400"/>
+              <a:lnSpc>
+                <a:spcPct val="100000"/>
+              </a:lnSpc>
+              <a:spcBef>
+                <a:spcPts val="0"/>
+              </a:spcBef>
+              <a:spcAft>
+                <a:spcPts val="0"/>
+              </a:spcAft>
+              <a:buClr>
+                <a:srgbClr val="000000"/>
+              </a:buClr>
+              <a:buSzPts val="1400"/>
+              <a:buFont typeface="Arial"/>
               <a:buNone/>
               <a:defRPr b="0" i="0" sz="1800" u="none" cap="none" strike="noStrike">
                 <a:solidFill>
@@ -10054,13 +13173,20 @@
               </a:defRPr>
             </a:lvl2pPr>
             <a:lvl3pPr lvl="2" marR="0" rtl="0" algn="l">
-              <a:spcBef>
-                <a:spcPts val="0"/>
-              </a:spcBef>
-              <a:spcAft>
-                <a:spcPts val="0"/>
-              </a:spcAft>
-              <a:buSzPts val="1400"/>
+              <a:lnSpc>
+                <a:spcPct val="100000"/>
+              </a:lnSpc>
+              <a:spcBef>
+                <a:spcPts val="0"/>
+              </a:spcBef>
+              <a:spcAft>
+                <a:spcPts val="0"/>
+              </a:spcAft>
+              <a:buClr>
+                <a:srgbClr val="000000"/>
+              </a:buClr>
+              <a:buSzPts val="1400"/>
+              <a:buFont typeface="Arial"/>
               <a:buNone/>
               <a:defRPr b="0" i="0" sz="1800" u="none" cap="none" strike="noStrike">
                 <a:solidFill>
@@ -10073,13 +13199,20 @@
               </a:defRPr>
             </a:lvl3pPr>
             <a:lvl4pPr lvl="3" marR="0" rtl="0" algn="l">
-              <a:spcBef>
-                <a:spcPts val="0"/>
-              </a:spcBef>
-              <a:spcAft>
-                <a:spcPts val="0"/>
-              </a:spcAft>
-              <a:buSzPts val="1400"/>
+              <a:lnSpc>
+                <a:spcPct val="100000"/>
+              </a:lnSpc>
+              <a:spcBef>
+                <a:spcPts val="0"/>
+              </a:spcBef>
+              <a:spcAft>
+                <a:spcPts val="0"/>
+              </a:spcAft>
+              <a:buClr>
+                <a:srgbClr val="000000"/>
+              </a:buClr>
+              <a:buSzPts val="1400"/>
+              <a:buFont typeface="Arial"/>
               <a:buNone/>
               <a:defRPr b="0" i="0" sz="1800" u="none" cap="none" strike="noStrike">
                 <a:solidFill>
@@ -10092,13 +13225,20 @@
               </a:defRPr>
             </a:lvl4pPr>
             <a:lvl5pPr lvl="4" marR="0" rtl="0" algn="l">
-              <a:spcBef>
-                <a:spcPts val="0"/>
-              </a:spcBef>
-              <a:spcAft>
-                <a:spcPts val="0"/>
-              </a:spcAft>
-              <a:buSzPts val="1400"/>
+              <a:lnSpc>
+                <a:spcPct val="100000"/>
+              </a:lnSpc>
+              <a:spcBef>
+                <a:spcPts val="0"/>
+              </a:spcBef>
+              <a:spcAft>
+                <a:spcPts val="0"/>
+              </a:spcAft>
+              <a:buClr>
+                <a:srgbClr val="000000"/>
+              </a:buClr>
+              <a:buSzPts val="1400"/>
+              <a:buFont typeface="Arial"/>
               <a:buNone/>
               <a:defRPr b="0" i="0" sz="1800" u="none" cap="none" strike="noStrike">
                 <a:solidFill>
@@ -10111,13 +13251,20 @@
               </a:defRPr>
             </a:lvl5pPr>
             <a:lvl6pPr lvl="5" marR="0" rtl="0" algn="l">
-              <a:spcBef>
-                <a:spcPts val="0"/>
-              </a:spcBef>
-              <a:spcAft>
-                <a:spcPts val="0"/>
-              </a:spcAft>
-              <a:buSzPts val="1400"/>
+              <a:lnSpc>
+                <a:spcPct val="100000"/>
+              </a:lnSpc>
+              <a:spcBef>
+                <a:spcPts val="0"/>
+              </a:spcBef>
+              <a:spcAft>
+                <a:spcPts val="0"/>
+              </a:spcAft>
+              <a:buClr>
+                <a:srgbClr val="000000"/>
+              </a:buClr>
+              <a:buSzPts val="1400"/>
+              <a:buFont typeface="Arial"/>
               <a:buNone/>
               <a:defRPr b="0" i="0" sz="1800" u="none" cap="none" strike="noStrike">
                 <a:solidFill>
@@ -10130,13 +13277,20 @@
               </a:defRPr>
             </a:lvl6pPr>
             <a:lvl7pPr lvl="6" marR="0" rtl="0" algn="l">
-              <a:spcBef>
-                <a:spcPts val="0"/>
-              </a:spcBef>
-              <a:spcAft>
-                <a:spcPts val="0"/>
-              </a:spcAft>
-              <a:buSzPts val="1400"/>
+              <a:lnSpc>
+                <a:spcPct val="100000"/>
+              </a:lnSpc>
+              <a:spcBef>
+                <a:spcPts val="0"/>
+              </a:spcBef>
+              <a:spcAft>
+                <a:spcPts val="0"/>
+              </a:spcAft>
+              <a:buClr>
+                <a:srgbClr val="000000"/>
+              </a:buClr>
+              <a:buSzPts val="1400"/>
+              <a:buFont typeface="Arial"/>
               <a:buNone/>
               <a:defRPr b="0" i="0" sz="1800" u="none" cap="none" strike="noStrike">
                 <a:solidFill>
@@ -10149,13 +13303,20 @@
               </a:defRPr>
             </a:lvl7pPr>
             <a:lvl8pPr lvl="7" marR="0" rtl="0" algn="l">
-              <a:spcBef>
-                <a:spcPts val="0"/>
-              </a:spcBef>
-              <a:spcAft>
-                <a:spcPts val="0"/>
-              </a:spcAft>
-              <a:buSzPts val="1400"/>
+              <a:lnSpc>
+                <a:spcPct val="100000"/>
+              </a:lnSpc>
+              <a:spcBef>
+                <a:spcPts val="0"/>
+              </a:spcBef>
+              <a:spcAft>
+                <a:spcPts val="0"/>
+              </a:spcAft>
+              <a:buClr>
+                <a:srgbClr val="000000"/>
+              </a:buClr>
+              <a:buSzPts val="1400"/>
+              <a:buFont typeface="Arial"/>
               <a:buNone/>
               <a:defRPr b="0" i="0" sz="1800" u="none" cap="none" strike="noStrike">
                 <a:solidFill>
@@ -10168,13 +13329,20 @@
               </a:defRPr>
             </a:lvl8pPr>
             <a:lvl9pPr lvl="8" marR="0" rtl="0" algn="l">
-              <a:spcBef>
-                <a:spcPts val="0"/>
-              </a:spcBef>
-              <a:spcAft>
-                <a:spcPts val="0"/>
-              </a:spcAft>
-              <a:buSzPts val="1400"/>
+              <a:lnSpc>
+                <a:spcPct val="100000"/>
+              </a:lnSpc>
+              <a:spcBef>
+                <a:spcPts val="0"/>
+              </a:spcBef>
+              <a:spcAft>
+                <a:spcPts val="0"/>
+              </a:spcAft>
+              <a:buClr>
+                <a:srgbClr val="000000"/>
+              </a:buClr>
+              <a:buSzPts val="1400"/>
+              <a:buFont typeface="Arial"/>
               <a:buNone/>
               <a:defRPr b="0" i="0" sz="1800" u="none" cap="none" strike="noStrike">
                 <a:solidFill>
@@ -10217,9 +13385,20 @@
           </a:bodyPr>
           <a:lstStyle>
             <a:lvl1pPr indent="0" lvl="0" marL="0" marR="0" rtl="0" algn="r">
-              <a:spcBef>
-                <a:spcPts val="0"/>
-              </a:spcBef>
+              <a:lnSpc>
+                <a:spcPct val="100000"/>
+              </a:lnSpc>
+              <a:spcBef>
+                <a:spcPts val="0"/>
+              </a:spcBef>
+              <a:spcAft>
+                <a:spcPts val="0"/>
+              </a:spcAft>
+              <a:buClr>
+                <a:srgbClr val="000000"/>
+              </a:buClr>
+              <a:buSzPts val="1200"/>
+              <a:buFont typeface="Arial"/>
               <a:buNone/>
               <a:defRPr b="0" i="0" sz="1200" u="none" cap="none" strike="noStrike">
                 <a:solidFill>
@@ -10232,9 +13411,20 @@
               </a:defRPr>
             </a:lvl1pPr>
             <a:lvl2pPr indent="0" lvl="1" marL="0" marR="0" rtl="0" algn="r">
-              <a:spcBef>
-                <a:spcPts val="0"/>
-              </a:spcBef>
+              <a:lnSpc>
+                <a:spcPct val="100000"/>
+              </a:lnSpc>
+              <a:spcBef>
+                <a:spcPts val="0"/>
+              </a:spcBef>
+              <a:spcAft>
+                <a:spcPts val="0"/>
+              </a:spcAft>
+              <a:buClr>
+                <a:srgbClr val="000000"/>
+              </a:buClr>
+              <a:buSzPts val="1200"/>
+              <a:buFont typeface="Arial"/>
               <a:buNone/>
               <a:defRPr b="0" i="0" sz="1200" u="none" cap="none" strike="noStrike">
                 <a:solidFill>
@@ -10247,9 +13437,20 @@
               </a:defRPr>
             </a:lvl2pPr>
             <a:lvl3pPr indent="0" lvl="2" marL="0" marR="0" rtl="0" algn="r">
-              <a:spcBef>
-                <a:spcPts val="0"/>
-              </a:spcBef>
+              <a:lnSpc>
+                <a:spcPct val="100000"/>
+              </a:lnSpc>
+              <a:spcBef>
+                <a:spcPts val="0"/>
+              </a:spcBef>
+              <a:spcAft>
+                <a:spcPts val="0"/>
+              </a:spcAft>
+              <a:buClr>
+                <a:srgbClr val="000000"/>
+              </a:buClr>
+              <a:buSzPts val="1200"/>
+              <a:buFont typeface="Arial"/>
               <a:buNone/>
               <a:defRPr b="0" i="0" sz="1200" u="none" cap="none" strike="noStrike">
                 <a:solidFill>
@@ -10262,9 +13463,20 @@
               </a:defRPr>
             </a:lvl3pPr>
             <a:lvl4pPr indent="0" lvl="3" marL="0" marR="0" rtl="0" algn="r">
-              <a:spcBef>
-                <a:spcPts val="0"/>
-              </a:spcBef>
+              <a:lnSpc>
+                <a:spcPct val="100000"/>
+              </a:lnSpc>
+              <a:spcBef>
+                <a:spcPts val="0"/>
+              </a:spcBef>
+              <a:spcAft>
+                <a:spcPts val="0"/>
+              </a:spcAft>
+              <a:buClr>
+                <a:srgbClr val="000000"/>
+              </a:buClr>
+              <a:buSzPts val="1200"/>
+              <a:buFont typeface="Arial"/>
               <a:buNone/>
               <a:defRPr b="0" i="0" sz="1200" u="none" cap="none" strike="noStrike">
                 <a:solidFill>
@@ -10277,9 +13489,20 @@
               </a:defRPr>
             </a:lvl4pPr>
             <a:lvl5pPr indent="0" lvl="4" marL="0" marR="0" rtl="0" algn="r">
-              <a:spcBef>
-                <a:spcPts val="0"/>
-              </a:spcBef>
+              <a:lnSpc>
+                <a:spcPct val="100000"/>
+              </a:lnSpc>
+              <a:spcBef>
+                <a:spcPts val="0"/>
+              </a:spcBef>
+              <a:spcAft>
+                <a:spcPts val="0"/>
+              </a:spcAft>
+              <a:buClr>
+                <a:srgbClr val="000000"/>
+              </a:buClr>
+              <a:buSzPts val="1200"/>
+              <a:buFont typeface="Arial"/>
               <a:buNone/>
               <a:defRPr b="0" i="0" sz="1200" u="none" cap="none" strike="noStrike">
                 <a:solidFill>
@@ -10292,9 +13515,20 @@
               </a:defRPr>
             </a:lvl5pPr>
             <a:lvl6pPr indent="0" lvl="5" marL="0" marR="0" rtl="0" algn="r">
-              <a:spcBef>
-                <a:spcPts val="0"/>
-              </a:spcBef>
+              <a:lnSpc>
+                <a:spcPct val="100000"/>
+              </a:lnSpc>
+              <a:spcBef>
+                <a:spcPts val="0"/>
+              </a:spcBef>
+              <a:spcAft>
+                <a:spcPts val="0"/>
+              </a:spcAft>
+              <a:buClr>
+                <a:srgbClr val="000000"/>
+              </a:buClr>
+              <a:buSzPts val="1200"/>
+              <a:buFont typeface="Arial"/>
               <a:buNone/>
               <a:defRPr b="0" i="0" sz="1200" u="none" cap="none" strike="noStrike">
                 <a:solidFill>
@@ -10307,9 +13541,20 @@
               </a:defRPr>
             </a:lvl6pPr>
             <a:lvl7pPr indent="0" lvl="6" marL="0" marR="0" rtl="0" algn="r">
-              <a:spcBef>
-                <a:spcPts val="0"/>
-              </a:spcBef>
+              <a:lnSpc>
+                <a:spcPct val="100000"/>
+              </a:lnSpc>
+              <a:spcBef>
+                <a:spcPts val="0"/>
+              </a:spcBef>
+              <a:spcAft>
+                <a:spcPts val="0"/>
+              </a:spcAft>
+              <a:buClr>
+                <a:srgbClr val="000000"/>
+              </a:buClr>
+              <a:buSzPts val="1200"/>
+              <a:buFont typeface="Arial"/>
               <a:buNone/>
               <a:defRPr b="0" i="0" sz="1200" u="none" cap="none" strike="noStrike">
                 <a:solidFill>
@@ -10322,9 +13567,20 @@
               </a:defRPr>
             </a:lvl7pPr>
             <a:lvl8pPr indent="0" lvl="7" marL="0" marR="0" rtl="0" algn="r">
-              <a:spcBef>
-                <a:spcPts val="0"/>
-              </a:spcBef>
+              <a:lnSpc>
+                <a:spcPct val="100000"/>
+              </a:lnSpc>
+              <a:spcBef>
+                <a:spcPts val="0"/>
+              </a:spcBef>
+              <a:spcAft>
+                <a:spcPts val="0"/>
+              </a:spcAft>
+              <a:buClr>
+                <a:srgbClr val="000000"/>
+              </a:buClr>
+              <a:buSzPts val="1200"/>
+              <a:buFont typeface="Arial"/>
               <a:buNone/>
               <a:defRPr b="0" i="0" sz="1200" u="none" cap="none" strike="noStrike">
                 <a:solidFill>
@@ -10337,9 +13593,20 @@
               </a:defRPr>
             </a:lvl8pPr>
             <a:lvl9pPr indent="0" lvl="8" marL="0" marR="0" rtl="0" algn="r">
-              <a:spcBef>
-                <a:spcPts val="0"/>
-              </a:spcBef>
+              <a:lnSpc>
+                <a:spcPct val="100000"/>
+              </a:lnSpc>
+              <a:spcBef>
+                <a:spcPts val="0"/>
+              </a:spcBef>
+              <a:spcAft>
+                <a:spcPts val="0"/>
+              </a:spcAft>
+              <a:buClr>
+                <a:srgbClr val="000000"/>
+              </a:buClr>
+              <a:buSzPts val="1200"/>
+              <a:buFont typeface="Arial"/>
               <a:buNone/>
               <a:defRPr b="0" i="0" sz="1200" u="none" cap="none" strike="noStrike">
                 <a:solidFill>
@@ -11155,7 +14422,7 @@
                   <a:schemeClr val="lt1"/>
                 </a:solidFill>
               </a:rPr>
-              <a:t>How many films are there in each category?</a:t>
+              <a:t>What is the total revenue generated by each store?</a:t>
             </a:r>
             <a:endParaRPr b="1"/>
           </a:p>
@@ -11169,8 +14436,8 @@
         </p:nvSpPr>
         <p:spPr>
           <a:xfrm>
-            <a:off x="7255375" y="1176950"/>
-            <a:ext cx="4669800" cy="3140100"/>
+            <a:off x="7191275" y="2280875"/>
+            <a:ext cx="4669800" cy="3047700"/>
           </a:xfrm>
           <a:prstGeom prst="rect">
             <a:avLst/>
@@ -11187,16 +14454,24 @@
           <a:lstStyle/>
           <a:p>
             <a:pPr indent="0" lvl="0" marL="0" marR="0" rtl="0" algn="l">
-              <a:spcBef>
-                <a:spcPts val="0"/>
-              </a:spcBef>
-              <a:spcAft>
-                <a:spcPts val="0"/>
-              </a:spcAft>
+              <a:lnSpc>
+                <a:spcPct val="100000"/>
+              </a:lnSpc>
+              <a:spcBef>
+                <a:spcPts val="0"/>
+              </a:spcBef>
+              <a:spcAft>
+                <a:spcPts val="0"/>
+              </a:spcAft>
+              <a:buClr>
+                <a:srgbClr val="000000"/>
+              </a:buClr>
+              <a:buSzPts val="1800"/>
+              <a:buFont typeface="Arial"/>
               <a:buNone/>
             </a:pPr>
             <a:r>
-              <a:rPr b="1" lang="en-US" sz="1800">
+              <a:rPr b="1" lang="en-US" sz="2400">
                 <a:solidFill>
                   <a:schemeClr val="dk1"/>
                 </a:solidFill>
@@ -11204,14 +14479,22 @@
               <a:t>Description</a:t>
             </a:r>
             <a:r>
-              <a:rPr lang="en-US" sz="1800">
+              <a:rPr lang="en-US" sz="2400">
                 <a:solidFill>
                   <a:schemeClr val="dk1"/>
                 </a:solidFill>
               </a:rPr>
-              <a:t>: This question aims to determine the distribution of films across various categories. By analyzing the number of films in each category, we can gain insights into the diversity of film genres and identify which categories have more or fewer films. The chart visualizes this distribution, showing the count of films in each category, which can help in understanding genre popularity and collection focus.</a:t>
+              <a:t>: This chart shows the total revenue generated by each store. It provides insights into how much each store contributes to the overall revenue, helping to identify which stores are performing the best financially.</a:t>
             </a:r>
-            <a:endParaRPr sz="2100"/>
+            <a:endParaRPr b="0" i="0" sz="2400" u="none" cap="none" strike="noStrike">
+              <a:solidFill>
+                <a:srgbClr val="000000"/>
+              </a:solidFill>
+              <a:latin typeface="Arial"/>
+              <a:ea typeface="Arial"/>
+              <a:cs typeface="Arial"/>
+              <a:sym typeface="Arial"/>
+            </a:endParaRPr>
           </a:p>
         </p:txBody>
       </p:sp>
@@ -11231,8 +14514,8 @@
         </p:blipFill>
         <p:spPr>
           <a:xfrm>
-            <a:off x="370325" y="903850"/>
-            <a:ext cx="6820949" cy="5801749"/>
+            <a:off x="267075" y="1325438"/>
+            <a:ext cx="6886477" cy="4958572"/>
           </a:xfrm>
           <a:prstGeom prst="rect">
             <a:avLst/>
@@ -11319,7 +14602,15 @@
                   <a:schemeClr val="lt1"/>
                 </a:solidFill>
               </a:rPr>
-              <a:t>2. What are the total payments made by each customer?</a:t>
+              <a:t>2. </a:t>
+            </a:r>
+            <a:r>
+              <a:rPr b="1" lang="en-US" sz="2800">
+                <a:solidFill>
+                  <a:schemeClr val="lt1"/>
+                </a:solidFill>
+              </a:rPr>
+              <a:t>What are the average rental rates for each film category?</a:t>
             </a:r>
             <a:endParaRPr b="1"/>
           </a:p>
@@ -11333,8 +14624,8 @@
         </p:nvSpPr>
         <p:spPr>
           <a:xfrm>
-            <a:off x="8428775" y="1176951"/>
-            <a:ext cx="3496200" cy="4833300"/>
+            <a:off x="8428725" y="2089951"/>
+            <a:ext cx="3496200" cy="2678100"/>
           </a:xfrm>
           <a:prstGeom prst="rect">
             <a:avLst/>
@@ -11351,16 +14642,24 @@
           <a:lstStyle/>
           <a:p>
             <a:pPr indent="0" lvl="0" marL="0" marR="0" rtl="0" algn="l">
-              <a:spcBef>
-                <a:spcPts val="0"/>
-              </a:spcBef>
-              <a:spcAft>
-                <a:spcPts val="0"/>
-              </a:spcAft>
+              <a:lnSpc>
+                <a:spcPct val="100000"/>
+              </a:lnSpc>
+              <a:spcBef>
+                <a:spcPts val="0"/>
+              </a:spcBef>
+              <a:spcAft>
+                <a:spcPts val="0"/>
+              </a:spcAft>
+              <a:buClr>
+                <a:srgbClr val="000000"/>
+              </a:buClr>
+              <a:buSzPts val="2200"/>
+              <a:buFont typeface="Arial"/>
               <a:buNone/>
             </a:pPr>
             <a:r>
-              <a:rPr b="1" lang="en-US" sz="2200">
+              <a:rPr b="1" lang="en-US" sz="2400">
                 <a:solidFill>
                   <a:schemeClr val="dk1"/>
                 </a:solidFill>
@@ -11368,14 +14667,22 @@
               <a:t>Description</a:t>
             </a:r>
             <a:r>
-              <a:rPr lang="en-US" sz="2200">
+              <a:rPr lang="en-US" sz="2400">
                 <a:solidFill>
                   <a:schemeClr val="dk1"/>
                 </a:solidFill>
               </a:rPr>
-              <a:t>: This chart displays the total payment amounts for each customer. Each bar represents a customer, and the length of the bar shows the total payment amount made by that customer. The chart is sorted in descending order of total payments, allowing you to easily identify which customers have made the highest payments.</a:t>
+              <a:t>: This chart displays the average rental rate for each film category. It helps in understanding which categories have higher rental rates on average.</a:t>
             </a:r>
-            <a:endParaRPr sz="2500"/>
+            <a:endParaRPr b="0" i="0" sz="2400" u="none" cap="none" strike="noStrike">
+              <a:solidFill>
+                <a:srgbClr val="000000"/>
+              </a:solidFill>
+              <a:latin typeface="Arial"/>
+              <a:ea typeface="Arial"/>
+              <a:cs typeface="Arial"/>
+              <a:sym typeface="Arial"/>
+            </a:endParaRPr>
           </a:p>
         </p:txBody>
       </p:sp>
@@ -11395,8 +14702,8 @@
         </p:blipFill>
         <p:spPr>
           <a:xfrm>
-            <a:off x="152400" y="903838"/>
-            <a:ext cx="8123974" cy="5790983"/>
+            <a:off x="267075" y="942288"/>
+            <a:ext cx="7780790" cy="5801763"/>
           </a:xfrm>
           <a:prstGeom prst="rect">
             <a:avLst/>
@@ -11458,12 +14765,20 @@
           <a:lstStyle/>
           <a:p>
             <a:pPr indent="0" lvl="0" marL="0" marR="0" rtl="0" algn="l">
-              <a:spcBef>
-                <a:spcPts val="0"/>
-              </a:spcBef>
-              <a:spcAft>
-                <a:spcPts val="0"/>
-              </a:spcAft>
+              <a:lnSpc>
+                <a:spcPct val="100000"/>
+              </a:lnSpc>
+              <a:spcBef>
+                <a:spcPts val="0"/>
+              </a:spcBef>
+              <a:spcAft>
+                <a:spcPts val="0"/>
+              </a:spcAft>
+              <a:buClr>
+                <a:srgbClr val="000000"/>
+              </a:buClr>
+              <a:buSzPts val="2400"/>
+              <a:buFont typeface="Arial"/>
               <a:buNone/>
             </a:pPr>
             <a:r>
@@ -11480,9 +14795,17 @@
                   <a:schemeClr val="dk1"/>
                 </a:solidFill>
               </a:rPr>
-              <a:t>: This chart displays the top 5 longest films from the dataset, showing each film's title and its duration. By visualizing the film lengths, you can quickly identify which films have the longest runtimes and compare their lengths.</a:t>
+              <a:t>: This query shows the distribution of films based on their rating across different categories. It helps to understand how ratings are distributed within each film category, providing insights into the rating trends within various categories.</a:t>
             </a:r>
-            <a:endParaRPr sz="2700"/>
+            <a:endParaRPr b="0" i="0" sz="2400" u="none" cap="none" strike="noStrike">
+              <a:solidFill>
+                <a:srgbClr val="000000"/>
+              </a:solidFill>
+              <a:latin typeface="Arial"/>
+              <a:ea typeface="Arial"/>
+              <a:cs typeface="Arial"/>
+              <a:sym typeface="Arial"/>
+            </a:endParaRPr>
           </a:p>
         </p:txBody>
       </p:sp>
@@ -11511,7 +14834,7 @@
         </p:spPr>
         <p:txBody>
           <a:bodyPr anchorCtr="0" anchor="t" bIns="45700" lIns="91425" spcFirstLastPara="1" rIns="91425" wrap="square" tIns="45700">
-            <a:normAutofit/>
+            <a:normAutofit fontScale="77500"/>
           </a:bodyPr>
           <a:lstStyle/>
           <a:p>
@@ -11528,7 +14851,7 @@
               <a:buClr>
                 <a:schemeClr val="lt1"/>
               </a:buClr>
-              <a:buSzPts val="2800"/>
+              <a:buSzPct val="100000"/>
               <a:buNone/>
             </a:pPr>
             <a:r>
@@ -11537,7 +14860,7 @@
                   <a:schemeClr val="lt1"/>
                 </a:solidFill>
               </a:rPr>
-              <a:t>3</a:t>
+              <a:t>3. </a:t>
             </a:r>
             <a:r>
               <a:rPr b="1" lang="en-US" sz="2800">
@@ -11545,15 +14868,7 @@
                   <a:schemeClr val="lt1"/>
                 </a:solidFill>
               </a:rPr>
-              <a:t>. </a:t>
-            </a:r>
-            <a:r>
-              <a:rPr b="1" lang="en-US" sz="2800">
-                <a:solidFill>
-                  <a:schemeClr val="lt1"/>
-                </a:solidFill>
-              </a:rPr>
-              <a:t>What are the top 5 longest films in the dataset?</a:t>
+              <a:t>What is the distribution of films based on their rating across different categories?</a:t>
             </a:r>
             <a:endParaRPr b="1"/>
           </a:p>
@@ -11575,8 +14890,8 @@
         </p:blipFill>
         <p:spPr>
           <a:xfrm>
-            <a:off x="152400" y="903889"/>
-            <a:ext cx="8123974" cy="5090914"/>
+            <a:off x="267075" y="903900"/>
+            <a:ext cx="8009299" cy="5620825"/>
           </a:xfrm>
           <a:prstGeom prst="rect">
             <a:avLst/>
@@ -11620,8 +14935,8 @@
         </p:nvSpPr>
         <p:spPr>
           <a:xfrm>
-            <a:off x="8428775" y="1176951"/>
-            <a:ext cx="3496200" cy="3786600"/>
+            <a:off x="7793475" y="1535700"/>
+            <a:ext cx="4131300" cy="3786600"/>
           </a:xfrm>
           <a:prstGeom prst="rect">
             <a:avLst/>
@@ -11638,12 +14953,20 @@
           <a:lstStyle/>
           <a:p>
             <a:pPr indent="0" lvl="0" marL="0" marR="0" rtl="0" algn="l">
-              <a:spcBef>
-                <a:spcPts val="0"/>
-              </a:spcBef>
-              <a:spcAft>
-                <a:spcPts val="0"/>
-              </a:spcAft>
+              <a:lnSpc>
+                <a:spcPct val="100000"/>
+              </a:lnSpc>
+              <a:spcBef>
+                <a:spcPts val="0"/>
+              </a:spcBef>
+              <a:spcAft>
+                <a:spcPts val="0"/>
+              </a:spcAft>
+              <a:buClr>
+                <a:srgbClr val="000000"/>
+              </a:buClr>
+              <a:buSzPts val="2400"/>
+              <a:buFont typeface="Arial"/>
               <a:buNone/>
             </a:pPr>
             <a:r>
@@ -11660,9 +14983,17 @@
                   <a:schemeClr val="dk1"/>
                 </a:solidFill>
               </a:rPr>
-              <a:t>: This chart displays the top 5 films with the highest rental rates from the database. Each bar represents a film and its rental rate, helping to quickly identify which films are the most expensive to rent.</a:t>
+              <a:t>: This chart shows the distribution of film lengths across different length categories (Short, Medium, Long). It helps in understanding how films are distributed based on their length, which can provide insights into the type of films the database holds.</a:t>
             </a:r>
-            <a:endParaRPr sz="2400"/>
+            <a:endParaRPr b="0" i="0" sz="2400" u="none" cap="none" strike="noStrike">
+              <a:solidFill>
+                <a:srgbClr val="000000"/>
+              </a:solidFill>
+              <a:latin typeface="Arial"/>
+              <a:ea typeface="Arial"/>
+              <a:cs typeface="Arial"/>
+              <a:sym typeface="Arial"/>
+            </a:endParaRPr>
           </a:p>
         </p:txBody>
       </p:sp>
@@ -11676,8 +15007,8 @@
         </p:nvSpPr>
         <p:spPr>
           <a:xfrm>
-            <a:off x="267077" y="206989"/>
-            <a:ext cx="11657700" cy="544500"/>
+            <a:off x="267075" y="207005"/>
+            <a:ext cx="11657700" cy="780000"/>
           </a:xfrm>
           <a:prstGeom prst="rect">
             <a:avLst/>
@@ -11691,7 +15022,7 @@
         </p:spPr>
         <p:txBody>
           <a:bodyPr anchorCtr="0" anchor="t" bIns="45700" lIns="91425" spcFirstLastPara="1" rIns="91425" wrap="square" tIns="45700">
-            <a:normAutofit/>
+            <a:normAutofit lnSpcReduction="10000"/>
           </a:bodyPr>
           <a:lstStyle/>
           <a:p>
@@ -11717,7 +15048,7 @@
                   <a:schemeClr val="lt1"/>
                 </a:solidFill>
               </a:rPr>
-              <a:t>4</a:t>
+              <a:t>4. </a:t>
             </a:r>
             <a:r>
               <a:rPr b="1" lang="en-US" sz="2800">
@@ -11725,15 +15056,7 @@
                   <a:schemeClr val="lt1"/>
                 </a:solidFill>
               </a:rPr>
-              <a:t>. </a:t>
-            </a:r>
-            <a:r>
-              <a:rPr b="1" lang="en-US" sz="2800">
-                <a:solidFill>
-                  <a:schemeClr val="lt1"/>
-                </a:solidFill>
-              </a:rPr>
-              <a:t>What are the top 5 films with the highest rental rates?</a:t>
+              <a:t>What is the distribution of film lengths across different length categories (e.g., Short, Medium, Long)?</a:t>
             </a:r>
             <a:endParaRPr b="1"/>
           </a:p>
@@ -11755,8 +15078,8 @@
         </p:blipFill>
         <p:spPr>
           <a:xfrm>
-            <a:off x="434400" y="903889"/>
-            <a:ext cx="7315201" cy="5801711"/>
+            <a:off x="1190725" y="1176950"/>
+            <a:ext cx="5598701" cy="5528649"/>
           </a:xfrm>
           <a:prstGeom prst="rect">
             <a:avLst/>
